--- a/summer updates.pptx
+++ b/summer updates.pptx
@@ -5,14 +5,19 @@
     <p:sldMasterId id="2147483708" r:id="rId1"/>
   </p:sldMasterIdLst>
   <p:notesMasterIdLst>
-    <p:notesMasterId r:id="rId7"/>
+    <p:notesMasterId r:id="rId12"/>
   </p:notesMasterIdLst>
   <p:sldIdLst>
     <p:sldId id="258" r:id="rId2"/>
     <p:sldId id="259" r:id="rId3"/>
     <p:sldId id="260" r:id="rId4"/>
     <p:sldId id="261" r:id="rId5"/>
-    <p:sldId id="262" r:id="rId6"/>
+    <p:sldId id="263" r:id="rId6"/>
+    <p:sldId id="264" r:id="rId7"/>
+    <p:sldId id="265" r:id="rId8"/>
+    <p:sldId id="266" r:id="rId9"/>
+    <p:sldId id="267" r:id="rId10"/>
+    <p:sldId id="262" r:id="rId11"/>
   </p:sldIdLst>
   <p:sldSz cx="12192000" cy="6858000"/>
   <p:notesSz cx="6858000" cy="9144000"/>
@@ -219,7 +224,7 @@
           <a:p>
             <a:fld id="{AB81B2D2-06A2-4596-9391-656CA05E965F}" type="datetimeFigureOut">
               <a:rPr lang="et-EE" smtClean="0"/>
-              <a:t>11.08.2025</a:t>
+              <a:t>12.08.2025</a:t>
             </a:fld>
             <a:endParaRPr lang="et-EE"/>
           </a:p>
@@ -633,7 +638,7 @@
           <a:p>
             <a:fld id="{0E412FDE-1CFE-48F6-820F-9C443C301228}" type="datetime1">
               <a:rPr lang="et-EE" smtClean="0"/>
-              <a:t>11.08.2025</a:t>
+              <a:t>12.08.2025</a:t>
             </a:fld>
             <a:endParaRPr lang="et-EE" dirty="0"/>
           </a:p>
@@ -817,7 +822,7 @@
           <a:p>
             <a:fld id="{B64C0CFC-214E-42F4-8B82-CC6D451BD70F}" type="datetime1">
               <a:rPr lang="et-EE" smtClean="0"/>
-              <a:t>11.08.2025</a:t>
+              <a:t>12.08.2025</a:t>
             </a:fld>
             <a:endParaRPr lang="et-EE"/>
           </a:p>
@@ -1000,7 +1005,7 @@
           <a:p>
             <a:fld id="{5AB58BF1-41C1-47B8-ACAE-F9884B88C63A}" type="datetime1">
               <a:rPr lang="et-EE" smtClean="0"/>
-              <a:t>11.08.2025</a:t>
+              <a:t>12.08.2025</a:t>
             </a:fld>
             <a:endParaRPr lang="et-EE"/>
           </a:p>
@@ -1262,7 +1267,7 @@
           <a:p>
             <a:fld id="{E1CF8E31-244F-4A6A-A7D5-704B96C48AAE}" type="datetime1">
               <a:rPr lang="et-EE" smtClean="0"/>
-              <a:t>11.08.2025</a:t>
+              <a:t>12.08.2025</a:t>
             </a:fld>
             <a:endParaRPr lang="et-EE" dirty="0"/>
           </a:p>
@@ -1974,7 +1979,7 @@
           <a:p>
             <a:fld id="{CF92296B-3A94-4787-AA7D-8DC0AEE88FD4}" type="datetime1">
               <a:rPr lang="et-EE" smtClean="0"/>
-              <a:t>11.08.2025</a:t>
+              <a:t>12.08.2025</a:t>
             </a:fld>
             <a:endParaRPr lang="et-EE"/>
           </a:p>
@@ -2344,7 +2349,7 @@
           <a:p>
             <a:fld id="{185751C1-87AF-4EAC-9696-BB82432B7753}" type="datetime1">
               <a:rPr lang="et-EE" smtClean="0"/>
-              <a:t>11.08.2025</a:t>
+              <a:t>12.08.2025</a:t>
             </a:fld>
             <a:endParaRPr lang="et-EE"/>
           </a:p>
@@ -2442,7 +2447,7 @@
           <a:p>
             <a:fld id="{E493E3B0-4572-4FE0-8E55-6746BFAADA96}" type="datetime1">
               <a:rPr lang="et-EE" smtClean="0"/>
-              <a:t>11.08.2025</a:t>
+              <a:t>12.08.2025</a:t>
             </a:fld>
             <a:endParaRPr lang="et-EE"/>
           </a:p>
@@ -2587,7 +2592,7 @@
           <a:p>
             <a:fld id="{EE4C4D14-98D7-455C-9D0D-2863E0C0AA0D}" type="datetime1">
               <a:rPr lang="et-EE" smtClean="0"/>
-              <a:t>11.08.2025</a:t>
+              <a:t>12.08.2025</a:t>
             </a:fld>
             <a:endParaRPr lang="et-EE"/>
           </a:p>
@@ -2867,7 +2872,7 @@
           <a:p>
             <a:fld id="{94997DBE-8AE5-4A6F-9E25-F62C693D8ED5}" type="datetime1">
               <a:rPr lang="et-EE" smtClean="0"/>
-              <a:t>11.08.2025</a:t>
+              <a:t>12.08.2025</a:t>
             </a:fld>
             <a:endParaRPr lang="et-EE"/>
           </a:p>
@@ -3127,7 +3132,7 @@
           <a:p>
             <a:fld id="{DA3B51F9-97BE-4EFF-9934-D6DB8E40FF5E}" type="datetime1">
               <a:rPr lang="et-EE" smtClean="0"/>
-              <a:t>11.08.2025</a:t>
+              <a:t>12.08.2025</a:t>
             </a:fld>
             <a:endParaRPr lang="et-EE"/>
           </a:p>
@@ -3344,7 +3349,7 @@
           <a:p>
             <a:fld id="{E7C7EEDD-722C-4F14-9239-A37AD281B51F}" type="datetime1">
               <a:rPr lang="et-EE" smtClean="0"/>
-              <a:t>11.08.2025</a:t>
+              <a:t>12.08.2025</a:t>
             </a:fld>
             <a:endParaRPr lang="et-EE" dirty="0"/>
           </a:p>
@@ -3860,7 +3865,7 @@
                 <a:latin typeface="Arial" panose="020B0604020202020204" pitchFamily="34" charset="0"/>
                 <a:cs typeface="Arial" panose="020B0604020202020204" pitchFamily="34" charset="0"/>
               </a:rPr>
-              <a:t>11.08.2025</a:t>
+              <a:t>12.08.2025</a:t>
             </a:fld>
             <a:endParaRPr lang="et-EE" dirty="0">
               <a:solidFill>
@@ -3950,21 +3955,249 @@
           <a:p>
             <a:r>
               <a:rPr lang="en-US" dirty="0"/>
-              <a:t>5 months from PO</a:t>
-            </a:r>
-          </a:p>
-          <a:p>
-            <a:r>
-              <a:rPr lang="en-US" dirty="0"/>
-              <a:t>Picture with parameters</a:t>
-            </a:r>
-          </a:p>
-        </p:txBody>
-      </p:sp>
+              <a:t>Delivery 5 months from PO</a:t>
+            </a:r>
+            <a:endParaRPr lang="et-EE" dirty="0"/>
+          </a:p>
+          <a:p>
+            <a:r>
+              <a:rPr lang="et-EE" dirty="0"/>
+              <a:t>30 and 25 cm</a:t>
+            </a:r>
+          </a:p>
+          <a:p>
+            <a:r>
+              <a:rPr lang="et-EE" dirty="0"/>
+              <a:t>Mounting is TBD</a:t>
+            </a:r>
+            <a:endParaRPr lang="en-US" dirty="0"/>
+          </a:p>
+          <a:p>
+            <a:endParaRPr lang="en-US" dirty="0"/>
+          </a:p>
+        </p:txBody>
+      </p:sp>
+      <p:pic>
+        <p:nvPicPr>
+          <p:cNvPr id="7" name="Picture 6">
+            <a:extLst>
+              <a:ext uri="{FF2B5EF4-FFF2-40B4-BE49-F238E27FC236}">
+                <a16:creationId xmlns:a16="http://schemas.microsoft.com/office/drawing/2014/main" id="{8E33973A-4DE4-4240-8781-0DEAC1A206E7}"/>
+              </a:ext>
+            </a:extLst>
+          </p:cNvPr>
+          <p:cNvPicPr>
+            <a:picLocks noChangeAspect="1"/>
+          </p:cNvPicPr>
+          <p:nvPr/>
+        </p:nvPicPr>
+        <p:blipFill>
+          <a:blip r:embed="rId2"/>
+          <a:stretch>
+            <a:fillRect/>
+          </a:stretch>
+        </p:blipFill>
+        <p:spPr>
+          <a:xfrm>
+            <a:off x="6289402" y="2216419"/>
+            <a:ext cx="4493726" cy="3725346"/>
+          </a:xfrm>
+          <a:prstGeom prst="rect">
+            <a:avLst/>
+          </a:prstGeom>
+        </p:spPr>
+      </p:pic>
     </p:spTree>
     <p:extLst>
       <p:ext uri="{BB962C8B-B14F-4D97-AF65-F5344CB8AC3E}">
         <p14:creationId xmlns:p14="http://schemas.microsoft.com/office/powerpoint/2010/main" val="557477712"/>
+      </p:ext>
+    </p:extLst>
+  </p:cSld>
+  <p:clrMapOvr>
+    <a:masterClrMapping/>
+  </p:clrMapOvr>
+</p:sld>
+</file>
+
+<file path=ppt/slides/slide10.xml><?xml version="1.0" encoding="utf-8"?>
+<p:sld xmlns:a="http://schemas.openxmlformats.org/drawingml/2006/main" xmlns:r="http://schemas.openxmlformats.org/officeDocument/2006/relationships" xmlns:p="http://schemas.openxmlformats.org/presentationml/2006/main">
+  <p:cSld>
+    <p:spTree>
+      <p:nvGrpSpPr>
+        <p:cNvPr id="1" name=""/>
+        <p:cNvGrpSpPr/>
+        <p:nvPr/>
+      </p:nvGrpSpPr>
+      <p:grpSpPr>
+        <a:xfrm>
+          <a:off x="0" y="0"/>
+          <a:ext cx="0" cy="0"/>
+          <a:chOff x="0" y="0"/>
+          <a:chExt cx="0" cy="0"/>
+        </a:xfrm>
+      </p:grpSpPr>
+      <p:sp>
+        <p:nvSpPr>
+          <p:cNvPr id="2" name="Title 1">
+            <a:extLst>
+              <a:ext uri="{FF2B5EF4-FFF2-40B4-BE49-F238E27FC236}">
+                <a16:creationId xmlns:a16="http://schemas.microsoft.com/office/drawing/2014/main" id="{FA12EFBD-5F08-43C0-BE93-D7FD95954CC0}"/>
+              </a:ext>
+            </a:extLst>
+          </p:cNvPr>
+          <p:cNvSpPr>
+            <a:spLocks noGrp="1"/>
+          </p:cNvSpPr>
+          <p:nvPr>
+            <p:ph type="title"/>
+          </p:nvPr>
+        </p:nvSpPr>
+        <p:spPr/>
+        <p:txBody>
+          <a:bodyPr/>
+          <a:lstStyle/>
+          <a:p>
+            <a:r>
+              <a:rPr lang="en-US" dirty="0"/>
+              <a:t>Issues</a:t>
+            </a:r>
+            <a:endParaRPr lang="LID4096" dirty="0"/>
+          </a:p>
+        </p:txBody>
+      </p:sp>
+      <p:sp>
+        <p:nvSpPr>
+          <p:cNvPr id="3" name="Content Placeholder 2">
+            <a:extLst>
+              <a:ext uri="{FF2B5EF4-FFF2-40B4-BE49-F238E27FC236}">
+                <a16:creationId xmlns:a16="http://schemas.microsoft.com/office/drawing/2014/main" id="{42217556-4098-439A-BCF9-903E23F1F416}"/>
+              </a:ext>
+            </a:extLst>
+          </p:cNvPr>
+          <p:cNvSpPr>
+            <a:spLocks noGrp="1"/>
+          </p:cNvSpPr>
+          <p:nvPr>
+            <p:ph idx="1"/>
+          </p:nvPr>
+        </p:nvSpPr>
+        <p:spPr/>
+        <p:txBody>
+          <a:bodyPr/>
+          <a:lstStyle/>
+          <a:p>
+            <a:r>
+              <a:rPr lang="en-US" dirty="0"/>
+              <a:t>Lasers and table</a:t>
+            </a:r>
+          </a:p>
+          <a:p>
+            <a:r>
+              <a:rPr lang="en-US" dirty="0"/>
+              <a:t>And the lab infrastructure</a:t>
+            </a:r>
+          </a:p>
+          <a:p>
+            <a:r>
+              <a:rPr lang="en-US" dirty="0"/>
+              <a:t>I need a TAC committee</a:t>
+            </a:r>
+            <a:endParaRPr lang="LID4096" dirty="0"/>
+          </a:p>
+        </p:txBody>
+      </p:sp>
+      <p:sp>
+        <p:nvSpPr>
+          <p:cNvPr id="4" name="Date Placeholder 3">
+            <a:extLst>
+              <a:ext uri="{FF2B5EF4-FFF2-40B4-BE49-F238E27FC236}">
+                <a16:creationId xmlns:a16="http://schemas.microsoft.com/office/drawing/2014/main" id="{32A1CB81-65A3-4F21-BB8C-2DD5854BB5D2}"/>
+              </a:ext>
+            </a:extLst>
+          </p:cNvPr>
+          <p:cNvSpPr>
+            <a:spLocks noGrp="1"/>
+          </p:cNvSpPr>
+          <p:nvPr>
+            <p:ph type="dt" sz="half" idx="10"/>
+          </p:nvPr>
+        </p:nvSpPr>
+        <p:spPr/>
+        <p:txBody>
+          <a:bodyPr/>
+          <a:lstStyle/>
+          <a:p>
+            <a:fld id="{E1CF8E31-244F-4A6A-A7D5-704B96C48AAE}" type="datetime1">
+              <a:rPr lang="et-EE" smtClean="0"/>
+              <a:t>12.08.2025</a:t>
+            </a:fld>
+            <a:endParaRPr lang="et-EE" dirty="0"/>
+          </a:p>
+        </p:txBody>
+      </p:sp>
+      <p:sp>
+        <p:nvSpPr>
+          <p:cNvPr id="5" name="Footer Placeholder 4">
+            <a:extLst>
+              <a:ext uri="{FF2B5EF4-FFF2-40B4-BE49-F238E27FC236}">
+                <a16:creationId xmlns:a16="http://schemas.microsoft.com/office/drawing/2014/main" id="{0BE7F83D-3673-493A-9F65-68832AB99371}"/>
+              </a:ext>
+            </a:extLst>
+          </p:cNvPr>
+          <p:cNvSpPr>
+            <a:spLocks noGrp="1"/>
+          </p:cNvSpPr>
+          <p:nvPr>
+            <p:ph type="ftr" sz="quarter" idx="11"/>
+          </p:nvPr>
+        </p:nvSpPr>
+        <p:spPr/>
+        <p:txBody>
+          <a:bodyPr/>
+          <a:lstStyle/>
+          <a:p>
+            <a:r>
+              <a:rPr lang="et-EE"/>
+              <a:t>Weekly</a:t>
+            </a:r>
+          </a:p>
+        </p:txBody>
+      </p:sp>
+      <p:sp>
+        <p:nvSpPr>
+          <p:cNvPr id="6" name="Slide Number Placeholder 5">
+            <a:extLst>
+              <a:ext uri="{FF2B5EF4-FFF2-40B4-BE49-F238E27FC236}">
+                <a16:creationId xmlns:a16="http://schemas.microsoft.com/office/drawing/2014/main" id="{00EE5B2F-5B77-4616-9F7B-F35BB8282833}"/>
+              </a:ext>
+            </a:extLst>
+          </p:cNvPr>
+          <p:cNvSpPr>
+            <a:spLocks noGrp="1"/>
+          </p:cNvSpPr>
+          <p:nvPr>
+            <p:ph type="sldNum" sz="quarter" idx="12"/>
+          </p:nvPr>
+        </p:nvSpPr>
+        <p:spPr/>
+        <p:txBody>
+          <a:bodyPr/>
+          <a:lstStyle/>
+          <a:p>
+            <a:fld id="{9F39E346-B1F3-4075-BD67-234EF0F10AC6}" type="slidenum">
+              <a:rPr lang="et-EE" smtClean="0"/>
+              <a:pPr/>
+              <a:t>10</a:t>
+            </a:fld>
+            <a:endParaRPr lang="et-EE" dirty="0"/>
+          </a:p>
+        </p:txBody>
+      </p:sp>
+    </p:spTree>
+    <p:extLst>
+      <p:ext uri="{BB962C8B-B14F-4D97-AF65-F5344CB8AC3E}">
+        <p14:creationId xmlns:p14="http://schemas.microsoft.com/office/powerpoint/2010/main" val="1021234139"/>
       </p:ext>
     </p:extLst>
   </p:cSld>
@@ -4036,34 +4269,87 @@
             <p:ph idx="1"/>
           </p:nvPr>
         </p:nvSpPr>
-        <p:spPr/>
+        <p:spPr>
+          <a:xfrm>
+            <a:off x="224443" y="1161756"/>
+            <a:ext cx="6858676" cy="4365423"/>
+          </a:xfrm>
+        </p:spPr>
         <p:txBody>
           <a:bodyPr/>
           <a:lstStyle/>
           <a:p>
             <a:r>
               <a:rPr lang="en-US" dirty="0"/>
-              <a:t>Tank pic</a:t>
-            </a:r>
+              <a:t>Will talk to Philip M</a:t>
+            </a:r>
+            <a:r>
+              <a:rPr lang="et-EE" dirty="0"/>
+              <a:t>öhle about the desing</a:t>
+            </a:r>
+            <a:endParaRPr lang="en-US" dirty="0"/>
           </a:p>
           <a:p>
             <a:r>
               <a:rPr lang="en-US" dirty="0"/>
-              <a:t>Layers for shielding</a:t>
+              <a:t>3 layers of aluminum shielding looks good</a:t>
             </a:r>
           </a:p>
           <a:p>
             <a:r>
               <a:rPr lang="en-US" dirty="0"/>
-              <a:t>Mounting of shields</a:t>
-            </a:r>
-          </a:p>
-          <a:p>
+              <a:t>4 viewports, 4 additional flanges (?)</a:t>
+            </a:r>
+            <a:endParaRPr lang="et-EE" dirty="0"/>
+          </a:p>
+          <a:p>
+            <a:r>
+              <a:rPr lang="et-EE" dirty="0"/>
+              <a:t>Couple of ideas for mounting</a:t>
+            </a:r>
+          </a:p>
+          <a:p>
+            <a:pPr lvl="1"/>
+            <a:r>
+              <a:rPr lang="et-EE" dirty="0"/>
+              <a:t>Glass spheres between the layers</a:t>
+            </a:r>
+          </a:p>
+          <a:p>
+            <a:pPr lvl="1"/>
+            <a:r>
+              <a:rPr lang="et-EE" dirty="0"/>
+              <a:t>or spacer, maybe made from PEEK</a:t>
+            </a:r>
+          </a:p>
+          <a:p>
+            <a:r>
+              <a:rPr lang="et-EE" dirty="0"/>
+              <a:t>Lesker can do it, but I</a:t>
+            </a:r>
             <a:r>
               <a:rPr lang="en-US" dirty="0"/>
-              <a:t>Pumps? And the system for the pumps</a:t>
-            </a:r>
-            <a:endParaRPr lang="LID4096" dirty="0"/>
+              <a:t>’</a:t>
+            </a:r>
+            <a:r>
+              <a:rPr lang="et-EE" dirty="0"/>
+              <a:t>m also waiting for a response from </a:t>
+            </a:r>
+            <a:r>
+              <a:rPr lang="en-US" dirty="0" err="1"/>
+              <a:t>Allectra</a:t>
+            </a:r>
+            <a:r>
+              <a:rPr lang="en-US" dirty="0"/>
+              <a:t> and Pfeiffer</a:t>
+            </a:r>
+          </a:p>
+          <a:p>
+            <a:r>
+              <a:rPr lang="en-US" dirty="0"/>
+              <a:t>The pumps?</a:t>
+            </a:r>
+            <a:endParaRPr lang="et-EE" dirty="0"/>
           </a:p>
         </p:txBody>
       </p:sp>
@@ -4090,7 +4376,7 @@
           <a:p>
             <a:fld id="{E1CF8E31-244F-4A6A-A7D5-704B96C48AAE}" type="datetime1">
               <a:rPr lang="et-EE" smtClean="0"/>
-              <a:t>11.08.2025</a:t>
+              <a:t>12.08.2025</a:t>
             </a:fld>
             <a:endParaRPr lang="et-EE" dirty="0"/>
           </a:p>
@@ -4154,6 +4440,36 @@
           </a:p>
         </p:txBody>
       </p:sp>
+      <p:pic>
+        <p:nvPicPr>
+          <p:cNvPr id="8" name="Picture 7">
+            <a:extLst>
+              <a:ext uri="{FF2B5EF4-FFF2-40B4-BE49-F238E27FC236}">
+                <a16:creationId xmlns:a16="http://schemas.microsoft.com/office/drawing/2014/main" id="{E55E452A-F6A7-4EFD-87D7-B94BD400CC94}"/>
+              </a:ext>
+            </a:extLst>
+          </p:cNvPr>
+          <p:cNvPicPr>
+            <a:picLocks noChangeAspect="1"/>
+          </p:cNvPicPr>
+          <p:nvPr/>
+        </p:nvPicPr>
+        <p:blipFill>
+          <a:blip r:embed="rId2"/>
+          <a:stretch>
+            <a:fillRect/>
+          </a:stretch>
+        </p:blipFill>
+        <p:spPr>
+          <a:xfrm>
+            <a:off x="6630511" y="1028415"/>
+            <a:ext cx="4413624" cy="4565713"/>
+          </a:xfrm>
+          <a:prstGeom prst="rect">
+            <a:avLst/>
+          </a:prstGeom>
+        </p:spPr>
+      </p:pic>
     </p:spTree>
     <p:extLst>
       <p:ext uri="{BB962C8B-B14F-4D97-AF65-F5344CB8AC3E}">
@@ -4236,7 +4552,13 @@
           <a:p>
             <a:r>
               <a:rPr lang="en-US" dirty="0"/>
-              <a:t>And I wont write the proceedings</a:t>
+              <a:t>Went well</a:t>
+            </a:r>
+          </a:p>
+          <a:p>
+            <a:r>
+              <a:rPr lang="en-US" dirty="0"/>
+              <a:t>I won’t write the proceedings</a:t>
             </a:r>
             <a:endParaRPr lang="LID4096" dirty="0"/>
           </a:p>
@@ -4265,7 +4587,7 @@
           <a:p>
             <a:fld id="{E1CF8E31-244F-4A6A-A7D5-704B96C48AAE}" type="datetime1">
               <a:rPr lang="et-EE" smtClean="0"/>
-              <a:t>11.08.2025</a:t>
+              <a:t>12.08.2025</a:t>
             </a:fld>
             <a:endParaRPr lang="et-EE" dirty="0"/>
           </a:p>
@@ -4418,47 +4740,78 @@
             <a:pPr lvl="1"/>
             <a:r>
               <a:rPr lang="en-US" dirty="0"/>
-              <a:t>Lasers</a:t>
+              <a:t>Lasers – Depends on how the currently lasers can perform</a:t>
             </a:r>
           </a:p>
           <a:p>
             <a:pPr lvl="1"/>
             <a:r>
-              <a:rPr lang="en-US" dirty="0"/>
-              <a:t>Table</a:t>
+              <a:rPr lang="en-US" dirty="0">
+                <a:solidFill>
+                  <a:srgbClr val="D8DFE3"/>
+                </a:solidFill>
+              </a:rPr>
+              <a:t>Table – Could be ordered, maybe at the same time as the lasers?</a:t>
             </a:r>
           </a:p>
           <a:p>
             <a:pPr lvl="1"/>
             <a:r>
-              <a:rPr lang="en-US" dirty="0"/>
-              <a:t>Vacuum</a:t>
+              <a:rPr lang="en-US" dirty="0">
+                <a:solidFill>
+                  <a:srgbClr val="D8DFE3"/>
+                </a:solidFill>
+              </a:rPr>
+              <a:t>Vacuum – I’m gathering quotes, have a rough design</a:t>
             </a:r>
           </a:p>
           <a:p>
             <a:pPr lvl="1"/>
             <a:r>
-              <a:rPr lang="en-US" dirty="0"/>
-              <a:t>Cavities</a:t>
+              <a:rPr lang="en-US" dirty="0">
+                <a:solidFill>
+                  <a:srgbClr val="D8DFE3"/>
+                </a:solidFill>
+              </a:rPr>
+              <a:t>Cavities – I  need to clarify the available </a:t>
+            </a:r>
+            <a:r>
+              <a:rPr lang="en-US" dirty="0" err="1">
+                <a:solidFill>
+                  <a:srgbClr val="D8DFE3"/>
+                </a:solidFill>
+              </a:rPr>
+              <a:t>RoCs</a:t>
+            </a:r>
+            <a:r>
+              <a:rPr lang="en-US" dirty="0">
+                <a:solidFill>
+                  <a:srgbClr val="D8DFE3"/>
+                </a:solidFill>
+              </a:rPr>
+              <a:t>, but hope to get the PO out in the coming weeks (by the end of August)</a:t>
             </a:r>
           </a:p>
           <a:p>
             <a:pPr lvl="1"/>
             <a:r>
-              <a:rPr lang="en-US" dirty="0"/>
+              <a:rPr lang="en-US" dirty="0">
+                <a:solidFill>
+                  <a:srgbClr val="D8DFE3"/>
+                </a:solidFill>
+              </a:rPr>
               <a:t>Interlock?</a:t>
             </a:r>
           </a:p>
           <a:p>
             <a:r>
-              <a:rPr lang="en-US" dirty="0"/>
-              <a:t>Write the first article comparing </a:t>
-            </a:r>
-            <a:r>
-              <a:rPr lang="en-US"/>
-              <a:t>the testbed to LISA</a:t>
-            </a:r>
-            <a:endParaRPr lang="en-US" dirty="0"/>
+              <a:rPr lang="en-US" dirty="0">
+                <a:solidFill>
+                  <a:srgbClr val="D8DFE3"/>
+                </a:solidFill>
+              </a:rPr>
+              <a:t>Write the first article comparing the testbed to LISA – A rough draft also by the end of August?</a:t>
+            </a:r>
           </a:p>
         </p:txBody>
       </p:sp>
@@ -4485,7 +4838,7 @@
           <a:p>
             <a:fld id="{E1CF8E31-244F-4A6A-A7D5-704B96C48AAE}" type="datetime1">
               <a:rPr lang="et-EE" smtClean="0"/>
-              <a:t>11.08.2025</a:t>
+              <a:t>12.08.2025</a:t>
             </a:fld>
             <a:endParaRPr lang="et-EE" dirty="0"/>
           </a:p>
@@ -4584,7 +4937,7 @@
           <p:cNvPr id="2" name="Title 1">
             <a:extLst>
               <a:ext uri="{FF2B5EF4-FFF2-40B4-BE49-F238E27FC236}">
-                <a16:creationId xmlns:a16="http://schemas.microsoft.com/office/drawing/2014/main" id="{FA12EFBD-5F08-43C0-BE93-D7FD95954CC0}"/>
+                <a16:creationId xmlns:a16="http://schemas.microsoft.com/office/drawing/2014/main" id="{309B704D-C8EF-4128-B7E5-75E86F1FB6D8}"/>
               </a:ext>
             </a:extLst>
           </p:cNvPr>
@@ -4602,7 +4955,7 @@
           <a:p>
             <a:r>
               <a:rPr lang="en-US" dirty="0"/>
-              <a:t>Issues</a:t>
+              <a:t>Short term plan</a:t>
             </a:r>
             <a:endParaRPr lang="LID4096" dirty="0"/>
           </a:p>
@@ -4613,7 +4966,7 @@
           <p:cNvPr id="3" name="Content Placeholder 2">
             <a:extLst>
               <a:ext uri="{FF2B5EF4-FFF2-40B4-BE49-F238E27FC236}">
-                <a16:creationId xmlns:a16="http://schemas.microsoft.com/office/drawing/2014/main" id="{42217556-4098-439A-BCF9-903E23F1F416}"/>
+                <a16:creationId xmlns:a16="http://schemas.microsoft.com/office/drawing/2014/main" id="{9C8CFC71-4B01-497F-9C0E-86623D1C522F}"/>
               </a:ext>
             </a:extLst>
           </p:cNvPr>
@@ -4631,21 +4984,85 @@
           <a:p>
             <a:r>
               <a:rPr lang="en-US" dirty="0"/>
-              <a:t>Lasers and table</a:t>
-            </a:r>
-          </a:p>
-          <a:p>
+              <a:t>Critical things to order:</a:t>
+            </a:r>
+          </a:p>
+          <a:p>
+            <a:pPr lvl="1"/>
+            <a:r>
+              <a:rPr lang="en-US" dirty="0">
+                <a:solidFill>
+                  <a:srgbClr val="D8DFE3"/>
+                </a:solidFill>
+              </a:rPr>
+              <a:t>Lasers – Depends on how the currently lasers can perform</a:t>
+            </a:r>
+          </a:p>
+          <a:p>
+            <a:pPr lvl="1"/>
             <a:r>
               <a:rPr lang="en-US" dirty="0"/>
-              <a:t>And the lab infrastructure</a:t>
-            </a:r>
-          </a:p>
-          <a:p>
-            <a:r>
-              <a:rPr lang="en-US" dirty="0"/>
-              <a:t>I need a TAC committee</a:t>
-            </a:r>
-            <a:endParaRPr lang="LID4096" dirty="0"/>
+              <a:t>Table – Could be ordered, maybe at the same time as the lasers?</a:t>
+            </a:r>
+          </a:p>
+          <a:p>
+            <a:pPr lvl="1"/>
+            <a:r>
+              <a:rPr lang="en-US" dirty="0">
+                <a:solidFill>
+                  <a:srgbClr val="D8DFE3"/>
+                </a:solidFill>
+              </a:rPr>
+              <a:t>Vacuum – I’m gathering quotes, have a rough design</a:t>
+            </a:r>
+          </a:p>
+          <a:p>
+            <a:pPr lvl="1"/>
+            <a:r>
+              <a:rPr lang="en-US" dirty="0">
+                <a:solidFill>
+                  <a:srgbClr val="D8DFE3"/>
+                </a:solidFill>
+              </a:rPr>
+              <a:t>Cavities – I  need to clarify the available </a:t>
+            </a:r>
+            <a:r>
+              <a:rPr lang="en-US" dirty="0" err="1">
+                <a:solidFill>
+                  <a:srgbClr val="D8DFE3"/>
+                </a:solidFill>
+              </a:rPr>
+              <a:t>RoCs</a:t>
+            </a:r>
+            <a:r>
+              <a:rPr lang="en-US" dirty="0">
+                <a:solidFill>
+                  <a:srgbClr val="D8DFE3"/>
+                </a:solidFill>
+              </a:rPr>
+              <a:t>, but hope to get the PO out in the coming weeks (by the end of August)</a:t>
+            </a:r>
+          </a:p>
+          <a:p>
+            <a:pPr lvl="1"/>
+            <a:r>
+              <a:rPr lang="en-US" dirty="0">
+                <a:solidFill>
+                  <a:srgbClr val="D8DFE3"/>
+                </a:solidFill>
+              </a:rPr>
+              <a:t>Interlock?</a:t>
+            </a:r>
+          </a:p>
+          <a:p>
+            <a:r>
+              <a:rPr lang="en-US" dirty="0">
+                <a:solidFill>
+                  <a:srgbClr val="D8DFE3"/>
+                </a:solidFill>
+              </a:rPr>
+              <a:t>Write the first article comparing the testbed to LISA – A rough draft also by the end of August?</a:t>
+            </a:r>
           </a:p>
         </p:txBody>
       </p:sp>
@@ -4654,7 +5071,7 @@
           <p:cNvPr id="4" name="Date Placeholder 3">
             <a:extLst>
               <a:ext uri="{FF2B5EF4-FFF2-40B4-BE49-F238E27FC236}">
-                <a16:creationId xmlns:a16="http://schemas.microsoft.com/office/drawing/2014/main" id="{32A1CB81-65A3-4F21-BB8C-2DD5854BB5D2}"/>
+                <a16:creationId xmlns:a16="http://schemas.microsoft.com/office/drawing/2014/main" id="{84704299-5B7D-48B5-BEDA-7A4139CCF8E8}"/>
               </a:ext>
             </a:extLst>
           </p:cNvPr>
@@ -4672,7 +5089,7 @@
           <a:p>
             <a:fld id="{E1CF8E31-244F-4A6A-A7D5-704B96C48AAE}" type="datetime1">
               <a:rPr lang="et-EE" smtClean="0"/>
-              <a:t>11.08.2025</a:t>
+              <a:t>12.08.2025</a:t>
             </a:fld>
             <a:endParaRPr lang="et-EE" dirty="0"/>
           </a:p>
@@ -4683,7 +5100,7 @@
           <p:cNvPr id="5" name="Footer Placeholder 4">
             <a:extLst>
               <a:ext uri="{FF2B5EF4-FFF2-40B4-BE49-F238E27FC236}">
-                <a16:creationId xmlns:a16="http://schemas.microsoft.com/office/drawing/2014/main" id="{0BE7F83D-3673-493A-9F65-68832AB99371}"/>
+                <a16:creationId xmlns:a16="http://schemas.microsoft.com/office/drawing/2014/main" id="{B79567BB-D8AE-4424-B4E5-8C7DDD24E481}"/>
               </a:ext>
             </a:extLst>
           </p:cNvPr>
@@ -4711,7 +5128,7 @@
           <p:cNvPr id="6" name="Slide Number Placeholder 5">
             <a:extLst>
               <a:ext uri="{FF2B5EF4-FFF2-40B4-BE49-F238E27FC236}">
-                <a16:creationId xmlns:a16="http://schemas.microsoft.com/office/drawing/2014/main" id="{00EE5B2F-5B77-4616-9F7B-F35BB8282833}"/>
+                <a16:creationId xmlns:a16="http://schemas.microsoft.com/office/drawing/2014/main" id="{0B16A22A-7E59-4014-801A-D9AEC9405C54}"/>
               </a:ext>
             </a:extLst>
           </p:cNvPr>
@@ -4739,7 +5156,1007 @@
     </p:spTree>
     <p:extLst>
       <p:ext uri="{BB962C8B-B14F-4D97-AF65-F5344CB8AC3E}">
-        <p14:creationId xmlns:p14="http://schemas.microsoft.com/office/powerpoint/2010/main" val="1021234139"/>
+        <p14:creationId xmlns:p14="http://schemas.microsoft.com/office/powerpoint/2010/main" val="3701797553"/>
+      </p:ext>
+    </p:extLst>
+  </p:cSld>
+  <p:clrMapOvr>
+    <a:masterClrMapping/>
+  </p:clrMapOvr>
+</p:sld>
+</file>
+
+<file path=ppt/slides/slide6.xml><?xml version="1.0" encoding="utf-8"?>
+<p:sld xmlns:a="http://schemas.openxmlformats.org/drawingml/2006/main" xmlns:r="http://schemas.openxmlformats.org/officeDocument/2006/relationships" xmlns:p="http://schemas.openxmlformats.org/presentationml/2006/main">
+  <p:cSld>
+    <p:spTree>
+      <p:nvGrpSpPr>
+        <p:cNvPr id="1" name=""/>
+        <p:cNvGrpSpPr/>
+        <p:nvPr/>
+      </p:nvGrpSpPr>
+      <p:grpSpPr>
+        <a:xfrm>
+          <a:off x="0" y="0"/>
+          <a:ext cx="0" cy="0"/>
+          <a:chOff x="0" y="0"/>
+          <a:chExt cx="0" cy="0"/>
+        </a:xfrm>
+      </p:grpSpPr>
+      <p:sp>
+        <p:nvSpPr>
+          <p:cNvPr id="2" name="Title 1">
+            <a:extLst>
+              <a:ext uri="{FF2B5EF4-FFF2-40B4-BE49-F238E27FC236}">
+                <a16:creationId xmlns:a16="http://schemas.microsoft.com/office/drawing/2014/main" id="{309B704D-C8EF-4128-B7E5-75E86F1FB6D8}"/>
+              </a:ext>
+            </a:extLst>
+          </p:cNvPr>
+          <p:cNvSpPr>
+            <a:spLocks noGrp="1"/>
+          </p:cNvSpPr>
+          <p:nvPr>
+            <p:ph type="title"/>
+          </p:nvPr>
+        </p:nvSpPr>
+        <p:spPr/>
+        <p:txBody>
+          <a:bodyPr/>
+          <a:lstStyle/>
+          <a:p>
+            <a:r>
+              <a:rPr lang="en-US" dirty="0"/>
+              <a:t>Short term plan</a:t>
+            </a:r>
+            <a:endParaRPr lang="LID4096" dirty="0"/>
+          </a:p>
+        </p:txBody>
+      </p:sp>
+      <p:sp>
+        <p:nvSpPr>
+          <p:cNvPr id="3" name="Content Placeholder 2">
+            <a:extLst>
+              <a:ext uri="{FF2B5EF4-FFF2-40B4-BE49-F238E27FC236}">
+                <a16:creationId xmlns:a16="http://schemas.microsoft.com/office/drawing/2014/main" id="{9C8CFC71-4B01-497F-9C0E-86623D1C522F}"/>
+              </a:ext>
+            </a:extLst>
+          </p:cNvPr>
+          <p:cNvSpPr>
+            <a:spLocks noGrp="1"/>
+          </p:cNvSpPr>
+          <p:nvPr>
+            <p:ph idx="1"/>
+          </p:nvPr>
+        </p:nvSpPr>
+        <p:spPr/>
+        <p:txBody>
+          <a:bodyPr/>
+          <a:lstStyle/>
+          <a:p>
+            <a:r>
+              <a:rPr lang="en-US" dirty="0"/>
+              <a:t>Critical things to order:</a:t>
+            </a:r>
+          </a:p>
+          <a:p>
+            <a:pPr lvl="1"/>
+            <a:r>
+              <a:rPr lang="en-US" dirty="0">
+                <a:solidFill>
+                  <a:srgbClr val="D8DFE3"/>
+                </a:solidFill>
+              </a:rPr>
+              <a:t>Lasers – Depends on how the currently lasers can perform</a:t>
+            </a:r>
+          </a:p>
+          <a:p>
+            <a:pPr lvl="1"/>
+            <a:r>
+              <a:rPr lang="en-US" dirty="0">
+                <a:solidFill>
+                  <a:srgbClr val="D8DFE3"/>
+                </a:solidFill>
+              </a:rPr>
+              <a:t>Table – Could be ordered, maybe at the same time as the lasers?</a:t>
+            </a:r>
+          </a:p>
+          <a:p>
+            <a:pPr lvl="1"/>
+            <a:r>
+              <a:rPr lang="en-US" dirty="0"/>
+              <a:t>Vacuum – I’m gathering quotes, have a rough design</a:t>
+            </a:r>
+          </a:p>
+          <a:p>
+            <a:pPr lvl="1"/>
+            <a:r>
+              <a:rPr lang="en-US" dirty="0">
+                <a:solidFill>
+                  <a:srgbClr val="D8DFE3"/>
+                </a:solidFill>
+              </a:rPr>
+              <a:t>Cavities – I  need to clarify the available </a:t>
+            </a:r>
+            <a:r>
+              <a:rPr lang="en-US" dirty="0" err="1">
+                <a:solidFill>
+                  <a:srgbClr val="D8DFE3"/>
+                </a:solidFill>
+              </a:rPr>
+              <a:t>RoCs</a:t>
+            </a:r>
+            <a:r>
+              <a:rPr lang="en-US" dirty="0">
+                <a:solidFill>
+                  <a:srgbClr val="D8DFE3"/>
+                </a:solidFill>
+              </a:rPr>
+              <a:t>, but hope to get the PO out in the coming weeks (by the end of August)</a:t>
+            </a:r>
+          </a:p>
+          <a:p>
+            <a:pPr lvl="1"/>
+            <a:r>
+              <a:rPr lang="en-US" dirty="0">
+                <a:solidFill>
+                  <a:srgbClr val="D8DFE3"/>
+                </a:solidFill>
+              </a:rPr>
+              <a:t>Interlock?</a:t>
+            </a:r>
+          </a:p>
+          <a:p>
+            <a:r>
+              <a:rPr lang="en-US" dirty="0">
+                <a:solidFill>
+                  <a:srgbClr val="D8DFE3"/>
+                </a:solidFill>
+              </a:rPr>
+              <a:t>Write the first article comparing the testbed to LISA – A rough draft also by the end of August?</a:t>
+            </a:r>
+          </a:p>
+        </p:txBody>
+      </p:sp>
+      <p:sp>
+        <p:nvSpPr>
+          <p:cNvPr id="4" name="Date Placeholder 3">
+            <a:extLst>
+              <a:ext uri="{FF2B5EF4-FFF2-40B4-BE49-F238E27FC236}">
+                <a16:creationId xmlns:a16="http://schemas.microsoft.com/office/drawing/2014/main" id="{84704299-5B7D-48B5-BEDA-7A4139CCF8E8}"/>
+              </a:ext>
+            </a:extLst>
+          </p:cNvPr>
+          <p:cNvSpPr>
+            <a:spLocks noGrp="1"/>
+          </p:cNvSpPr>
+          <p:nvPr>
+            <p:ph type="dt" sz="half" idx="10"/>
+          </p:nvPr>
+        </p:nvSpPr>
+        <p:spPr/>
+        <p:txBody>
+          <a:bodyPr/>
+          <a:lstStyle/>
+          <a:p>
+            <a:fld id="{E1CF8E31-244F-4A6A-A7D5-704B96C48AAE}" type="datetime1">
+              <a:rPr lang="et-EE" smtClean="0"/>
+              <a:t>12.08.2025</a:t>
+            </a:fld>
+            <a:endParaRPr lang="et-EE" dirty="0"/>
+          </a:p>
+        </p:txBody>
+      </p:sp>
+      <p:sp>
+        <p:nvSpPr>
+          <p:cNvPr id="5" name="Footer Placeholder 4">
+            <a:extLst>
+              <a:ext uri="{FF2B5EF4-FFF2-40B4-BE49-F238E27FC236}">
+                <a16:creationId xmlns:a16="http://schemas.microsoft.com/office/drawing/2014/main" id="{B79567BB-D8AE-4424-B4E5-8C7DDD24E481}"/>
+              </a:ext>
+            </a:extLst>
+          </p:cNvPr>
+          <p:cNvSpPr>
+            <a:spLocks noGrp="1"/>
+          </p:cNvSpPr>
+          <p:nvPr>
+            <p:ph type="ftr" sz="quarter" idx="11"/>
+          </p:nvPr>
+        </p:nvSpPr>
+        <p:spPr/>
+        <p:txBody>
+          <a:bodyPr/>
+          <a:lstStyle/>
+          <a:p>
+            <a:r>
+              <a:rPr lang="et-EE"/>
+              <a:t>Weekly</a:t>
+            </a:r>
+          </a:p>
+        </p:txBody>
+      </p:sp>
+      <p:sp>
+        <p:nvSpPr>
+          <p:cNvPr id="6" name="Slide Number Placeholder 5">
+            <a:extLst>
+              <a:ext uri="{FF2B5EF4-FFF2-40B4-BE49-F238E27FC236}">
+                <a16:creationId xmlns:a16="http://schemas.microsoft.com/office/drawing/2014/main" id="{0B16A22A-7E59-4014-801A-D9AEC9405C54}"/>
+              </a:ext>
+            </a:extLst>
+          </p:cNvPr>
+          <p:cNvSpPr>
+            <a:spLocks noGrp="1"/>
+          </p:cNvSpPr>
+          <p:nvPr>
+            <p:ph type="sldNum" sz="quarter" idx="12"/>
+          </p:nvPr>
+        </p:nvSpPr>
+        <p:spPr/>
+        <p:txBody>
+          <a:bodyPr/>
+          <a:lstStyle/>
+          <a:p>
+            <a:fld id="{9F39E346-B1F3-4075-BD67-234EF0F10AC6}" type="slidenum">
+              <a:rPr lang="et-EE" smtClean="0"/>
+              <a:pPr/>
+              <a:t>6</a:t>
+            </a:fld>
+            <a:endParaRPr lang="et-EE" dirty="0"/>
+          </a:p>
+        </p:txBody>
+      </p:sp>
+    </p:spTree>
+    <p:extLst>
+      <p:ext uri="{BB962C8B-B14F-4D97-AF65-F5344CB8AC3E}">
+        <p14:creationId xmlns:p14="http://schemas.microsoft.com/office/powerpoint/2010/main" val="1684274897"/>
+      </p:ext>
+    </p:extLst>
+  </p:cSld>
+  <p:clrMapOvr>
+    <a:masterClrMapping/>
+  </p:clrMapOvr>
+</p:sld>
+</file>
+
+<file path=ppt/slides/slide7.xml><?xml version="1.0" encoding="utf-8"?>
+<p:sld xmlns:a="http://schemas.openxmlformats.org/drawingml/2006/main" xmlns:r="http://schemas.openxmlformats.org/officeDocument/2006/relationships" xmlns:p="http://schemas.openxmlformats.org/presentationml/2006/main">
+  <p:cSld>
+    <p:spTree>
+      <p:nvGrpSpPr>
+        <p:cNvPr id="1" name=""/>
+        <p:cNvGrpSpPr/>
+        <p:nvPr/>
+      </p:nvGrpSpPr>
+      <p:grpSpPr>
+        <a:xfrm>
+          <a:off x="0" y="0"/>
+          <a:ext cx="0" cy="0"/>
+          <a:chOff x="0" y="0"/>
+          <a:chExt cx="0" cy="0"/>
+        </a:xfrm>
+      </p:grpSpPr>
+      <p:sp>
+        <p:nvSpPr>
+          <p:cNvPr id="2" name="Title 1">
+            <a:extLst>
+              <a:ext uri="{FF2B5EF4-FFF2-40B4-BE49-F238E27FC236}">
+                <a16:creationId xmlns:a16="http://schemas.microsoft.com/office/drawing/2014/main" id="{309B704D-C8EF-4128-B7E5-75E86F1FB6D8}"/>
+              </a:ext>
+            </a:extLst>
+          </p:cNvPr>
+          <p:cNvSpPr>
+            <a:spLocks noGrp="1"/>
+          </p:cNvSpPr>
+          <p:nvPr>
+            <p:ph type="title"/>
+          </p:nvPr>
+        </p:nvSpPr>
+        <p:spPr/>
+        <p:txBody>
+          <a:bodyPr/>
+          <a:lstStyle/>
+          <a:p>
+            <a:r>
+              <a:rPr lang="en-US" dirty="0"/>
+              <a:t>Short term plan</a:t>
+            </a:r>
+            <a:endParaRPr lang="LID4096" dirty="0"/>
+          </a:p>
+        </p:txBody>
+      </p:sp>
+      <p:sp>
+        <p:nvSpPr>
+          <p:cNvPr id="3" name="Content Placeholder 2">
+            <a:extLst>
+              <a:ext uri="{FF2B5EF4-FFF2-40B4-BE49-F238E27FC236}">
+                <a16:creationId xmlns:a16="http://schemas.microsoft.com/office/drawing/2014/main" id="{9C8CFC71-4B01-497F-9C0E-86623D1C522F}"/>
+              </a:ext>
+            </a:extLst>
+          </p:cNvPr>
+          <p:cNvSpPr>
+            <a:spLocks noGrp="1"/>
+          </p:cNvSpPr>
+          <p:nvPr>
+            <p:ph idx="1"/>
+          </p:nvPr>
+        </p:nvSpPr>
+        <p:spPr/>
+        <p:txBody>
+          <a:bodyPr/>
+          <a:lstStyle/>
+          <a:p>
+            <a:r>
+              <a:rPr lang="en-US" dirty="0"/>
+              <a:t>Critical things to order:</a:t>
+            </a:r>
+          </a:p>
+          <a:p>
+            <a:pPr lvl="1"/>
+            <a:r>
+              <a:rPr lang="en-US" dirty="0">
+                <a:solidFill>
+                  <a:srgbClr val="D8DFE3"/>
+                </a:solidFill>
+              </a:rPr>
+              <a:t>Lasers – Depends on how the currently lasers can perform</a:t>
+            </a:r>
+          </a:p>
+          <a:p>
+            <a:pPr lvl="1"/>
+            <a:r>
+              <a:rPr lang="en-US" dirty="0">
+                <a:solidFill>
+                  <a:srgbClr val="D8DFE3"/>
+                </a:solidFill>
+              </a:rPr>
+              <a:t>Table – Could be ordered, maybe at the same time as the lasers?</a:t>
+            </a:r>
+          </a:p>
+          <a:p>
+            <a:pPr lvl="1"/>
+            <a:r>
+              <a:rPr lang="en-US" dirty="0">
+                <a:solidFill>
+                  <a:srgbClr val="D8DFE3"/>
+                </a:solidFill>
+              </a:rPr>
+              <a:t>Vacuum – I’m gathering quotes, have a rough design</a:t>
+            </a:r>
+          </a:p>
+          <a:p>
+            <a:pPr lvl="1"/>
+            <a:r>
+              <a:rPr lang="en-US" dirty="0"/>
+              <a:t>Cavities – I  need to clarify the available </a:t>
+            </a:r>
+            <a:r>
+              <a:rPr lang="en-US" dirty="0" err="1"/>
+              <a:t>RoCs</a:t>
+            </a:r>
+            <a:r>
+              <a:rPr lang="en-US" dirty="0"/>
+              <a:t>, but hope to get the PO out in the coming weeks (by the end of August)</a:t>
+            </a:r>
+          </a:p>
+          <a:p>
+            <a:pPr lvl="1"/>
+            <a:r>
+              <a:rPr lang="en-US" dirty="0">
+                <a:solidFill>
+                  <a:srgbClr val="D8DFE3"/>
+                </a:solidFill>
+              </a:rPr>
+              <a:t>Interlock?</a:t>
+            </a:r>
+          </a:p>
+          <a:p>
+            <a:r>
+              <a:rPr lang="en-US" dirty="0">
+                <a:solidFill>
+                  <a:srgbClr val="D8DFE3"/>
+                </a:solidFill>
+              </a:rPr>
+              <a:t>Write the first article comparing the testbed to LISA – A rough draft also by the end of August?</a:t>
+            </a:r>
+          </a:p>
+        </p:txBody>
+      </p:sp>
+      <p:sp>
+        <p:nvSpPr>
+          <p:cNvPr id="4" name="Date Placeholder 3">
+            <a:extLst>
+              <a:ext uri="{FF2B5EF4-FFF2-40B4-BE49-F238E27FC236}">
+                <a16:creationId xmlns:a16="http://schemas.microsoft.com/office/drawing/2014/main" id="{84704299-5B7D-48B5-BEDA-7A4139CCF8E8}"/>
+              </a:ext>
+            </a:extLst>
+          </p:cNvPr>
+          <p:cNvSpPr>
+            <a:spLocks noGrp="1"/>
+          </p:cNvSpPr>
+          <p:nvPr>
+            <p:ph type="dt" sz="half" idx="10"/>
+          </p:nvPr>
+        </p:nvSpPr>
+        <p:spPr/>
+        <p:txBody>
+          <a:bodyPr/>
+          <a:lstStyle/>
+          <a:p>
+            <a:fld id="{E1CF8E31-244F-4A6A-A7D5-704B96C48AAE}" type="datetime1">
+              <a:rPr lang="et-EE" smtClean="0"/>
+              <a:t>12.08.2025</a:t>
+            </a:fld>
+            <a:endParaRPr lang="et-EE" dirty="0"/>
+          </a:p>
+        </p:txBody>
+      </p:sp>
+      <p:sp>
+        <p:nvSpPr>
+          <p:cNvPr id="5" name="Footer Placeholder 4">
+            <a:extLst>
+              <a:ext uri="{FF2B5EF4-FFF2-40B4-BE49-F238E27FC236}">
+                <a16:creationId xmlns:a16="http://schemas.microsoft.com/office/drawing/2014/main" id="{B79567BB-D8AE-4424-B4E5-8C7DDD24E481}"/>
+              </a:ext>
+            </a:extLst>
+          </p:cNvPr>
+          <p:cNvSpPr>
+            <a:spLocks noGrp="1"/>
+          </p:cNvSpPr>
+          <p:nvPr>
+            <p:ph type="ftr" sz="quarter" idx="11"/>
+          </p:nvPr>
+        </p:nvSpPr>
+        <p:spPr/>
+        <p:txBody>
+          <a:bodyPr/>
+          <a:lstStyle/>
+          <a:p>
+            <a:r>
+              <a:rPr lang="et-EE"/>
+              <a:t>Weekly</a:t>
+            </a:r>
+          </a:p>
+        </p:txBody>
+      </p:sp>
+      <p:sp>
+        <p:nvSpPr>
+          <p:cNvPr id="6" name="Slide Number Placeholder 5">
+            <a:extLst>
+              <a:ext uri="{FF2B5EF4-FFF2-40B4-BE49-F238E27FC236}">
+                <a16:creationId xmlns:a16="http://schemas.microsoft.com/office/drawing/2014/main" id="{0B16A22A-7E59-4014-801A-D9AEC9405C54}"/>
+              </a:ext>
+            </a:extLst>
+          </p:cNvPr>
+          <p:cNvSpPr>
+            <a:spLocks noGrp="1"/>
+          </p:cNvSpPr>
+          <p:nvPr>
+            <p:ph type="sldNum" sz="quarter" idx="12"/>
+          </p:nvPr>
+        </p:nvSpPr>
+        <p:spPr/>
+        <p:txBody>
+          <a:bodyPr/>
+          <a:lstStyle/>
+          <a:p>
+            <a:fld id="{9F39E346-B1F3-4075-BD67-234EF0F10AC6}" type="slidenum">
+              <a:rPr lang="et-EE" smtClean="0"/>
+              <a:pPr/>
+              <a:t>7</a:t>
+            </a:fld>
+            <a:endParaRPr lang="et-EE" dirty="0"/>
+          </a:p>
+        </p:txBody>
+      </p:sp>
+    </p:spTree>
+    <p:extLst>
+      <p:ext uri="{BB962C8B-B14F-4D97-AF65-F5344CB8AC3E}">
+        <p14:creationId xmlns:p14="http://schemas.microsoft.com/office/powerpoint/2010/main" val="1662434563"/>
+      </p:ext>
+    </p:extLst>
+  </p:cSld>
+  <p:clrMapOvr>
+    <a:masterClrMapping/>
+  </p:clrMapOvr>
+</p:sld>
+</file>
+
+<file path=ppt/slides/slide8.xml><?xml version="1.0" encoding="utf-8"?>
+<p:sld xmlns:a="http://schemas.openxmlformats.org/drawingml/2006/main" xmlns:r="http://schemas.openxmlformats.org/officeDocument/2006/relationships" xmlns:p="http://schemas.openxmlformats.org/presentationml/2006/main">
+  <p:cSld>
+    <p:spTree>
+      <p:nvGrpSpPr>
+        <p:cNvPr id="1" name=""/>
+        <p:cNvGrpSpPr/>
+        <p:nvPr/>
+      </p:nvGrpSpPr>
+      <p:grpSpPr>
+        <a:xfrm>
+          <a:off x="0" y="0"/>
+          <a:ext cx="0" cy="0"/>
+          <a:chOff x="0" y="0"/>
+          <a:chExt cx="0" cy="0"/>
+        </a:xfrm>
+      </p:grpSpPr>
+      <p:sp>
+        <p:nvSpPr>
+          <p:cNvPr id="2" name="Title 1">
+            <a:extLst>
+              <a:ext uri="{FF2B5EF4-FFF2-40B4-BE49-F238E27FC236}">
+                <a16:creationId xmlns:a16="http://schemas.microsoft.com/office/drawing/2014/main" id="{309B704D-C8EF-4128-B7E5-75E86F1FB6D8}"/>
+              </a:ext>
+            </a:extLst>
+          </p:cNvPr>
+          <p:cNvSpPr>
+            <a:spLocks noGrp="1"/>
+          </p:cNvSpPr>
+          <p:nvPr>
+            <p:ph type="title"/>
+          </p:nvPr>
+        </p:nvSpPr>
+        <p:spPr/>
+        <p:txBody>
+          <a:bodyPr/>
+          <a:lstStyle/>
+          <a:p>
+            <a:r>
+              <a:rPr lang="en-US" dirty="0"/>
+              <a:t>Short term plan</a:t>
+            </a:r>
+            <a:endParaRPr lang="LID4096" dirty="0"/>
+          </a:p>
+        </p:txBody>
+      </p:sp>
+      <p:sp>
+        <p:nvSpPr>
+          <p:cNvPr id="3" name="Content Placeholder 2">
+            <a:extLst>
+              <a:ext uri="{FF2B5EF4-FFF2-40B4-BE49-F238E27FC236}">
+                <a16:creationId xmlns:a16="http://schemas.microsoft.com/office/drawing/2014/main" id="{9C8CFC71-4B01-497F-9C0E-86623D1C522F}"/>
+              </a:ext>
+            </a:extLst>
+          </p:cNvPr>
+          <p:cNvSpPr>
+            <a:spLocks noGrp="1"/>
+          </p:cNvSpPr>
+          <p:nvPr>
+            <p:ph idx="1"/>
+          </p:nvPr>
+        </p:nvSpPr>
+        <p:spPr/>
+        <p:txBody>
+          <a:bodyPr/>
+          <a:lstStyle/>
+          <a:p>
+            <a:r>
+              <a:rPr lang="en-US" dirty="0"/>
+              <a:t>Critical things to order:</a:t>
+            </a:r>
+          </a:p>
+          <a:p>
+            <a:pPr lvl="1"/>
+            <a:r>
+              <a:rPr lang="en-US" dirty="0">
+                <a:solidFill>
+                  <a:srgbClr val="D8DFE3"/>
+                </a:solidFill>
+              </a:rPr>
+              <a:t>Lasers – Depends on how the currently lasers can perform</a:t>
+            </a:r>
+          </a:p>
+          <a:p>
+            <a:pPr lvl="1"/>
+            <a:r>
+              <a:rPr lang="en-US" dirty="0">
+                <a:solidFill>
+                  <a:srgbClr val="D8DFE3"/>
+                </a:solidFill>
+              </a:rPr>
+              <a:t>Table – Could be ordered, maybe at the same time as the lasers?</a:t>
+            </a:r>
+          </a:p>
+          <a:p>
+            <a:pPr lvl="1"/>
+            <a:r>
+              <a:rPr lang="en-US" dirty="0">
+                <a:solidFill>
+                  <a:srgbClr val="D8DFE3"/>
+                </a:solidFill>
+              </a:rPr>
+              <a:t>Vacuum – I’m gathering quotes, have a rough design</a:t>
+            </a:r>
+          </a:p>
+          <a:p>
+            <a:pPr lvl="1"/>
+            <a:r>
+              <a:rPr lang="en-US" dirty="0">
+                <a:solidFill>
+                  <a:srgbClr val="D8DFE3"/>
+                </a:solidFill>
+              </a:rPr>
+              <a:t>Cavities – I  need to clarify the available </a:t>
+            </a:r>
+            <a:r>
+              <a:rPr lang="en-US" dirty="0" err="1">
+                <a:solidFill>
+                  <a:srgbClr val="D8DFE3"/>
+                </a:solidFill>
+              </a:rPr>
+              <a:t>RoCs</a:t>
+            </a:r>
+            <a:r>
+              <a:rPr lang="en-US" dirty="0">
+                <a:solidFill>
+                  <a:srgbClr val="D8DFE3"/>
+                </a:solidFill>
+              </a:rPr>
+              <a:t>, but hope to get the PO out in the coming weeks (by the end of August)</a:t>
+            </a:r>
+          </a:p>
+          <a:p>
+            <a:pPr lvl="1"/>
+            <a:r>
+              <a:rPr lang="en-US" dirty="0"/>
+              <a:t>Interlock?</a:t>
+            </a:r>
+          </a:p>
+          <a:p>
+            <a:r>
+              <a:rPr lang="en-US" dirty="0">
+                <a:solidFill>
+                  <a:srgbClr val="D8DFE3"/>
+                </a:solidFill>
+              </a:rPr>
+              <a:t>Write the first article comparing the testbed to LISA – A rough draft also by the end of August?</a:t>
+            </a:r>
+          </a:p>
+        </p:txBody>
+      </p:sp>
+      <p:sp>
+        <p:nvSpPr>
+          <p:cNvPr id="4" name="Date Placeholder 3">
+            <a:extLst>
+              <a:ext uri="{FF2B5EF4-FFF2-40B4-BE49-F238E27FC236}">
+                <a16:creationId xmlns:a16="http://schemas.microsoft.com/office/drawing/2014/main" id="{84704299-5B7D-48B5-BEDA-7A4139CCF8E8}"/>
+              </a:ext>
+            </a:extLst>
+          </p:cNvPr>
+          <p:cNvSpPr>
+            <a:spLocks noGrp="1"/>
+          </p:cNvSpPr>
+          <p:nvPr>
+            <p:ph type="dt" sz="half" idx="10"/>
+          </p:nvPr>
+        </p:nvSpPr>
+        <p:spPr/>
+        <p:txBody>
+          <a:bodyPr/>
+          <a:lstStyle/>
+          <a:p>
+            <a:fld id="{E1CF8E31-244F-4A6A-A7D5-704B96C48AAE}" type="datetime1">
+              <a:rPr lang="et-EE" smtClean="0"/>
+              <a:t>12.08.2025</a:t>
+            </a:fld>
+            <a:endParaRPr lang="et-EE" dirty="0"/>
+          </a:p>
+        </p:txBody>
+      </p:sp>
+      <p:sp>
+        <p:nvSpPr>
+          <p:cNvPr id="5" name="Footer Placeholder 4">
+            <a:extLst>
+              <a:ext uri="{FF2B5EF4-FFF2-40B4-BE49-F238E27FC236}">
+                <a16:creationId xmlns:a16="http://schemas.microsoft.com/office/drawing/2014/main" id="{B79567BB-D8AE-4424-B4E5-8C7DDD24E481}"/>
+              </a:ext>
+            </a:extLst>
+          </p:cNvPr>
+          <p:cNvSpPr>
+            <a:spLocks noGrp="1"/>
+          </p:cNvSpPr>
+          <p:nvPr>
+            <p:ph type="ftr" sz="quarter" idx="11"/>
+          </p:nvPr>
+        </p:nvSpPr>
+        <p:spPr/>
+        <p:txBody>
+          <a:bodyPr/>
+          <a:lstStyle/>
+          <a:p>
+            <a:r>
+              <a:rPr lang="et-EE"/>
+              <a:t>Weekly</a:t>
+            </a:r>
+          </a:p>
+        </p:txBody>
+      </p:sp>
+      <p:sp>
+        <p:nvSpPr>
+          <p:cNvPr id="6" name="Slide Number Placeholder 5">
+            <a:extLst>
+              <a:ext uri="{FF2B5EF4-FFF2-40B4-BE49-F238E27FC236}">
+                <a16:creationId xmlns:a16="http://schemas.microsoft.com/office/drawing/2014/main" id="{0B16A22A-7E59-4014-801A-D9AEC9405C54}"/>
+              </a:ext>
+            </a:extLst>
+          </p:cNvPr>
+          <p:cNvSpPr>
+            <a:spLocks noGrp="1"/>
+          </p:cNvSpPr>
+          <p:nvPr>
+            <p:ph type="sldNum" sz="quarter" idx="12"/>
+          </p:nvPr>
+        </p:nvSpPr>
+        <p:spPr/>
+        <p:txBody>
+          <a:bodyPr/>
+          <a:lstStyle/>
+          <a:p>
+            <a:fld id="{9F39E346-B1F3-4075-BD67-234EF0F10AC6}" type="slidenum">
+              <a:rPr lang="et-EE" smtClean="0"/>
+              <a:pPr/>
+              <a:t>8</a:t>
+            </a:fld>
+            <a:endParaRPr lang="et-EE" dirty="0"/>
+          </a:p>
+        </p:txBody>
+      </p:sp>
+    </p:spTree>
+    <p:extLst>
+      <p:ext uri="{BB962C8B-B14F-4D97-AF65-F5344CB8AC3E}">
+        <p14:creationId xmlns:p14="http://schemas.microsoft.com/office/powerpoint/2010/main" val="1659751422"/>
+      </p:ext>
+    </p:extLst>
+  </p:cSld>
+  <p:clrMapOvr>
+    <a:masterClrMapping/>
+  </p:clrMapOvr>
+</p:sld>
+</file>
+
+<file path=ppt/slides/slide9.xml><?xml version="1.0" encoding="utf-8"?>
+<p:sld xmlns:a="http://schemas.openxmlformats.org/drawingml/2006/main" xmlns:r="http://schemas.openxmlformats.org/officeDocument/2006/relationships" xmlns:p="http://schemas.openxmlformats.org/presentationml/2006/main">
+  <p:cSld>
+    <p:spTree>
+      <p:nvGrpSpPr>
+        <p:cNvPr id="1" name=""/>
+        <p:cNvGrpSpPr/>
+        <p:nvPr/>
+      </p:nvGrpSpPr>
+      <p:grpSpPr>
+        <a:xfrm>
+          <a:off x="0" y="0"/>
+          <a:ext cx="0" cy="0"/>
+          <a:chOff x="0" y="0"/>
+          <a:chExt cx="0" cy="0"/>
+        </a:xfrm>
+      </p:grpSpPr>
+      <p:sp>
+        <p:nvSpPr>
+          <p:cNvPr id="2" name="Title 1">
+            <a:extLst>
+              <a:ext uri="{FF2B5EF4-FFF2-40B4-BE49-F238E27FC236}">
+                <a16:creationId xmlns:a16="http://schemas.microsoft.com/office/drawing/2014/main" id="{309B704D-C8EF-4128-B7E5-75E86F1FB6D8}"/>
+              </a:ext>
+            </a:extLst>
+          </p:cNvPr>
+          <p:cNvSpPr>
+            <a:spLocks noGrp="1"/>
+          </p:cNvSpPr>
+          <p:nvPr>
+            <p:ph type="title"/>
+          </p:nvPr>
+        </p:nvSpPr>
+        <p:spPr/>
+        <p:txBody>
+          <a:bodyPr/>
+          <a:lstStyle/>
+          <a:p>
+            <a:r>
+              <a:rPr lang="en-US" dirty="0"/>
+              <a:t>Short term plan</a:t>
+            </a:r>
+            <a:endParaRPr lang="LID4096" dirty="0"/>
+          </a:p>
+        </p:txBody>
+      </p:sp>
+      <p:sp>
+        <p:nvSpPr>
+          <p:cNvPr id="3" name="Content Placeholder 2">
+            <a:extLst>
+              <a:ext uri="{FF2B5EF4-FFF2-40B4-BE49-F238E27FC236}">
+                <a16:creationId xmlns:a16="http://schemas.microsoft.com/office/drawing/2014/main" id="{9C8CFC71-4B01-497F-9C0E-86623D1C522F}"/>
+              </a:ext>
+            </a:extLst>
+          </p:cNvPr>
+          <p:cNvSpPr>
+            <a:spLocks noGrp="1"/>
+          </p:cNvSpPr>
+          <p:nvPr>
+            <p:ph idx="1"/>
+          </p:nvPr>
+        </p:nvSpPr>
+        <p:spPr/>
+        <p:txBody>
+          <a:bodyPr/>
+          <a:lstStyle/>
+          <a:p>
+            <a:r>
+              <a:rPr lang="en-US" dirty="0">
+                <a:solidFill>
+                  <a:srgbClr val="D8DFE3"/>
+                </a:solidFill>
+              </a:rPr>
+              <a:t>Critical things to order:</a:t>
+            </a:r>
+          </a:p>
+          <a:p>
+            <a:pPr lvl="1"/>
+            <a:r>
+              <a:rPr lang="en-US" dirty="0">
+                <a:solidFill>
+                  <a:srgbClr val="D8DFE3"/>
+                </a:solidFill>
+              </a:rPr>
+              <a:t>Lasers – Depends on how the currently lasers can perform</a:t>
+            </a:r>
+          </a:p>
+          <a:p>
+            <a:pPr lvl="1"/>
+            <a:r>
+              <a:rPr lang="en-US" dirty="0">
+                <a:solidFill>
+                  <a:srgbClr val="D8DFE3"/>
+                </a:solidFill>
+              </a:rPr>
+              <a:t>Table – Could be ordered, maybe at the same time as the lasers?</a:t>
+            </a:r>
+          </a:p>
+          <a:p>
+            <a:pPr lvl="1"/>
+            <a:r>
+              <a:rPr lang="en-US" dirty="0">
+                <a:solidFill>
+                  <a:srgbClr val="D8DFE3"/>
+                </a:solidFill>
+              </a:rPr>
+              <a:t>Vacuum – I’m gathering quotes, have a rough design</a:t>
+            </a:r>
+          </a:p>
+          <a:p>
+            <a:pPr lvl="1"/>
+            <a:r>
+              <a:rPr lang="en-US" dirty="0">
+                <a:solidFill>
+                  <a:srgbClr val="D8DFE3"/>
+                </a:solidFill>
+              </a:rPr>
+              <a:t>Cavities – I  need to clarify the available </a:t>
+            </a:r>
+            <a:r>
+              <a:rPr lang="en-US" dirty="0" err="1">
+                <a:solidFill>
+                  <a:srgbClr val="D8DFE3"/>
+                </a:solidFill>
+              </a:rPr>
+              <a:t>RoCs</a:t>
+            </a:r>
+            <a:r>
+              <a:rPr lang="en-US" dirty="0">
+                <a:solidFill>
+                  <a:srgbClr val="D8DFE3"/>
+                </a:solidFill>
+              </a:rPr>
+              <a:t>, but hope to get the PO out in the coming weeks (by the end of August)</a:t>
+            </a:r>
+          </a:p>
+          <a:p>
+            <a:pPr lvl="1"/>
+            <a:r>
+              <a:rPr lang="en-US" dirty="0">
+                <a:solidFill>
+                  <a:srgbClr val="D8DFE3"/>
+                </a:solidFill>
+              </a:rPr>
+              <a:t>Interlock?</a:t>
+            </a:r>
+          </a:p>
+          <a:p>
+            <a:r>
+              <a:rPr lang="en-US" dirty="0"/>
+              <a:t>Write the first article comparing the testbed to LISA – A rough draft also by the end of August?</a:t>
+            </a:r>
+          </a:p>
+        </p:txBody>
+      </p:sp>
+      <p:sp>
+        <p:nvSpPr>
+          <p:cNvPr id="4" name="Date Placeholder 3">
+            <a:extLst>
+              <a:ext uri="{FF2B5EF4-FFF2-40B4-BE49-F238E27FC236}">
+                <a16:creationId xmlns:a16="http://schemas.microsoft.com/office/drawing/2014/main" id="{84704299-5B7D-48B5-BEDA-7A4139CCF8E8}"/>
+              </a:ext>
+            </a:extLst>
+          </p:cNvPr>
+          <p:cNvSpPr>
+            <a:spLocks noGrp="1"/>
+          </p:cNvSpPr>
+          <p:nvPr>
+            <p:ph type="dt" sz="half" idx="10"/>
+          </p:nvPr>
+        </p:nvSpPr>
+        <p:spPr/>
+        <p:txBody>
+          <a:bodyPr/>
+          <a:lstStyle/>
+          <a:p>
+            <a:fld id="{E1CF8E31-244F-4A6A-A7D5-704B96C48AAE}" type="datetime1">
+              <a:rPr lang="et-EE" smtClean="0"/>
+              <a:t>12.08.2025</a:t>
+            </a:fld>
+            <a:endParaRPr lang="et-EE" dirty="0"/>
+          </a:p>
+        </p:txBody>
+      </p:sp>
+      <p:sp>
+        <p:nvSpPr>
+          <p:cNvPr id="5" name="Footer Placeholder 4">
+            <a:extLst>
+              <a:ext uri="{FF2B5EF4-FFF2-40B4-BE49-F238E27FC236}">
+                <a16:creationId xmlns:a16="http://schemas.microsoft.com/office/drawing/2014/main" id="{B79567BB-D8AE-4424-B4E5-8C7DDD24E481}"/>
+              </a:ext>
+            </a:extLst>
+          </p:cNvPr>
+          <p:cNvSpPr>
+            <a:spLocks noGrp="1"/>
+          </p:cNvSpPr>
+          <p:nvPr>
+            <p:ph type="ftr" sz="quarter" idx="11"/>
+          </p:nvPr>
+        </p:nvSpPr>
+        <p:spPr/>
+        <p:txBody>
+          <a:bodyPr/>
+          <a:lstStyle/>
+          <a:p>
+            <a:r>
+              <a:rPr lang="et-EE"/>
+              <a:t>Weekly</a:t>
+            </a:r>
+          </a:p>
+        </p:txBody>
+      </p:sp>
+      <p:sp>
+        <p:nvSpPr>
+          <p:cNvPr id="6" name="Slide Number Placeholder 5">
+            <a:extLst>
+              <a:ext uri="{FF2B5EF4-FFF2-40B4-BE49-F238E27FC236}">
+                <a16:creationId xmlns:a16="http://schemas.microsoft.com/office/drawing/2014/main" id="{0B16A22A-7E59-4014-801A-D9AEC9405C54}"/>
+              </a:ext>
+            </a:extLst>
+          </p:cNvPr>
+          <p:cNvSpPr>
+            <a:spLocks noGrp="1"/>
+          </p:cNvSpPr>
+          <p:nvPr>
+            <p:ph type="sldNum" sz="quarter" idx="12"/>
+          </p:nvPr>
+        </p:nvSpPr>
+        <p:spPr/>
+        <p:txBody>
+          <a:bodyPr/>
+          <a:lstStyle/>
+          <a:p>
+            <a:fld id="{9F39E346-B1F3-4075-BD67-234EF0F10AC6}" type="slidenum">
+              <a:rPr lang="et-EE" smtClean="0"/>
+              <a:pPr/>
+              <a:t>9</a:t>
+            </a:fld>
+            <a:endParaRPr lang="et-EE" dirty="0"/>
+          </a:p>
+        </p:txBody>
+      </p:sp>
+    </p:spTree>
+    <p:extLst>
+      <p:ext uri="{BB962C8B-B14F-4D97-AF65-F5344CB8AC3E}">
+        <p14:creationId xmlns:p14="http://schemas.microsoft.com/office/powerpoint/2010/main" val="1785360723"/>
       </p:ext>
     </p:extLst>
   </p:cSld>

--- a/summer updates.pptx
+++ b/summer updates.pptx
@@ -5,19 +5,13 @@
     <p:sldMasterId id="2147483708" r:id="rId1"/>
   </p:sldMasterIdLst>
   <p:notesMasterIdLst>
-    <p:notesMasterId r:id="rId12"/>
+    <p:notesMasterId r:id="rId6"/>
   </p:notesMasterIdLst>
   <p:sldIdLst>
     <p:sldId id="258" r:id="rId2"/>
     <p:sldId id="259" r:id="rId3"/>
     <p:sldId id="260" r:id="rId4"/>
     <p:sldId id="261" r:id="rId5"/>
-    <p:sldId id="263" r:id="rId6"/>
-    <p:sldId id="264" r:id="rId7"/>
-    <p:sldId id="265" r:id="rId8"/>
-    <p:sldId id="266" r:id="rId9"/>
-    <p:sldId id="267" r:id="rId10"/>
-    <p:sldId id="262" r:id="rId11"/>
   </p:sldIdLst>
   <p:sldSz cx="12192000" cy="6858000"/>
   <p:notesSz cx="6858000" cy="9144000"/>
@@ -224,7 +218,7 @@
           <a:p>
             <a:fld id="{AB81B2D2-06A2-4596-9391-656CA05E965F}" type="datetimeFigureOut">
               <a:rPr lang="et-EE" smtClean="0"/>
-              <a:t>12.08.2025</a:t>
+              <a:t>19.08.2025</a:t>
             </a:fld>
             <a:endParaRPr lang="et-EE"/>
           </a:p>
@@ -638,7 +632,7 @@
           <a:p>
             <a:fld id="{0E412FDE-1CFE-48F6-820F-9C443C301228}" type="datetime1">
               <a:rPr lang="et-EE" smtClean="0"/>
-              <a:t>12.08.2025</a:t>
+              <a:t>19.08.2025</a:t>
             </a:fld>
             <a:endParaRPr lang="et-EE" dirty="0"/>
           </a:p>
@@ -822,7 +816,7 @@
           <a:p>
             <a:fld id="{B64C0CFC-214E-42F4-8B82-CC6D451BD70F}" type="datetime1">
               <a:rPr lang="et-EE" smtClean="0"/>
-              <a:t>12.08.2025</a:t>
+              <a:t>19.08.2025</a:t>
             </a:fld>
             <a:endParaRPr lang="et-EE"/>
           </a:p>
@@ -1005,7 +999,7 @@
           <a:p>
             <a:fld id="{5AB58BF1-41C1-47B8-ACAE-F9884B88C63A}" type="datetime1">
               <a:rPr lang="et-EE" smtClean="0"/>
-              <a:t>12.08.2025</a:t>
+              <a:t>19.08.2025</a:t>
             </a:fld>
             <a:endParaRPr lang="et-EE"/>
           </a:p>
@@ -1267,7 +1261,7 @@
           <a:p>
             <a:fld id="{E1CF8E31-244F-4A6A-A7D5-704B96C48AAE}" type="datetime1">
               <a:rPr lang="et-EE" smtClean="0"/>
-              <a:t>12.08.2025</a:t>
+              <a:t>19.08.2025</a:t>
             </a:fld>
             <a:endParaRPr lang="et-EE" dirty="0"/>
           </a:p>
@@ -1979,7 +1973,7 @@
           <a:p>
             <a:fld id="{CF92296B-3A94-4787-AA7D-8DC0AEE88FD4}" type="datetime1">
               <a:rPr lang="et-EE" smtClean="0"/>
-              <a:t>12.08.2025</a:t>
+              <a:t>19.08.2025</a:t>
             </a:fld>
             <a:endParaRPr lang="et-EE"/>
           </a:p>
@@ -2349,7 +2343,7 @@
           <a:p>
             <a:fld id="{185751C1-87AF-4EAC-9696-BB82432B7753}" type="datetime1">
               <a:rPr lang="et-EE" smtClean="0"/>
-              <a:t>12.08.2025</a:t>
+              <a:t>19.08.2025</a:t>
             </a:fld>
             <a:endParaRPr lang="et-EE"/>
           </a:p>
@@ -2447,7 +2441,7 @@
           <a:p>
             <a:fld id="{E493E3B0-4572-4FE0-8E55-6746BFAADA96}" type="datetime1">
               <a:rPr lang="et-EE" smtClean="0"/>
-              <a:t>12.08.2025</a:t>
+              <a:t>19.08.2025</a:t>
             </a:fld>
             <a:endParaRPr lang="et-EE"/>
           </a:p>
@@ -2592,7 +2586,7 @@
           <a:p>
             <a:fld id="{EE4C4D14-98D7-455C-9D0D-2863E0C0AA0D}" type="datetime1">
               <a:rPr lang="et-EE" smtClean="0"/>
-              <a:t>12.08.2025</a:t>
+              <a:t>19.08.2025</a:t>
             </a:fld>
             <a:endParaRPr lang="et-EE"/>
           </a:p>
@@ -2872,7 +2866,7 @@
           <a:p>
             <a:fld id="{94997DBE-8AE5-4A6F-9E25-F62C693D8ED5}" type="datetime1">
               <a:rPr lang="et-EE" smtClean="0"/>
-              <a:t>12.08.2025</a:t>
+              <a:t>19.08.2025</a:t>
             </a:fld>
             <a:endParaRPr lang="et-EE"/>
           </a:p>
@@ -3132,7 +3126,7 @@
           <a:p>
             <a:fld id="{DA3B51F9-97BE-4EFF-9934-D6DB8E40FF5E}" type="datetime1">
               <a:rPr lang="et-EE" smtClean="0"/>
-              <a:t>12.08.2025</a:t>
+              <a:t>19.08.2025</a:t>
             </a:fld>
             <a:endParaRPr lang="et-EE"/>
           </a:p>
@@ -3349,7 +3343,7 @@
           <a:p>
             <a:fld id="{E7C7EEDD-722C-4F14-9239-A37AD281B51F}" type="datetime1">
               <a:rPr lang="et-EE" smtClean="0"/>
-              <a:t>12.08.2025</a:t>
+              <a:t>19.08.2025</a:t>
             </a:fld>
             <a:endParaRPr lang="et-EE" dirty="0"/>
           </a:p>
@@ -3865,7 +3859,7 @@
                 <a:latin typeface="Arial" panose="020B0604020202020204" pitchFamily="34" charset="0"/>
                 <a:cs typeface="Arial" panose="020B0604020202020204" pitchFamily="34" charset="0"/>
               </a:rPr>
-              <a:t>12.08.2025</a:t>
+              <a:t>19.08.2025</a:t>
             </a:fld>
             <a:endParaRPr lang="et-EE" dirty="0">
               <a:solidFill>
@@ -3934,14 +3928,19 @@
             <p:ph idx="1"/>
           </p:nvPr>
         </p:nvSpPr>
-        <p:spPr/>
+        <p:spPr>
+          <a:xfrm>
+            <a:off x="224442" y="1161756"/>
+            <a:ext cx="11142895" cy="4365423"/>
+          </a:xfrm>
+        </p:spPr>
         <p:txBody>
           <a:bodyPr/>
           <a:lstStyle/>
           <a:p>
             <a:r>
               <a:rPr lang="en-US" dirty="0"/>
-              <a:t>The spacers and the mirrors can be manufactured and assembled by </a:t>
+              <a:t>No answer from </a:t>
             </a:r>
             <a:r>
               <a:rPr lang="en-US" dirty="0" err="1"/>
@@ -3949,28 +3948,8 @@
             </a:r>
             <a:r>
               <a:rPr lang="en-US" dirty="0"/>
-              <a:t>.</a:t>
-            </a:r>
-          </a:p>
-          <a:p>
-            <a:r>
-              <a:rPr lang="en-US" dirty="0"/>
-              <a:t>Delivery 5 months from PO</a:t>
-            </a:r>
-            <a:endParaRPr lang="et-EE" dirty="0"/>
-          </a:p>
-          <a:p>
-            <a:r>
-              <a:rPr lang="et-EE" dirty="0"/>
-              <a:t>30 and 25 cm</a:t>
-            </a:r>
-          </a:p>
-          <a:p>
-            <a:r>
-              <a:rPr lang="et-EE" dirty="0"/>
-              <a:t>Mounting is TBD</a:t>
-            </a:r>
-            <a:endParaRPr lang="en-US" dirty="0"/>
+              <a:t> regarding the mirrors – seems the point of contact is away still</a:t>
+            </a:r>
           </a:p>
           <a:p>
             <a:endParaRPr lang="en-US" dirty="0"/>
@@ -4020,193 +3999,6 @@
 </p:sld>
 </file>
 
-<file path=ppt/slides/slide10.xml><?xml version="1.0" encoding="utf-8"?>
-<p:sld xmlns:a="http://schemas.openxmlformats.org/drawingml/2006/main" xmlns:r="http://schemas.openxmlformats.org/officeDocument/2006/relationships" xmlns:p="http://schemas.openxmlformats.org/presentationml/2006/main">
-  <p:cSld>
-    <p:spTree>
-      <p:nvGrpSpPr>
-        <p:cNvPr id="1" name=""/>
-        <p:cNvGrpSpPr/>
-        <p:nvPr/>
-      </p:nvGrpSpPr>
-      <p:grpSpPr>
-        <a:xfrm>
-          <a:off x="0" y="0"/>
-          <a:ext cx="0" cy="0"/>
-          <a:chOff x="0" y="0"/>
-          <a:chExt cx="0" cy="0"/>
-        </a:xfrm>
-      </p:grpSpPr>
-      <p:sp>
-        <p:nvSpPr>
-          <p:cNvPr id="2" name="Title 1">
-            <a:extLst>
-              <a:ext uri="{FF2B5EF4-FFF2-40B4-BE49-F238E27FC236}">
-                <a16:creationId xmlns:a16="http://schemas.microsoft.com/office/drawing/2014/main" id="{FA12EFBD-5F08-43C0-BE93-D7FD95954CC0}"/>
-              </a:ext>
-            </a:extLst>
-          </p:cNvPr>
-          <p:cNvSpPr>
-            <a:spLocks noGrp="1"/>
-          </p:cNvSpPr>
-          <p:nvPr>
-            <p:ph type="title"/>
-          </p:nvPr>
-        </p:nvSpPr>
-        <p:spPr/>
-        <p:txBody>
-          <a:bodyPr/>
-          <a:lstStyle/>
-          <a:p>
-            <a:r>
-              <a:rPr lang="en-US" dirty="0"/>
-              <a:t>Issues</a:t>
-            </a:r>
-            <a:endParaRPr lang="LID4096" dirty="0"/>
-          </a:p>
-        </p:txBody>
-      </p:sp>
-      <p:sp>
-        <p:nvSpPr>
-          <p:cNvPr id="3" name="Content Placeholder 2">
-            <a:extLst>
-              <a:ext uri="{FF2B5EF4-FFF2-40B4-BE49-F238E27FC236}">
-                <a16:creationId xmlns:a16="http://schemas.microsoft.com/office/drawing/2014/main" id="{42217556-4098-439A-BCF9-903E23F1F416}"/>
-              </a:ext>
-            </a:extLst>
-          </p:cNvPr>
-          <p:cNvSpPr>
-            <a:spLocks noGrp="1"/>
-          </p:cNvSpPr>
-          <p:nvPr>
-            <p:ph idx="1"/>
-          </p:nvPr>
-        </p:nvSpPr>
-        <p:spPr/>
-        <p:txBody>
-          <a:bodyPr/>
-          <a:lstStyle/>
-          <a:p>
-            <a:r>
-              <a:rPr lang="en-US" dirty="0"/>
-              <a:t>Lasers and table</a:t>
-            </a:r>
-          </a:p>
-          <a:p>
-            <a:r>
-              <a:rPr lang="en-US" dirty="0"/>
-              <a:t>And the lab infrastructure</a:t>
-            </a:r>
-          </a:p>
-          <a:p>
-            <a:r>
-              <a:rPr lang="en-US" dirty="0"/>
-              <a:t>I need a TAC committee</a:t>
-            </a:r>
-            <a:endParaRPr lang="LID4096" dirty="0"/>
-          </a:p>
-        </p:txBody>
-      </p:sp>
-      <p:sp>
-        <p:nvSpPr>
-          <p:cNvPr id="4" name="Date Placeholder 3">
-            <a:extLst>
-              <a:ext uri="{FF2B5EF4-FFF2-40B4-BE49-F238E27FC236}">
-                <a16:creationId xmlns:a16="http://schemas.microsoft.com/office/drawing/2014/main" id="{32A1CB81-65A3-4F21-BB8C-2DD5854BB5D2}"/>
-              </a:ext>
-            </a:extLst>
-          </p:cNvPr>
-          <p:cNvSpPr>
-            <a:spLocks noGrp="1"/>
-          </p:cNvSpPr>
-          <p:nvPr>
-            <p:ph type="dt" sz="half" idx="10"/>
-          </p:nvPr>
-        </p:nvSpPr>
-        <p:spPr/>
-        <p:txBody>
-          <a:bodyPr/>
-          <a:lstStyle/>
-          <a:p>
-            <a:fld id="{E1CF8E31-244F-4A6A-A7D5-704B96C48AAE}" type="datetime1">
-              <a:rPr lang="et-EE" smtClean="0"/>
-              <a:t>12.08.2025</a:t>
-            </a:fld>
-            <a:endParaRPr lang="et-EE" dirty="0"/>
-          </a:p>
-        </p:txBody>
-      </p:sp>
-      <p:sp>
-        <p:nvSpPr>
-          <p:cNvPr id="5" name="Footer Placeholder 4">
-            <a:extLst>
-              <a:ext uri="{FF2B5EF4-FFF2-40B4-BE49-F238E27FC236}">
-                <a16:creationId xmlns:a16="http://schemas.microsoft.com/office/drawing/2014/main" id="{0BE7F83D-3673-493A-9F65-68832AB99371}"/>
-              </a:ext>
-            </a:extLst>
-          </p:cNvPr>
-          <p:cNvSpPr>
-            <a:spLocks noGrp="1"/>
-          </p:cNvSpPr>
-          <p:nvPr>
-            <p:ph type="ftr" sz="quarter" idx="11"/>
-          </p:nvPr>
-        </p:nvSpPr>
-        <p:spPr/>
-        <p:txBody>
-          <a:bodyPr/>
-          <a:lstStyle/>
-          <a:p>
-            <a:r>
-              <a:rPr lang="et-EE"/>
-              <a:t>Weekly</a:t>
-            </a:r>
-          </a:p>
-        </p:txBody>
-      </p:sp>
-      <p:sp>
-        <p:nvSpPr>
-          <p:cNvPr id="6" name="Slide Number Placeholder 5">
-            <a:extLst>
-              <a:ext uri="{FF2B5EF4-FFF2-40B4-BE49-F238E27FC236}">
-                <a16:creationId xmlns:a16="http://schemas.microsoft.com/office/drawing/2014/main" id="{00EE5B2F-5B77-4616-9F7B-F35BB8282833}"/>
-              </a:ext>
-            </a:extLst>
-          </p:cNvPr>
-          <p:cNvSpPr>
-            <a:spLocks noGrp="1"/>
-          </p:cNvSpPr>
-          <p:nvPr>
-            <p:ph type="sldNum" sz="quarter" idx="12"/>
-          </p:nvPr>
-        </p:nvSpPr>
-        <p:spPr/>
-        <p:txBody>
-          <a:bodyPr/>
-          <a:lstStyle/>
-          <a:p>
-            <a:fld id="{9F39E346-B1F3-4075-BD67-234EF0F10AC6}" type="slidenum">
-              <a:rPr lang="et-EE" smtClean="0"/>
-              <a:pPr/>
-              <a:t>10</a:t>
-            </a:fld>
-            <a:endParaRPr lang="et-EE" dirty="0"/>
-          </a:p>
-        </p:txBody>
-      </p:sp>
-    </p:spTree>
-    <p:extLst>
-      <p:ext uri="{BB962C8B-B14F-4D97-AF65-F5344CB8AC3E}">
-        <p14:creationId xmlns:p14="http://schemas.microsoft.com/office/powerpoint/2010/main" val="1021234139"/>
-      </p:ext>
-    </p:extLst>
-  </p:cSld>
-  <p:clrMapOvr>
-    <a:masterClrMapping/>
-  </p:clrMapOvr>
-</p:sld>
-</file>
-
 <file path=ppt/slides/slide2.xml><?xml version="1.0" encoding="utf-8"?>
 <p:sld xmlns:a="http://schemas.openxmlformats.org/drawingml/2006/main" xmlns:r="http://schemas.openxmlformats.org/officeDocument/2006/relationships" xmlns:p="http://schemas.openxmlformats.org/presentationml/2006/main">
   <p:cSld>
@@ -4224,222 +4016,6 @@
           <a:chExt cx="0" cy="0"/>
         </a:xfrm>
       </p:grpSpPr>
-      <p:sp>
-        <p:nvSpPr>
-          <p:cNvPr id="2" name="Title 1">
-            <a:extLst>
-              <a:ext uri="{FF2B5EF4-FFF2-40B4-BE49-F238E27FC236}">
-                <a16:creationId xmlns:a16="http://schemas.microsoft.com/office/drawing/2014/main" id="{4852603F-F808-43FF-B812-C17E5CEA2309}"/>
-              </a:ext>
-            </a:extLst>
-          </p:cNvPr>
-          <p:cNvSpPr>
-            <a:spLocks noGrp="1"/>
-          </p:cNvSpPr>
-          <p:nvPr>
-            <p:ph type="title"/>
-          </p:nvPr>
-        </p:nvSpPr>
-        <p:spPr/>
-        <p:txBody>
-          <a:bodyPr/>
-          <a:lstStyle/>
-          <a:p>
-            <a:r>
-              <a:rPr lang="en-US" dirty="0"/>
-              <a:t>Vacuum and Thermal</a:t>
-            </a:r>
-            <a:endParaRPr lang="LID4096" dirty="0"/>
-          </a:p>
-        </p:txBody>
-      </p:sp>
-      <p:sp>
-        <p:nvSpPr>
-          <p:cNvPr id="3" name="Content Placeholder 2">
-            <a:extLst>
-              <a:ext uri="{FF2B5EF4-FFF2-40B4-BE49-F238E27FC236}">
-                <a16:creationId xmlns:a16="http://schemas.microsoft.com/office/drawing/2014/main" id="{71B8EE2F-4312-4FAC-AFBA-27E65F49E587}"/>
-              </a:ext>
-            </a:extLst>
-          </p:cNvPr>
-          <p:cNvSpPr>
-            <a:spLocks noGrp="1"/>
-          </p:cNvSpPr>
-          <p:nvPr>
-            <p:ph idx="1"/>
-          </p:nvPr>
-        </p:nvSpPr>
-        <p:spPr>
-          <a:xfrm>
-            <a:off x="224443" y="1161756"/>
-            <a:ext cx="6858676" cy="4365423"/>
-          </a:xfrm>
-        </p:spPr>
-        <p:txBody>
-          <a:bodyPr/>
-          <a:lstStyle/>
-          <a:p>
-            <a:r>
-              <a:rPr lang="en-US" dirty="0"/>
-              <a:t>Will talk to Philip M</a:t>
-            </a:r>
-            <a:r>
-              <a:rPr lang="et-EE" dirty="0"/>
-              <a:t>öhle about the desing</a:t>
-            </a:r>
-            <a:endParaRPr lang="en-US" dirty="0"/>
-          </a:p>
-          <a:p>
-            <a:r>
-              <a:rPr lang="en-US" dirty="0"/>
-              <a:t>3 layers of aluminum shielding looks good</a:t>
-            </a:r>
-          </a:p>
-          <a:p>
-            <a:r>
-              <a:rPr lang="en-US" dirty="0"/>
-              <a:t>4 viewports, 4 additional flanges (?)</a:t>
-            </a:r>
-            <a:endParaRPr lang="et-EE" dirty="0"/>
-          </a:p>
-          <a:p>
-            <a:r>
-              <a:rPr lang="et-EE" dirty="0"/>
-              <a:t>Couple of ideas for mounting</a:t>
-            </a:r>
-          </a:p>
-          <a:p>
-            <a:pPr lvl="1"/>
-            <a:r>
-              <a:rPr lang="et-EE" dirty="0"/>
-              <a:t>Glass spheres between the layers</a:t>
-            </a:r>
-          </a:p>
-          <a:p>
-            <a:pPr lvl="1"/>
-            <a:r>
-              <a:rPr lang="et-EE" dirty="0"/>
-              <a:t>or spacer, maybe made from PEEK</a:t>
-            </a:r>
-          </a:p>
-          <a:p>
-            <a:r>
-              <a:rPr lang="et-EE" dirty="0"/>
-              <a:t>Lesker can do it, but I</a:t>
-            </a:r>
-            <a:r>
-              <a:rPr lang="en-US" dirty="0"/>
-              <a:t>’</a:t>
-            </a:r>
-            <a:r>
-              <a:rPr lang="et-EE" dirty="0"/>
-              <a:t>m also waiting for a response from </a:t>
-            </a:r>
-            <a:r>
-              <a:rPr lang="en-US" dirty="0" err="1"/>
-              <a:t>Allectra</a:t>
-            </a:r>
-            <a:r>
-              <a:rPr lang="en-US" dirty="0"/>
-              <a:t> and Pfeiffer</a:t>
-            </a:r>
-          </a:p>
-          <a:p>
-            <a:r>
-              <a:rPr lang="en-US" dirty="0"/>
-              <a:t>The pumps?</a:t>
-            </a:r>
-            <a:endParaRPr lang="et-EE" dirty="0"/>
-          </a:p>
-        </p:txBody>
-      </p:sp>
-      <p:sp>
-        <p:nvSpPr>
-          <p:cNvPr id="4" name="Date Placeholder 3">
-            <a:extLst>
-              <a:ext uri="{FF2B5EF4-FFF2-40B4-BE49-F238E27FC236}">
-                <a16:creationId xmlns:a16="http://schemas.microsoft.com/office/drawing/2014/main" id="{89F90063-910B-40B8-98D9-E2142313ECE8}"/>
-              </a:ext>
-            </a:extLst>
-          </p:cNvPr>
-          <p:cNvSpPr>
-            <a:spLocks noGrp="1"/>
-          </p:cNvSpPr>
-          <p:nvPr>
-            <p:ph type="dt" sz="half" idx="10"/>
-          </p:nvPr>
-        </p:nvSpPr>
-        <p:spPr/>
-        <p:txBody>
-          <a:bodyPr/>
-          <a:lstStyle/>
-          <a:p>
-            <a:fld id="{E1CF8E31-244F-4A6A-A7D5-704B96C48AAE}" type="datetime1">
-              <a:rPr lang="et-EE" smtClean="0"/>
-              <a:t>12.08.2025</a:t>
-            </a:fld>
-            <a:endParaRPr lang="et-EE" dirty="0"/>
-          </a:p>
-        </p:txBody>
-      </p:sp>
-      <p:sp>
-        <p:nvSpPr>
-          <p:cNvPr id="5" name="Footer Placeholder 4">
-            <a:extLst>
-              <a:ext uri="{FF2B5EF4-FFF2-40B4-BE49-F238E27FC236}">
-                <a16:creationId xmlns:a16="http://schemas.microsoft.com/office/drawing/2014/main" id="{1FB4D55A-7E80-4713-862F-2AC3D4D96B64}"/>
-              </a:ext>
-            </a:extLst>
-          </p:cNvPr>
-          <p:cNvSpPr>
-            <a:spLocks noGrp="1"/>
-          </p:cNvSpPr>
-          <p:nvPr>
-            <p:ph type="ftr" sz="quarter" idx="11"/>
-          </p:nvPr>
-        </p:nvSpPr>
-        <p:spPr/>
-        <p:txBody>
-          <a:bodyPr/>
-          <a:lstStyle/>
-          <a:p>
-            <a:r>
-              <a:rPr lang="et-EE"/>
-              <a:t>Weekly</a:t>
-            </a:r>
-          </a:p>
-        </p:txBody>
-      </p:sp>
-      <p:sp>
-        <p:nvSpPr>
-          <p:cNvPr id="6" name="Slide Number Placeholder 5">
-            <a:extLst>
-              <a:ext uri="{FF2B5EF4-FFF2-40B4-BE49-F238E27FC236}">
-                <a16:creationId xmlns:a16="http://schemas.microsoft.com/office/drawing/2014/main" id="{6C71746D-3571-4DE9-9B56-F2133D118CC1}"/>
-              </a:ext>
-            </a:extLst>
-          </p:cNvPr>
-          <p:cNvSpPr>
-            <a:spLocks noGrp="1"/>
-          </p:cNvSpPr>
-          <p:nvPr>
-            <p:ph type="sldNum" sz="quarter" idx="12"/>
-          </p:nvPr>
-        </p:nvSpPr>
-        <p:spPr/>
-        <p:txBody>
-          <a:bodyPr/>
-          <a:lstStyle/>
-          <a:p>
-            <a:fld id="{9F39E346-B1F3-4075-BD67-234EF0F10AC6}" type="slidenum">
-              <a:rPr lang="et-EE" smtClean="0"/>
-              <a:pPr/>
-              <a:t>2</a:t>
-            </a:fld>
-            <a:endParaRPr lang="et-EE" dirty="0"/>
-          </a:p>
-        </p:txBody>
-      </p:sp>
       <p:pic>
         <p:nvPicPr>
           <p:cNvPr id="8" name="Picture 7">
@@ -4462,7 +4038,7 @@
         </p:blipFill>
         <p:spPr>
           <a:xfrm>
-            <a:off x="6630511" y="1028415"/>
+            <a:off x="7331397" y="1284408"/>
             <a:ext cx="4413624" cy="4565713"/>
           </a:xfrm>
           <a:prstGeom prst="rect">
@@ -4470,6 +4046,184 @@
           </a:prstGeom>
         </p:spPr>
       </p:pic>
+      <p:sp>
+        <p:nvSpPr>
+          <p:cNvPr id="2" name="Title 1">
+            <a:extLst>
+              <a:ext uri="{FF2B5EF4-FFF2-40B4-BE49-F238E27FC236}">
+                <a16:creationId xmlns:a16="http://schemas.microsoft.com/office/drawing/2014/main" id="{4852603F-F808-43FF-B812-C17E5CEA2309}"/>
+              </a:ext>
+            </a:extLst>
+          </p:cNvPr>
+          <p:cNvSpPr>
+            <a:spLocks noGrp="1"/>
+          </p:cNvSpPr>
+          <p:nvPr>
+            <p:ph type="title"/>
+          </p:nvPr>
+        </p:nvSpPr>
+        <p:spPr/>
+        <p:txBody>
+          <a:bodyPr/>
+          <a:lstStyle/>
+          <a:p>
+            <a:r>
+              <a:rPr lang="en-US" dirty="0"/>
+              <a:t>Vacuum and Thermal</a:t>
+            </a:r>
+            <a:endParaRPr lang="LID4096" dirty="0"/>
+          </a:p>
+        </p:txBody>
+      </p:sp>
+      <p:sp>
+        <p:nvSpPr>
+          <p:cNvPr id="3" name="Content Placeholder 2">
+            <a:extLst>
+              <a:ext uri="{FF2B5EF4-FFF2-40B4-BE49-F238E27FC236}">
+                <a16:creationId xmlns:a16="http://schemas.microsoft.com/office/drawing/2014/main" id="{71B8EE2F-4312-4FAC-AFBA-27E65F49E587}"/>
+              </a:ext>
+            </a:extLst>
+          </p:cNvPr>
+          <p:cNvSpPr>
+            <a:spLocks noGrp="1"/>
+          </p:cNvSpPr>
+          <p:nvPr>
+            <p:ph idx="1"/>
+          </p:nvPr>
+        </p:nvSpPr>
+        <p:spPr>
+          <a:xfrm>
+            <a:off x="224443" y="1161756"/>
+            <a:ext cx="8237238" cy="4365423"/>
+          </a:xfrm>
+        </p:spPr>
+        <p:txBody>
+          <a:bodyPr/>
+          <a:lstStyle/>
+          <a:p>
+            <a:r>
+              <a:rPr lang="en-US" dirty="0"/>
+              <a:t>Philip can design the shields, he already did it for Hexagon.</a:t>
+            </a:r>
+          </a:p>
+          <a:p>
+            <a:pPr lvl="1"/>
+            <a:r>
+              <a:rPr lang="en-US" dirty="0"/>
+              <a:t>Sent him input from my side, I’m yet to receive anything back</a:t>
+            </a:r>
+          </a:p>
+          <a:p>
+            <a:pPr lvl="1"/>
+            <a:r>
+              <a:rPr lang="en-US" dirty="0"/>
+              <a:t>I’m unsure about a suitable beam height</a:t>
+            </a:r>
+          </a:p>
+          <a:p>
+            <a:r>
+              <a:rPr lang="en-US" dirty="0"/>
+              <a:t>Pfeiffer and </a:t>
+            </a:r>
+            <a:r>
+              <a:rPr lang="en-US" dirty="0" err="1"/>
+              <a:t>Allectra</a:t>
+            </a:r>
+            <a:r>
+              <a:rPr lang="en-US" dirty="0"/>
+              <a:t> also have not responded.  </a:t>
+            </a:r>
+            <a:endParaRPr lang="et-EE" dirty="0"/>
+          </a:p>
+        </p:txBody>
+      </p:sp>
+      <p:sp>
+        <p:nvSpPr>
+          <p:cNvPr id="4" name="Date Placeholder 3">
+            <a:extLst>
+              <a:ext uri="{FF2B5EF4-FFF2-40B4-BE49-F238E27FC236}">
+                <a16:creationId xmlns:a16="http://schemas.microsoft.com/office/drawing/2014/main" id="{89F90063-910B-40B8-98D9-E2142313ECE8}"/>
+              </a:ext>
+            </a:extLst>
+          </p:cNvPr>
+          <p:cNvSpPr>
+            <a:spLocks noGrp="1"/>
+          </p:cNvSpPr>
+          <p:nvPr>
+            <p:ph type="dt" sz="half" idx="10"/>
+          </p:nvPr>
+        </p:nvSpPr>
+        <p:spPr/>
+        <p:txBody>
+          <a:bodyPr/>
+          <a:lstStyle/>
+          <a:p>
+            <a:fld id="{E1CF8E31-244F-4A6A-A7D5-704B96C48AAE}" type="datetime1">
+              <a:rPr lang="et-EE" smtClean="0"/>
+              <a:t>19.08.2025</a:t>
+            </a:fld>
+            <a:endParaRPr lang="et-EE" dirty="0"/>
+          </a:p>
+        </p:txBody>
+      </p:sp>
+      <p:sp>
+        <p:nvSpPr>
+          <p:cNvPr id="5" name="Footer Placeholder 4">
+            <a:extLst>
+              <a:ext uri="{FF2B5EF4-FFF2-40B4-BE49-F238E27FC236}">
+                <a16:creationId xmlns:a16="http://schemas.microsoft.com/office/drawing/2014/main" id="{1FB4D55A-7E80-4713-862F-2AC3D4D96B64}"/>
+              </a:ext>
+            </a:extLst>
+          </p:cNvPr>
+          <p:cNvSpPr>
+            <a:spLocks noGrp="1"/>
+          </p:cNvSpPr>
+          <p:nvPr>
+            <p:ph type="ftr" sz="quarter" idx="11"/>
+          </p:nvPr>
+        </p:nvSpPr>
+        <p:spPr/>
+        <p:txBody>
+          <a:bodyPr/>
+          <a:lstStyle/>
+          <a:p>
+            <a:r>
+              <a:rPr lang="et-EE"/>
+              <a:t>Weekly</a:t>
+            </a:r>
+          </a:p>
+        </p:txBody>
+      </p:sp>
+      <p:sp>
+        <p:nvSpPr>
+          <p:cNvPr id="6" name="Slide Number Placeholder 5">
+            <a:extLst>
+              <a:ext uri="{FF2B5EF4-FFF2-40B4-BE49-F238E27FC236}">
+                <a16:creationId xmlns:a16="http://schemas.microsoft.com/office/drawing/2014/main" id="{6C71746D-3571-4DE9-9B56-F2133D118CC1}"/>
+              </a:ext>
+            </a:extLst>
+          </p:cNvPr>
+          <p:cNvSpPr>
+            <a:spLocks noGrp="1"/>
+          </p:cNvSpPr>
+          <p:nvPr>
+            <p:ph type="sldNum" sz="quarter" idx="12"/>
+          </p:nvPr>
+        </p:nvSpPr>
+        <p:spPr/>
+        <p:txBody>
+          <a:bodyPr/>
+          <a:lstStyle/>
+          <a:p>
+            <a:fld id="{9F39E346-B1F3-4075-BD67-234EF0F10AC6}" type="slidenum">
+              <a:rPr lang="et-EE" smtClean="0"/>
+              <a:pPr/>
+              <a:t>2</a:t>
+            </a:fld>
+            <a:endParaRPr lang="et-EE" dirty="0"/>
+          </a:p>
+        </p:txBody>
+      </p:sp>
     </p:spTree>
     <p:extLst>
       <p:ext uri="{BB962C8B-B14F-4D97-AF65-F5344CB8AC3E}">
@@ -4505,7 +4259,7 @@
           <p:cNvPr id="2" name="Title 1">
             <a:extLst>
               <a:ext uri="{FF2B5EF4-FFF2-40B4-BE49-F238E27FC236}">
-                <a16:creationId xmlns:a16="http://schemas.microsoft.com/office/drawing/2014/main" id="{36A010B9-9B55-45A0-920D-04298C7DC9FD}"/>
+                <a16:creationId xmlns:a16="http://schemas.microsoft.com/office/drawing/2014/main" id="{AE216C68-A0C2-4F4E-8423-B9E474886256}"/>
               </a:ext>
             </a:extLst>
           </p:cNvPr>
@@ -4523,7 +4277,7 @@
           <a:p>
             <a:r>
               <a:rPr lang="en-US" dirty="0"/>
-              <a:t>Conference</a:t>
+              <a:t>Follow-up Meeting with Michaela</a:t>
             </a:r>
             <a:endParaRPr lang="LID4096" dirty="0"/>
           </a:p>
@@ -4534,7 +4288,7 @@
           <p:cNvPr id="3" name="Content Placeholder 2">
             <a:extLst>
               <a:ext uri="{FF2B5EF4-FFF2-40B4-BE49-F238E27FC236}">
-                <a16:creationId xmlns:a16="http://schemas.microsoft.com/office/drawing/2014/main" id="{0E25A60C-BA4B-4B46-8B86-B90C123010C4}"/>
+                <a16:creationId xmlns:a16="http://schemas.microsoft.com/office/drawing/2014/main" id="{84ED7988-8135-4ABA-A453-E098A806E4F5}"/>
               </a:ext>
             </a:extLst>
           </p:cNvPr>
@@ -4545,21 +4299,54 @@
             <p:ph idx="1"/>
           </p:nvPr>
         </p:nvSpPr>
-        <p:spPr/>
+        <p:spPr>
+          <a:xfrm>
+            <a:off x="224442" y="1161756"/>
+            <a:ext cx="11681324" cy="4365423"/>
+          </a:xfrm>
+        </p:spPr>
         <p:txBody>
           <a:bodyPr/>
           <a:lstStyle/>
           <a:p>
             <a:r>
               <a:rPr lang="en-US" dirty="0"/>
-              <a:t>Went well</a:t>
-            </a:r>
-          </a:p>
-          <a:p>
+              <a:t>The table should be in the lab before the safety wall</a:t>
+            </a:r>
+          </a:p>
+          <a:p>
+            <a:pPr lvl="1"/>
             <a:r>
               <a:rPr lang="en-US" dirty="0"/>
-              <a:t>I won’t write the proceedings</a:t>
-            </a:r>
+              <a:t>Thorlabs lists a availability as 1 week for the table and legs (probably not true)</a:t>
+            </a:r>
+          </a:p>
+          <a:p>
+            <a:pPr lvl="1"/>
+            <a:r>
+              <a:rPr lang="en-US" dirty="0"/>
+              <a:t>The safety wall will presumably take months</a:t>
+            </a:r>
+          </a:p>
+          <a:p>
+            <a:r>
+              <a:rPr lang="en-US" dirty="0"/>
+              <a:t>It probably makes most sense to do a deeper clean in the lab after the safety wall is installed?</a:t>
+            </a:r>
+          </a:p>
+          <a:p>
+            <a:pPr lvl="1"/>
+            <a:r>
+              <a:rPr lang="en-US" dirty="0"/>
+              <a:t>Udo is yet to answer my email</a:t>
+            </a:r>
+          </a:p>
+          <a:p>
+            <a:pPr lvl="1"/>
+            <a:endParaRPr lang="en-US" dirty="0"/>
+          </a:p>
+          <a:p>
+            <a:pPr lvl="1"/>
             <a:endParaRPr lang="LID4096" dirty="0"/>
           </a:p>
         </p:txBody>
@@ -4569,7 +4356,7 @@
           <p:cNvPr id="4" name="Date Placeholder 3">
             <a:extLst>
               <a:ext uri="{FF2B5EF4-FFF2-40B4-BE49-F238E27FC236}">
-                <a16:creationId xmlns:a16="http://schemas.microsoft.com/office/drawing/2014/main" id="{76062B04-E486-4E07-B6CC-8EB04CDD64CE}"/>
+                <a16:creationId xmlns:a16="http://schemas.microsoft.com/office/drawing/2014/main" id="{01B0549F-1AF9-4A15-9CD0-535A6B78F513}"/>
               </a:ext>
             </a:extLst>
           </p:cNvPr>
@@ -4587,7 +4374,7 @@
           <a:p>
             <a:fld id="{E1CF8E31-244F-4A6A-A7D5-704B96C48AAE}" type="datetime1">
               <a:rPr lang="et-EE" smtClean="0"/>
-              <a:t>12.08.2025</a:t>
+              <a:t>19.08.2025</a:t>
             </a:fld>
             <a:endParaRPr lang="et-EE" dirty="0"/>
           </a:p>
@@ -4598,7 +4385,7 @@
           <p:cNvPr id="5" name="Footer Placeholder 4">
             <a:extLst>
               <a:ext uri="{FF2B5EF4-FFF2-40B4-BE49-F238E27FC236}">
-                <a16:creationId xmlns:a16="http://schemas.microsoft.com/office/drawing/2014/main" id="{D4DC687E-BCEB-46C8-A0F4-133EA3E64B70}"/>
+                <a16:creationId xmlns:a16="http://schemas.microsoft.com/office/drawing/2014/main" id="{47291FB1-6957-4D08-804E-7A26EEC3F9E5}"/>
               </a:ext>
             </a:extLst>
           </p:cNvPr>
@@ -4626,7 +4413,7 @@
           <p:cNvPr id="6" name="Slide Number Placeholder 5">
             <a:extLst>
               <a:ext uri="{FF2B5EF4-FFF2-40B4-BE49-F238E27FC236}">
-                <a16:creationId xmlns:a16="http://schemas.microsoft.com/office/drawing/2014/main" id="{C2DBCA09-7CE7-4766-93E6-5C2D33E8F085}"/>
+                <a16:creationId xmlns:a16="http://schemas.microsoft.com/office/drawing/2014/main" id="{2809A346-C2A2-4A35-8C5B-D5038F5446CC}"/>
               </a:ext>
             </a:extLst>
           </p:cNvPr>
@@ -4654,7 +4441,7 @@
     </p:spTree>
     <p:extLst>
       <p:ext uri="{BB962C8B-B14F-4D97-AF65-F5344CB8AC3E}">
-        <p14:creationId xmlns:p14="http://schemas.microsoft.com/office/powerpoint/2010/main" val="2037946264"/>
+        <p14:creationId xmlns:p14="http://schemas.microsoft.com/office/powerpoint/2010/main" val="1491182051"/>
       </p:ext>
     </p:extLst>
   </p:cSld>
@@ -4686,7 +4473,7 @@
           <p:cNvPr id="2" name="Title 1">
             <a:extLst>
               <a:ext uri="{FF2B5EF4-FFF2-40B4-BE49-F238E27FC236}">
-                <a16:creationId xmlns:a16="http://schemas.microsoft.com/office/drawing/2014/main" id="{309B704D-C8EF-4128-B7E5-75E86F1FB6D8}"/>
+                <a16:creationId xmlns:a16="http://schemas.microsoft.com/office/drawing/2014/main" id="{D8B07BD1-919B-4F3C-993D-CA59596320F2}"/>
               </a:ext>
             </a:extLst>
           </p:cNvPr>
@@ -4704,123 +4491,47 @@
           <a:p>
             <a:r>
               <a:rPr lang="en-US" dirty="0"/>
-              <a:t>Short term plan</a:t>
+              <a:t>About the Table</a:t>
             </a:r>
             <a:endParaRPr lang="LID4096" dirty="0"/>
           </a:p>
         </p:txBody>
       </p:sp>
-      <p:sp>
-        <p:nvSpPr>
-          <p:cNvPr id="3" name="Content Placeholder 2">
+      <p:pic>
+        <p:nvPicPr>
+          <p:cNvPr id="8" name="Content Placeholder 7">
             <a:extLst>
               <a:ext uri="{FF2B5EF4-FFF2-40B4-BE49-F238E27FC236}">
-                <a16:creationId xmlns:a16="http://schemas.microsoft.com/office/drawing/2014/main" id="{9C8CFC71-4B01-497F-9C0E-86623D1C522F}"/>
+                <a16:creationId xmlns:a16="http://schemas.microsoft.com/office/drawing/2014/main" id="{1C3BBAC8-4DDA-4CA0-A3B7-38C778CA014F}"/>
               </a:ext>
             </a:extLst>
           </p:cNvPr>
-          <p:cNvSpPr>
-            <a:spLocks noGrp="1"/>
-          </p:cNvSpPr>
+          <p:cNvPicPr>
+            <a:picLocks noGrp="1" noChangeAspect="1"/>
+          </p:cNvPicPr>
           <p:nvPr>
             <p:ph idx="1"/>
           </p:nvPr>
-        </p:nvSpPr>
-        <p:spPr/>
-        <p:txBody>
-          <a:bodyPr/>
-          <a:lstStyle/>
-          <a:p>
-            <a:r>
-              <a:rPr lang="en-US" dirty="0"/>
-              <a:t>Critical things to order:</a:t>
-            </a:r>
-          </a:p>
-          <a:p>
-            <a:pPr lvl="1"/>
-            <a:r>
-              <a:rPr lang="en-US" dirty="0"/>
-              <a:t>Lasers – Depends on how the currently lasers can perform</a:t>
-            </a:r>
-          </a:p>
-          <a:p>
-            <a:pPr lvl="1"/>
-            <a:r>
-              <a:rPr lang="en-US" dirty="0">
-                <a:solidFill>
-                  <a:srgbClr val="D8DFE3"/>
-                </a:solidFill>
-              </a:rPr>
-              <a:t>Table – Could be ordered, maybe at the same time as the lasers?</a:t>
-            </a:r>
-          </a:p>
-          <a:p>
-            <a:pPr lvl="1"/>
-            <a:r>
-              <a:rPr lang="en-US" dirty="0">
-                <a:solidFill>
-                  <a:srgbClr val="D8DFE3"/>
-                </a:solidFill>
-              </a:rPr>
-              <a:t>Vacuum – I’m gathering quotes, have a rough design</a:t>
-            </a:r>
-          </a:p>
-          <a:p>
-            <a:pPr lvl="1"/>
-            <a:r>
-              <a:rPr lang="en-US" dirty="0">
-                <a:solidFill>
-                  <a:srgbClr val="D8DFE3"/>
-                </a:solidFill>
-              </a:rPr>
-              <a:t>Cavities – I  need to clarify the available </a:t>
-            </a:r>
-            <a:r>
-              <a:rPr lang="en-US" dirty="0" err="1">
-                <a:solidFill>
-                  <a:srgbClr val="D8DFE3"/>
-                </a:solidFill>
-              </a:rPr>
-              <a:t>RoCs</a:t>
-            </a:r>
-            <a:r>
-              <a:rPr lang="en-US" dirty="0">
-                <a:solidFill>
-                  <a:srgbClr val="D8DFE3"/>
-                </a:solidFill>
-              </a:rPr>
-              <a:t>, but hope to get the PO out in the coming weeks (by the end of August)</a:t>
-            </a:r>
-          </a:p>
-          <a:p>
-            <a:pPr lvl="1"/>
-            <a:r>
-              <a:rPr lang="en-US" dirty="0">
-                <a:solidFill>
-                  <a:srgbClr val="D8DFE3"/>
-                </a:solidFill>
-              </a:rPr>
-              <a:t>Interlock?</a:t>
-            </a:r>
-          </a:p>
-          <a:p>
-            <a:r>
-              <a:rPr lang="en-US" dirty="0">
-                <a:solidFill>
-                  <a:srgbClr val="D8DFE3"/>
-                </a:solidFill>
-              </a:rPr>
-              <a:t>Write the first article comparing the testbed to LISA – A rough draft also by the end of August?</a:t>
-            </a:r>
-          </a:p>
-        </p:txBody>
-      </p:sp>
+        </p:nvPicPr>
+        <p:blipFill>
+          <a:blip r:embed="rId2"/>
+          <a:stretch>
+            <a:fillRect/>
+          </a:stretch>
+        </p:blipFill>
+        <p:spPr>
+          <a:xfrm>
+            <a:off x="7247125" y="2455537"/>
+            <a:ext cx="4842518" cy="4365625"/>
+          </a:xfrm>
+        </p:spPr>
+      </p:pic>
       <p:sp>
         <p:nvSpPr>
           <p:cNvPr id="4" name="Date Placeholder 3">
             <a:extLst>
               <a:ext uri="{FF2B5EF4-FFF2-40B4-BE49-F238E27FC236}">
-                <a16:creationId xmlns:a16="http://schemas.microsoft.com/office/drawing/2014/main" id="{84704299-5B7D-48B5-BEDA-7A4139CCF8E8}"/>
+                <a16:creationId xmlns:a16="http://schemas.microsoft.com/office/drawing/2014/main" id="{B726820B-95E4-422D-B761-98F23716B20D}"/>
               </a:ext>
             </a:extLst>
           </p:cNvPr>
@@ -4838,7 +4549,7 @@
           <a:p>
             <a:fld id="{E1CF8E31-244F-4A6A-A7D5-704B96C48AAE}" type="datetime1">
               <a:rPr lang="et-EE" smtClean="0"/>
-              <a:t>12.08.2025</a:t>
+              <a:t>19.08.2025</a:t>
             </a:fld>
             <a:endParaRPr lang="et-EE" dirty="0"/>
           </a:p>
@@ -4849,7 +4560,7 @@
           <p:cNvPr id="5" name="Footer Placeholder 4">
             <a:extLst>
               <a:ext uri="{FF2B5EF4-FFF2-40B4-BE49-F238E27FC236}">
-                <a16:creationId xmlns:a16="http://schemas.microsoft.com/office/drawing/2014/main" id="{B79567BB-D8AE-4424-B4E5-8C7DDD24E481}"/>
+                <a16:creationId xmlns:a16="http://schemas.microsoft.com/office/drawing/2014/main" id="{FD876652-77A4-4081-A910-D91B896153E6}"/>
               </a:ext>
             </a:extLst>
           </p:cNvPr>
@@ -4877,7 +4588,7 @@
           <p:cNvPr id="6" name="Slide Number Placeholder 5">
             <a:extLst>
               <a:ext uri="{FF2B5EF4-FFF2-40B4-BE49-F238E27FC236}">
-                <a16:creationId xmlns:a16="http://schemas.microsoft.com/office/drawing/2014/main" id="{0B16A22A-7E59-4014-801A-D9AEC9405C54}"/>
+                <a16:creationId xmlns:a16="http://schemas.microsoft.com/office/drawing/2014/main" id="{E34DFE80-9BB2-4212-9149-25547ACC5228}"/>
               </a:ext>
             </a:extLst>
           </p:cNvPr>
@@ -4902,1261 +4613,223 @@
           </a:p>
         </p:txBody>
       </p:sp>
+      <p:sp>
+        <p:nvSpPr>
+          <p:cNvPr id="9" name="Content Placeholder 2">
+            <a:extLst>
+              <a:ext uri="{FF2B5EF4-FFF2-40B4-BE49-F238E27FC236}">
+                <a16:creationId xmlns:a16="http://schemas.microsoft.com/office/drawing/2014/main" id="{95BEED96-D058-4006-8ED7-4B908B83C4DD}"/>
+              </a:ext>
+            </a:extLst>
+          </p:cNvPr>
+          <p:cNvSpPr txBox="1">
+            <a:spLocks/>
+          </p:cNvSpPr>
+          <p:nvPr/>
+        </p:nvSpPr>
+        <p:spPr>
+          <a:xfrm>
+            <a:off x="224442" y="1161756"/>
+            <a:ext cx="11681324" cy="4365423"/>
+          </a:xfrm>
+          <a:prstGeom prst="rect">
+            <a:avLst/>
+          </a:prstGeom>
+        </p:spPr>
+        <p:txBody>
+          <a:bodyPr vert="horz" lIns="91440" tIns="45720" rIns="91440" bIns="45720" rtlCol="0">
+            <a:normAutofit/>
+          </a:bodyPr>
+          <a:lstStyle>
+            <a:lvl1pPr marL="91440" indent="-228600" algn="l" defTabSz="914400" rtl="0" eaLnBrk="1" latinLnBrk="0" hangingPunct="1">
+              <a:lnSpc>
+                <a:spcPct val="100000"/>
+              </a:lnSpc>
+              <a:spcBef>
+                <a:spcPts val="1000"/>
+              </a:spcBef>
+              <a:buFont typeface="Arial" panose="020B0604020202020204" pitchFamily="34" charset="0"/>
+              <a:buChar char="•"/>
+              <a:defRPr sz="2400" b="0" kern="1200">
+                <a:solidFill>
+                  <a:srgbClr val="667982"/>
+                </a:solidFill>
+                <a:latin typeface="Arial" panose="020B0604020202020204" pitchFamily="34" charset="0"/>
+                <a:ea typeface="+mn-ea"/>
+                <a:cs typeface="Arial" panose="020B0604020202020204" pitchFamily="34" charset="0"/>
+              </a:defRPr>
+            </a:lvl1pPr>
+            <a:lvl2pPr marL="685800" indent="-228600" algn="l" defTabSz="914400" rtl="0" eaLnBrk="1" latinLnBrk="0" hangingPunct="1">
+              <a:lnSpc>
+                <a:spcPct val="100000"/>
+              </a:lnSpc>
+              <a:spcBef>
+                <a:spcPts val="500"/>
+              </a:spcBef>
+              <a:buFont typeface="Arial" panose="020B0604020202020204" pitchFamily="34" charset="0"/>
+              <a:buChar char="•"/>
+              <a:defRPr sz="2400" b="0" kern="1200">
+                <a:solidFill>
+                  <a:srgbClr val="667982"/>
+                </a:solidFill>
+                <a:latin typeface="Arial" panose="020B0604020202020204" pitchFamily="34" charset="0"/>
+                <a:ea typeface="+mn-ea"/>
+                <a:cs typeface="Arial" panose="020B0604020202020204" pitchFamily="34" charset="0"/>
+              </a:defRPr>
+            </a:lvl2pPr>
+            <a:lvl3pPr marL="1143000" indent="-228600" algn="l" defTabSz="914400" rtl="0" eaLnBrk="1" latinLnBrk="0" hangingPunct="1">
+              <a:lnSpc>
+                <a:spcPct val="100000"/>
+              </a:lnSpc>
+              <a:spcBef>
+                <a:spcPts val="500"/>
+              </a:spcBef>
+              <a:buFont typeface="Arial" panose="020B0604020202020204" pitchFamily="34" charset="0"/>
+              <a:buChar char="•"/>
+              <a:defRPr sz="2000" b="0" kern="1200">
+                <a:solidFill>
+                  <a:srgbClr val="667982"/>
+                </a:solidFill>
+                <a:latin typeface="Arial" panose="020B0604020202020204" pitchFamily="34" charset="0"/>
+                <a:ea typeface="+mn-ea"/>
+                <a:cs typeface="Arial" panose="020B0604020202020204" pitchFamily="34" charset="0"/>
+              </a:defRPr>
+            </a:lvl3pPr>
+            <a:lvl4pPr marL="1600200" indent="-228600" algn="l" defTabSz="914400" rtl="0" eaLnBrk="1" latinLnBrk="0" hangingPunct="1">
+              <a:lnSpc>
+                <a:spcPct val="100000"/>
+              </a:lnSpc>
+              <a:spcBef>
+                <a:spcPts val="500"/>
+              </a:spcBef>
+              <a:buFont typeface="Arial" panose="020B0604020202020204" pitchFamily="34" charset="0"/>
+              <a:buChar char="•"/>
+              <a:defRPr sz="1800" b="0" kern="1200">
+                <a:solidFill>
+                  <a:srgbClr val="667982"/>
+                </a:solidFill>
+                <a:latin typeface="Arial" panose="020B0604020202020204" pitchFamily="34" charset="0"/>
+                <a:ea typeface="+mn-ea"/>
+                <a:cs typeface="Arial" panose="020B0604020202020204" pitchFamily="34" charset="0"/>
+              </a:defRPr>
+            </a:lvl4pPr>
+            <a:lvl5pPr marL="2057400" indent="-228600" algn="l" defTabSz="914400" rtl="0" eaLnBrk="1" latinLnBrk="0" hangingPunct="1">
+              <a:lnSpc>
+                <a:spcPct val="100000"/>
+              </a:lnSpc>
+              <a:spcBef>
+                <a:spcPts val="500"/>
+              </a:spcBef>
+              <a:buFont typeface="Arial" panose="020B0604020202020204" pitchFamily="34" charset="0"/>
+              <a:buChar char="•"/>
+              <a:defRPr sz="1800" b="0" kern="1200">
+                <a:solidFill>
+                  <a:srgbClr val="667982"/>
+                </a:solidFill>
+                <a:latin typeface="Arial" panose="020B0604020202020204" pitchFamily="34" charset="0"/>
+                <a:ea typeface="+mn-ea"/>
+                <a:cs typeface="Arial" panose="020B0604020202020204" pitchFamily="34" charset="0"/>
+              </a:defRPr>
+            </a:lvl5pPr>
+            <a:lvl6pPr marL="2514600" indent="-228600" algn="l" defTabSz="914400" rtl="0" eaLnBrk="1" latinLnBrk="0" hangingPunct="1">
+              <a:lnSpc>
+                <a:spcPct val="90000"/>
+              </a:lnSpc>
+              <a:spcBef>
+                <a:spcPts val="500"/>
+              </a:spcBef>
+              <a:buFont typeface="Arial" panose="020B0604020202020204" pitchFamily="34" charset="0"/>
+              <a:buChar char="•"/>
+              <a:defRPr sz="1800" kern="1200">
+                <a:solidFill>
+                  <a:schemeClr val="tx1"/>
+                </a:solidFill>
+                <a:latin typeface="+mn-lt"/>
+                <a:ea typeface="+mn-ea"/>
+                <a:cs typeface="+mn-cs"/>
+              </a:defRPr>
+            </a:lvl6pPr>
+            <a:lvl7pPr marL="2971800" indent="-228600" algn="l" defTabSz="914400" rtl="0" eaLnBrk="1" latinLnBrk="0" hangingPunct="1">
+              <a:lnSpc>
+                <a:spcPct val="90000"/>
+              </a:lnSpc>
+              <a:spcBef>
+                <a:spcPts val="500"/>
+              </a:spcBef>
+              <a:buFont typeface="Arial" panose="020B0604020202020204" pitchFamily="34" charset="0"/>
+              <a:buChar char="•"/>
+              <a:defRPr sz="1800" kern="1200">
+                <a:solidFill>
+                  <a:schemeClr val="tx1"/>
+                </a:solidFill>
+                <a:latin typeface="+mn-lt"/>
+                <a:ea typeface="+mn-ea"/>
+                <a:cs typeface="+mn-cs"/>
+              </a:defRPr>
+            </a:lvl7pPr>
+            <a:lvl8pPr marL="3429000" indent="-228600" algn="l" defTabSz="914400" rtl="0" eaLnBrk="1" latinLnBrk="0" hangingPunct="1">
+              <a:lnSpc>
+                <a:spcPct val="90000"/>
+              </a:lnSpc>
+              <a:spcBef>
+                <a:spcPts val="500"/>
+              </a:spcBef>
+              <a:buFont typeface="Arial" panose="020B0604020202020204" pitchFamily="34" charset="0"/>
+              <a:buChar char="•"/>
+              <a:defRPr sz="1800" kern="1200">
+                <a:solidFill>
+                  <a:schemeClr val="tx1"/>
+                </a:solidFill>
+                <a:latin typeface="+mn-lt"/>
+                <a:ea typeface="+mn-ea"/>
+                <a:cs typeface="+mn-cs"/>
+              </a:defRPr>
+            </a:lvl8pPr>
+            <a:lvl9pPr marL="3886200" indent="-228600" algn="l" defTabSz="914400" rtl="0" eaLnBrk="1" latinLnBrk="0" hangingPunct="1">
+              <a:lnSpc>
+                <a:spcPct val="90000"/>
+              </a:lnSpc>
+              <a:spcBef>
+                <a:spcPts val="500"/>
+              </a:spcBef>
+              <a:buFont typeface="Arial" panose="020B0604020202020204" pitchFamily="34" charset="0"/>
+              <a:buChar char="•"/>
+              <a:defRPr sz="1800" kern="1200">
+                <a:solidFill>
+                  <a:schemeClr val="tx1"/>
+                </a:solidFill>
+                <a:latin typeface="+mn-lt"/>
+                <a:ea typeface="+mn-ea"/>
+                <a:cs typeface="+mn-cs"/>
+              </a:defRPr>
+            </a:lvl9pPr>
+          </a:lstStyle>
+          <a:p>
+            <a:r>
+              <a:rPr lang="en-US" dirty="0"/>
+              <a:t>Thorlabs has a compatible stand alone shelf for the optical table (about 2 m high) </a:t>
+            </a:r>
+          </a:p>
+          <a:p>
+            <a:r>
+              <a:rPr lang="en-US" dirty="0"/>
+              <a:t>The full price would be 4443.07 + 3590.81 + 2299.26 = 10333.14 &lt; 15000</a:t>
+            </a:r>
+          </a:p>
+          <a:p>
+            <a:pPr lvl="1"/>
+            <a:endParaRPr lang="en-US" dirty="0"/>
+          </a:p>
+          <a:p>
+            <a:pPr lvl="1"/>
+            <a:endParaRPr lang="LID4096" dirty="0"/>
+          </a:p>
+        </p:txBody>
+      </p:sp>
     </p:spTree>
     <p:extLst>
       <p:ext uri="{BB962C8B-B14F-4D97-AF65-F5344CB8AC3E}">
-        <p14:creationId xmlns:p14="http://schemas.microsoft.com/office/powerpoint/2010/main" val="1598682543"/>
-      </p:ext>
-    </p:extLst>
-  </p:cSld>
-  <p:clrMapOvr>
-    <a:masterClrMapping/>
-  </p:clrMapOvr>
-</p:sld>
-</file>
-
-<file path=ppt/slides/slide5.xml><?xml version="1.0" encoding="utf-8"?>
-<p:sld xmlns:a="http://schemas.openxmlformats.org/drawingml/2006/main" xmlns:r="http://schemas.openxmlformats.org/officeDocument/2006/relationships" xmlns:p="http://schemas.openxmlformats.org/presentationml/2006/main">
-  <p:cSld>
-    <p:spTree>
-      <p:nvGrpSpPr>
-        <p:cNvPr id="1" name=""/>
-        <p:cNvGrpSpPr/>
-        <p:nvPr/>
-      </p:nvGrpSpPr>
-      <p:grpSpPr>
-        <a:xfrm>
-          <a:off x="0" y="0"/>
-          <a:ext cx="0" cy="0"/>
-          <a:chOff x="0" y="0"/>
-          <a:chExt cx="0" cy="0"/>
-        </a:xfrm>
-      </p:grpSpPr>
-      <p:sp>
-        <p:nvSpPr>
-          <p:cNvPr id="2" name="Title 1">
-            <a:extLst>
-              <a:ext uri="{FF2B5EF4-FFF2-40B4-BE49-F238E27FC236}">
-                <a16:creationId xmlns:a16="http://schemas.microsoft.com/office/drawing/2014/main" id="{309B704D-C8EF-4128-B7E5-75E86F1FB6D8}"/>
-              </a:ext>
-            </a:extLst>
-          </p:cNvPr>
-          <p:cNvSpPr>
-            <a:spLocks noGrp="1"/>
-          </p:cNvSpPr>
-          <p:nvPr>
-            <p:ph type="title"/>
-          </p:nvPr>
-        </p:nvSpPr>
-        <p:spPr/>
-        <p:txBody>
-          <a:bodyPr/>
-          <a:lstStyle/>
-          <a:p>
-            <a:r>
-              <a:rPr lang="en-US" dirty="0"/>
-              <a:t>Short term plan</a:t>
-            </a:r>
-            <a:endParaRPr lang="LID4096" dirty="0"/>
-          </a:p>
-        </p:txBody>
-      </p:sp>
-      <p:sp>
-        <p:nvSpPr>
-          <p:cNvPr id="3" name="Content Placeholder 2">
-            <a:extLst>
-              <a:ext uri="{FF2B5EF4-FFF2-40B4-BE49-F238E27FC236}">
-                <a16:creationId xmlns:a16="http://schemas.microsoft.com/office/drawing/2014/main" id="{9C8CFC71-4B01-497F-9C0E-86623D1C522F}"/>
-              </a:ext>
-            </a:extLst>
-          </p:cNvPr>
-          <p:cNvSpPr>
-            <a:spLocks noGrp="1"/>
-          </p:cNvSpPr>
-          <p:nvPr>
-            <p:ph idx="1"/>
-          </p:nvPr>
-        </p:nvSpPr>
-        <p:spPr/>
-        <p:txBody>
-          <a:bodyPr/>
-          <a:lstStyle/>
-          <a:p>
-            <a:r>
-              <a:rPr lang="en-US" dirty="0"/>
-              <a:t>Critical things to order:</a:t>
-            </a:r>
-          </a:p>
-          <a:p>
-            <a:pPr lvl="1"/>
-            <a:r>
-              <a:rPr lang="en-US" dirty="0">
-                <a:solidFill>
-                  <a:srgbClr val="D8DFE3"/>
-                </a:solidFill>
-              </a:rPr>
-              <a:t>Lasers – Depends on how the currently lasers can perform</a:t>
-            </a:r>
-          </a:p>
-          <a:p>
-            <a:pPr lvl="1"/>
-            <a:r>
-              <a:rPr lang="en-US" dirty="0"/>
-              <a:t>Table – Could be ordered, maybe at the same time as the lasers?</a:t>
-            </a:r>
-          </a:p>
-          <a:p>
-            <a:pPr lvl="1"/>
-            <a:r>
-              <a:rPr lang="en-US" dirty="0">
-                <a:solidFill>
-                  <a:srgbClr val="D8DFE3"/>
-                </a:solidFill>
-              </a:rPr>
-              <a:t>Vacuum – I’m gathering quotes, have a rough design</a:t>
-            </a:r>
-          </a:p>
-          <a:p>
-            <a:pPr lvl="1"/>
-            <a:r>
-              <a:rPr lang="en-US" dirty="0">
-                <a:solidFill>
-                  <a:srgbClr val="D8DFE3"/>
-                </a:solidFill>
-              </a:rPr>
-              <a:t>Cavities – I  need to clarify the available </a:t>
-            </a:r>
-            <a:r>
-              <a:rPr lang="en-US" dirty="0" err="1">
-                <a:solidFill>
-                  <a:srgbClr val="D8DFE3"/>
-                </a:solidFill>
-              </a:rPr>
-              <a:t>RoCs</a:t>
-            </a:r>
-            <a:r>
-              <a:rPr lang="en-US" dirty="0">
-                <a:solidFill>
-                  <a:srgbClr val="D8DFE3"/>
-                </a:solidFill>
-              </a:rPr>
-              <a:t>, but hope to get the PO out in the coming weeks (by the end of August)</a:t>
-            </a:r>
-          </a:p>
-          <a:p>
-            <a:pPr lvl="1"/>
-            <a:r>
-              <a:rPr lang="en-US" dirty="0">
-                <a:solidFill>
-                  <a:srgbClr val="D8DFE3"/>
-                </a:solidFill>
-              </a:rPr>
-              <a:t>Interlock?</a:t>
-            </a:r>
-          </a:p>
-          <a:p>
-            <a:r>
-              <a:rPr lang="en-US" dirty="0">
-                <a:solidFill>
-                  <a:srgbClr val="D8DFE3"/>
-                </a:solidFill>
-              </a:rPr>
-              <a:t>Write the first article comparing the testbed to LISA – A rough draft also by the end of August?</a:t>
-            </a:r>
-          </a:p>
-        </p:txBody>
-      </p:sp>
-      <p:sp>
-        <p:nvSpPr>
-          <p:cNvPr id="4" name="Date Placeholder 3">
-            <a:extLst>
-              <a:ext uri="{FF2B5EF4-FFF2-40B4-BE49-F238E27FC236}">
-                <a16:creationId xmlns:a16="http://schemas.microsoft.com/office/drawing/2014/main" id="{84704299-5B7D-48B5-BEDA-7A4139CCF8E8}"/>
-              </a:ext>
-            </a:extLst>
-          </p:cNvPr>
-          <p:cNvSpPr>
-            <a:spLocks noGrp="1"/>
-          </p:cNvSpPr>
-          <p:nvPr>
-            <p:ph type="dt" sz="half" idx="10"/>
-          </p:nvPr>
-        </p:nvSpPr>
-        <p:spPr/>
-        <p:txBody>
-          <a:bodyPr/>
-          <a:lstStyle/>
-          <a:p>
-            <a:fld id="{E1CF8E31-244F-4A6A-A7D5-704B96C48AAE}" type="datetime1">
-              <a:rPr lang="et-EE" smtClean="0"/>
-              <a:t>12.08.2025</a:t>
-            </a:fld>
-            <a:endParaRPr lang="et-EE" dirty="0"/>
-          </a:p>
-        </p:txBody>
-      </p:sp>
-      <p:sp>
-        <p:nvSpPr>
-          <p:cNvPr id="5" name="Footer Placeholder 4">
-            <a:extLst>
-              <a:ext uri="{FF2B5EF4-FFF2-40B4-BE49-F238E27FC236}">
-                <a16:creationId xmlns:a16="http://schemas.microsoft.com/office/drawing/2014/main" id="{B79567BB-D8AE-4424-B4E5-8C7DDD24E481}"/>
-              </a:ext>
-            </a:extLst>
-          </p:cNvPr>
-          <p:cNvSpPr>
-            <a:spLocks noGrp="1"/>
-          </p:cNvSpPr>
-          <p:nvPr>
-            <p:ph type="ftr" sz="quarter" idx="11"/>
-          </p:nvPr>
-        </p:nvSpPr>
-        <p:spPr/>
-        <p:txBody>
-          <a:bodyPr/>
-          <a:lstStyle/>
-          <a:p>
-            <a:r>
-              <a:rPr lang="et-EE"/>
-              <a:t>Weekly</a:t>
-            </a:r>
-          </a:p>
-        </p:txBody>
-      </p:sp>
-      <p:sp>
-        <p:nvSpPr>
-          <p:cNvPr id="6" name="Slide Number Placeholder 5">
-            <a:extLst>
-              <a:ext uri="{FF2B5EF4-FFF2-40B4-BE49-F238E27FC236}">
-                <a16:creationId xmlns:a16="http://schemas.microsoft.com/office/drawing/2014/main" id="{0B16A22A-7E59-4014-801A-D9AEC9405C54}"/>
-              </a:ext>
-            </a:extLst>
-          </p:cNvPr>
-          <p:cNvSpPr>
-            <a:spLocks noGrp="1"/>
-          </p:cNvSpPr>
-          <p:nvPr>
-            <p:ph type="sldNum" sz="quarter" idx="12"/>
-          </p:nvPr>
-        </p:nvSpPr>
-        <p:spPr/>
-        <p:txBody>
-          <a:bodyPr/>
-          <a:lstStyle/>
-          <a:p>
-            <a:fld id="{9F39E346-B1F3-4075-BD67-234EF0F10AC6}" type="slidenum">
-              <a:rPr lang="et-EE" smtClean="0"/>
-              <a:pPr/>
-              <a:t>5</a:t>
-            </a:fld>
-            <a:endParaRPr lang="et-EE" dirty="0"/>
-          </a:p>
-        </p:txBody>
-      </p:sp>
-    </p:spTree>
-    <p:extLst>
-      <p:ext uri="{BB962C8B-B14F-4D97-AF65-F5344CB8AC3E}">
-        <p14:creationId xmlns:p14="http://schemas.microsoft.com/office/powerpoint/2010/main" val="3701797553"/>
-      </p:ext>
-    </p:extLst>
-  </p:cSld>
-  <p:clrMapOvr>
-    <a:masterClrMapping/>
-  </p:clrMapOvr>
-</p:sld>
-</file>
-
-<file path=ppt/slides/slide6.xml><?xml version="1.0" encoding="utf-8"?>
-<p:sld xmlns:a="http://schemas.openxmlformats.org/drawingml/2006/main" xmlns:r="http://schemas.openxmlformats.org/officeDocument/2006/relationships" xmlns:p="http://schemas.openxmlformats.org/presentationml/2006/main">
-  <p:cSld>
-    <p:spTree>
-      <p:nvGrpSpPr>
-        <p:cNvPr id="1" name=""/>
-        <p:cNvGrpSpPr/>
-        <p:nvPr/>
-      </p:nvGrpSpPr>
-      <p:grpSpPr>
-        <a:xfrm>
-          <a:off x="0" y="0"/>
-          <a:ext cx="0" cy="0"/>
-          <a:chOff x="0" y="0"/>
-          <a:chExt cx="0" cy="0"/>
-        </a:xfrm>
-      </p:grpSpPr>
-      <p:sp>
-        <p:nvSpPr>
-          <p:cNvPr id="2" name="Title 1">
-            <a:extLst>
-              <a:ext uri="{FF2B5EF4-FFF2-40B4-BE49-F238E27FC236}">
-                <a16:creationId xmlns:a16="http://schemas.microsoft.com/office/drawing/2014/main" id="{309B704D-C8EF-4128-B7E5-75E86F1FB6D8}"/>
-              </a:ext>
-            </a:extLst>
-          </p:cNvPr>
-          <p:cNvSpPr>
-            <a:spLocks noGrp="1"/>
-          </p:cNvSpPr>
-          <p:nvPr>
-            <p:ph type="title"/>
-          </p:nvPr>
-        </p:nvSpPr>
-        <p:spPr/>
-        <p:txBody>
-          <a:bodyPr/>
-          <a:lstStyle/>
-          <a:p>
-            <a:r>
-              <a:rPr lang="en-US" dirty="0"/>
-              <a:t>Short term plan</a:t>
-            </a:r>
-            <a:endParaRPr lang="LID4096" dirty="0"/>
-          </a:p>
-        </p:txBody>
-      </p:sp>
-      <p:sp>
-        <p:nvSpPr>
-          <p:cNvPr id="3" name="Content Placeholder 2">
-            <a:extLst>
-              <a:ext uri="{FF2B5EF4-FFF2-40B4-BE49-F238E27FC236}">
-                <a16:creationId xmlns:a16="http://schemas.microsoft.com/office/drawing/2014/main" id="{9C8CFC71-4B01-497F-9C0E-86623D1C522F}"/>
-              </a:ext>
-            </a:extLst>
-          </p:cNvPr>
-          <p:cNvSpPr>
-            <a:spLocks noGrp="1"/>
-          </p:cNvSpPr>
-          <p:nvPr>
-            <p:ph idx="1"/>
-          </p:nvPr>
-        </p:nvSpPr>
-        <p:spPr/>
-        <p:txBody>
-          <a:bodyPr/>
-          <a:lstStyle/>
-          <a:p>
-            <a:r>
-              <a:rPr lang="en-US" dirty="0"/>
-              <a:t>Critical things to order:</a:t>
-            </a:r>
-          </a:p>
-          <a:p>
-            <a:pPr lvl="1"/>
-            <a:r>
-              <a:rPr lang="en-US" dirty="0">
-                <a:solidFill>
-                  <a:srgbClr val="D8DFE3"/>
-                </a:solidFill>
-              </a:rPr>
-              <a:t>Lasers – Depends on how the currently lasers can perform</a:t>
-            </a:r>
-          </a:p>
-          <a:p>
-            <a:pPr lvl="1"/>
-            <a:r>
-              <a:rPr lang="en-US" dirty="0">
-                <a:solidFill>
-                  <a:srgbClr val="D8DFE3"/>
-                </a:solidFill>
-              </a:rPr>
-              <a:t>Table – Could be ordered, maybe at the same time as the lasers?</a:t>
-            </a:r>
-          </a:p>
-          <a:p>
-            <a:pPr lvl="1"/>
-            <a:r>
-              <a:rPr lang="en-US" dirty="0"/>
-              <a:t>Vacuum – I’m gathering quotes, have a rough design</a:t>
-            </a:r>
-          </a:p>
-          <a:p>
-            <a:pPr lvl="1"/>
-            <a:r>
-              <a:rPr lang="en-US" dirty="0">
-                <a:solidFill>
-                  <a:srgbClr val="D8DFE3"/>
-                </a:solidFill>
-              </a:rPr>
-              <a:t>Cavities – I  need to clarify the available </a:t>
-            </a:r>
-            <a:r>
-              <a:rPr lang="en-US" dirty="0" err="1">
-                <a:solidFill>
-                  <a:srgbClr val="D8DFE3"/>
-                </a:solidFill>
-              </a:rPr>
-              <a:t>RoCs</a:t>
-            </a:r>
-            <a:r>
-              <a:rPr lang="en-US" dirty="0">
-                <a:solidFill>
-                  <a:srgbClr val="D8DFE3"/>
-                </a:solidFill>
-              </a:rPr>
-              <a:t>, but hope to get the PO out in the coming weeks (by the end of August)</a:t>
-            </a:r>
-          </a:p>
-          <a:p>
-            <a:pPr lvl="1"/>
-            <a:r>
-              <a:rPr lang="en-US" dirty="0">
-                <a:solidFill>
-                  <a:srgbClr val="D8DFE3"/>
-                </a:solidFill>
-              </a:rPr>
-              <a:t>Interlock?</a:t>
-            </a:r>
-          </a:p>
-          <a:p>
-            <a:r>
-              <a:rPr lang="en-US" dirty="0">
-                <a:solidFill>
-                  <a:srgbClr val="D8DFE3"/>
-                </a:solidFill>
-              </a:rPr>
-              <a:t>Write the first article comparing the testbed to LISA – A rough draft also by the end of August?</a:t>
-            </a:r>
-          </a:p>
-        </p:txBody>
-      </p:sp>
-      <p:sp>
-        <p:nvSpPr>
-          <p:cNvPr id="4" name="Date Placeholder 3">
-            <a:extLst>
-              <a:ext uri="{FF2B5EF4-FFF2-40B4-BE49-F238E27FC236}">
-                <a16:creationId xmlns:a16="http://schemas.microsoft.com/office/drawing/2014/main" id="{84704299-5B7D-48B5-BEDA-7A4139CCF8E8}"/>
-              </a:ext>
-            </a:extLst>
-          </p:cNvPr>
-          <p:cNvSpPr>
-            <a:spLocks noGrp="1"/>
-          </p:cNvSpPr>
-          <p:nvPr>
-            <p:ph type="dt" sz="half" idx="10"/>
-          </p:nvPr>
-        </p:nvSpPr>
-        <p:spPr/>
-        <p:txBody>
-          <a:bodyPr/>
-          <a:lstStyle/>
-          <a:p>
-            <a:fld id="{E1CF8E31-244F-4A6A-A7D5-704B96C48AAE}" type="datetime1">
-              <a:rPr lang="et-EE" smtClean="0"/>
-              <a:t>12.08.2025</a:t>
-            </a:fld>
-            <a:endParaRPr lang="et-EE" dirty="0"/>
-          </a:p>
-        </p:txBody>
-      </p:sp>
-      <p:sp>
-        <p:nvSpPr>
-          <p:cNvPr id="5" name="Footer Placeholder 4">
-            <a:extLst>
-              <a:ext uri="{FF2B5EF4-FFF2-40B4-BE49-F238E27FC236}">
-                <a16:creationId xmlns:a16="http://schemas.microsoft.com/office/drawing/2014/main" id="{B79567BB-D8AE-4424-B4E5-8C7DDD24E481}"/>
-              </a:ext>
-            </a:extLst>
-          </p:cNvPr>
-          <p:cNvSpPr>
-            <a:spLocks noGrp="1"/>
-          </p:cNvSpPr>
-          <p:nvPr>
-            <p:ph type="ftr" sz="quarter" idx="11"/>
-          </p:nvPr>
-        </p:nvSpPr>
-        <p:spPr/>
-        <p:txBody>
-          <a:bodyPr/>
-          <a:lstStyle/>
-          <a:p>
-            <a:r>
-              <a:rPr lang="et-EE"/>
-              <a:t>Weekly</a:t>
-            </a:r>
-          </a:p>
-        </p:txBody>
-      </p:sp>
-      <p:sp>
-        <p:nvSpPr>
-          <p:cNvPr id="6" name="Slide Number Placeholder 5">
-            <a:extLst>
-              <a:ext uri="{FF2B5EF4-FFF2-40B4-BE49-F238E27FC236}">
-                <a16:creationId xmlns:a16="http://schemas.microsoft.com/office/drawing/2014/main" id="{0B16A22A-7E59-4014-801A-D9AEC9405C54}"/>
-              </a:ext>
-            </a:extLst>
-          </p:cNvPr>
-          <p:cNvSpPr>
-            <a:spLocks noGrp="1"/>
-          </p:cNvSpPr>
-          <p:nvPr>
-            <p:ph type="sldNum" sz="quarter" idx="12"/>
-          </p:nvPr>
-        </p:nvSpPr>
-        <p:spPr/>
-        <p:txBody>
-          <a:bodyPr/>
-          <a:lstStyle/>
-          <a:p>
-            <a:fld id="{9F39E346-B1F3-4075-BD67-234EF0F10AC6}" type="slidenum">
-              <a:rPr lang="et-EE" smtClean="0"/>
-              <a:pPr/>
-              <a:t>6</a:t>
-            </a:fld>
-            <a:endParaRPr lang="et-EE" dirty="0"/>
-          </a:p>
-        </p:txBody>
-      </p:sp>
-    </p:spTree>
-    <p:extLst>
-      <p:ext uri="{BB962C8B-B14F-4D97-AF65-F5344CB8AC3E}">
-        <p14:creationId xmlns:p14="http://schemas.microsoft.com/office/powerpoint/2010/main" val="1684274897"/>
-      </p:ext>
-    </p:extLst>
-  </p:cSld>
-  <p:clrMapOvr>
-    <a:masterClrMapping/>
-  </p:clrMapOvr>
-</p:sld>
-</file>
-
-<file path=ppt/slides/slide7.xml><?xml version="1.0" encoding="utf-8"?>
-<p:sld xmlns:a="http://schemas.openxmlformats.org/drawingml/2006/main" xmlns:r="http://schemas.openxmlformats.org/officeDocument/2006/relationships" xmlns:p="http://schemas.openxmlformats.org/presentationml/2006/main">
-  <p:cSld>
-    <p:spTree>
-      <p:nvGrpSpPr>
-        <p:cNvPr id="1" name=""/>
-        <p:cNvGrpSpPr/>
-        <p:nvPr/>
-      </p:nvGrpSpPr>
-      <p:grpSpPr>
-        <a:xfrm>
-          <a:off x="0" y="0"/>
-          <a:ext cx="0" cy="0"/>
-          <a:chOff x="0" y="0"/>
-          <a:chExt cx="0" cy="0"/>
-        </a:xfrm>
-      </p:grpSpPr>
-      <p:sp>
-        <p:nvSpPr>
-          <p:cNvPr id="2" name="Title 1">
-            <a:extLst>
-              <a:ext uri="{FF2B5EF4-FFF2-40B4-BE49-F238E27FC236}">
-                <a16:creationId xmlns:a16="http://schemas.microsoft.com/office/drawing/2014/main" id="{309B704D-C8EF-4128-B7E5-75E86F1FB6D8}"/>
-              </a:ext>
-            </a:extLst>
-          </p:cNvPr>
-          <p:cNvSpPr>
-            <a:spLocks noGrp="1"/>
-          </p:cNvSpPr>
-          <p:nvPr>
-            <p:ph type="title"/>
-          </p:nvPr>
-        </p:nvSpPr>
-        <p:spPr/>
-        <p:txBody>
-          <a:bodyPr/>
-          <a:lstStyle/>
-          <a:p>
-            <a:r>
-              <a:rPr lang="en-US" dirty="0"/>
-              <a:t>Short term plan</a:t>
-            </a:r>
-            <a:endParaRPr lang="LID4096" dirty="0"/>
-          </a:p>
-        </p:txBody>
-      </p:sp>
-      <p:sp>
-        <p:nvSpPr>
-          <p:cNvPr id="3" name="Content Placeholder 2">
-            <a:extLst>
-              <a:ext uri="{FF2B5EF4-FFF2-40B4-BE49-F238E27FC236}">
-                <a16:creationId xmlns:a16="http://schemas.microsoft.com/office/drawing/2014/main" id="{9C8CFC71-4B01-497F-9C0E-86623D1C522F}"/>
-              </a:ext>
-            </a:extLst>
-          </p:cNvPr>
-          <p:cNvSpPr>
-            <a:spLocks noGrp="1"/>
-          </p:cNvSpPr>
-          <p:nvPr>
-            <p:ph idx="1"/>
-          </p:nvPr>
-        </p:nvSpPr>
-        <p:spPr/>
-        <p:txBody>
-          <a:bodyPr/>
-          <a:lstStyle/>
-          <a:p>
-            <a:r>
-              <a:rPr lang="en-US" dirty="0"/>
-              <a:t>Critical things to order:</a:t>
-            </a:r>
-          </a:p>
-          <a:p>
-            <a:pPr lvl="1"/>
-            <a:r>
-              <a:rPr lang="en-US" dirty="0">
-                <a:solidFill>
-                  <a:srgbClr val="D8DFE3"/>
-                </a:solidFill>
-              </a:rPr>
-              <a:t>Lasers – Depends on how the currently lasers can perform</a:t>
-            </a:r>
-          </a:p>
-          <a:p>
-            <a:pPr lvl="1"/>
-            <a:r>
-              <a:rPr lang="en-US" dirty="0">
-                <a:solidFill>
-                  <a:srgbClr val="D8DFE3"/>
-                </a:solidFill>
-              </a:rPr>
-              <a:t>Table – Could be ordered, maybe at the same time as the lasers?</a:t>
-            </a:r>
-          </a:p>
-          <a:p>
-            <a:pPr lvl="1"/>
-            <a:r>
-              <a:rPr lang="en-US" dirty="0">
-                <a:solidFill>
-                  <a:srgbClr val="D8DFE3"/>
-                </a:solidFill>
-              </a:rPr>
-              <a:t>Vacuum – I’m gathering quotes, have a rough design</a:t>
-            </a:r>
-          </a:p>
-          <a:p>
-            <a:pPr lvl="1"/>
-            <a:r>
-              <a:rPr lang="en-US" dirty="0"/>
-              <a:t>Cavities – I  need to clarify the available </a:t>
-            </a:r>
-            <a:r>
-              <a:rPr lang="en-US" dirty="0" err="1"/>
-              <a:t>RoCs</a:t>
-            </a:r>
-            <a:r>
-              <a:rPr lang="en-US" dirty="0"/>
-              <a:t>, but hope to get the PO out in the coming weeks (by the end of August)</a:t>
-            </a:r>
-          </a:p>
-          <a:p>
-            <a:pPr lvl="1"/>
-            <a:r>
-              <a:rPr lang="en-US" dirty="0">
-                <a:solidFill>
-                  <a:srgbClr val="D8DFE3"/>
-                </a:solidFill>
-              </a:rPr>
-              <a:t>Interlock?</a:t>
-            </a:r>
-          </a:p>
-          <a:p>
-            <a:r>
-              <a:rPr lang="en-US" dirty="0">
-                <a:solidFill>
-                  <a:srgbClr val="D8DFE3"/>
-                </a:solidFill>
-              </a:rPr>
-              <a:t>Write the first article comparing the testbed to LISA – A rough draft also by the end of August?</a:t>
-            </a:r>
-          </a:p>
-        </p:txBody>
-      </p:sp>
-      <p:sp>
-        <p:nvSpPr>
-          <p:cNvPr id="4" name="Date Placeholder 3">
-            <a:extLst>
-              <a:ext uri="{FF2B5EF4-FFF2-40B4-BE49-F238E27FC236}">
-                <a16:creationId xmlns:a16="http://schemas.microsoft.com/office/drawing/2014/main" id="{84704299-5B7D-48B5-BEDA-7A4139CCF8E8}"/>
-              </a:ext>
-            </a:extLst>
-          </p:cNvPr>
-          <p:cNvSpPr>
-            <a:spLocks noGrp="1"/>
-          </p:cNvSpPr>
-          <p:nvPr>
-            <p:ph type="dt" sz="half" idx="10"/>
-          </p:nvPr>
-        </p:nvSpPr>
-        <p:spPr/>
-        <p:txBody>
-          <a:bodyPr/>
-          <a:lstStyle/>
-          <a:p>
-            <a:fld id="{E1CF8E31-244F-4A6A-A7D5-704B96C48AAE}" type="datetime1">
-              <a:rPr lang="et-EE" smtClean="0"/>
-              <a:t>12.08.2025</a:t>
-            </a:fld>
-            <a:endParaRPr lang="et-EE" dirty="0"/>
-          </a:p>
-        </p:txBody>
-      </p:sp>
-      <p:sp>
-        <p:nvSpPr>
-          <p:cNvPr id="5" name="Footer Placeholder 4">
-            <a:extLst>
-              <a:ext uri="{FF2B5EF4-FFF2-40B4-BE49-F238E27FC236}">
-                <a16:creationId xmlns:a16="http://schemas.microsoft.com/office/drawing/2014/main" id="{B79567BB-D8AE-4424-B4E5-8C7DDD24E481}"/>
-              </a:ext>
-            </a:extLst>
-          </p:cNvPr>
-          <p:cNvSpPr>
-            <a:spLocks noGrp="1"/>
-          </p:cNvSpPr>
-          <p:nvPr>
-            <p:ph type="ftr" sz="quarter" idx="11"/>
-          </p:nvPr>
-        </p:nvSpPr>
-        <p:spPr/>
-        <p:txBody>
-          <a:bodyPr/>
-          <a:lstStyle/>
-          <a:p>
-            <a:r>
-              <a:rPr lang="et-EE"/>
-              <a:t>Weekly</a:t>
-            </a:r>
-          </a:p>
-        </p:txBody>
-      </p:sp>
-      <p:sp>
-        <p:nvSpPr>
-          <p:cNvPr id="6" name="Slide Number Placeholder 5">
-            <a:extLst>
-              <a:ext uri="{FF2B5EF4-FFF2-40B4-BE49-F238E27FC236}">
-                <a16:creationId xmlns:a16="http://schemas.microsoft.com/office/drawing/2014/main" id="{0B16A22A-7E59-4014-801A-D9AEC9405C54}"/>
-              </a:ext>
-            </a:extLst>
-          </p:cNvPr>
-          <p:cNvSpPr>
-            <a:spLocks noGrp="1"/>
-          </p:cNvSpPr>
-          <p:nvPr>
-            <p:ph type="sldNum" sz="quarter" idx="12"/>
-          </p:nvPr>
-        </p:nvSpPr>
-        <p:spPr/>
-        <p:txBody>
-          <a:bodyPr/>
-          <a:lstStyle/>
-          <a:p>
-            <a:fld id="{9F39E346-B1F3-4075-BD67-234EF0F10AC6}" type="slidenum">
-              <a:rPr lang="et-EE" smtClean="0"/>
-              <a:pPr/>
-              <a:t>7</a:t>
-            </a:fld>
-            <a:endParaRPr lang="et-EE" dirty="0"/>
-          </a:p>
-        </p:txBody>
-      </p:sp>
-    </p:spTree>
-    <p:extLst>
-      <p:ext uri="{BB962C8B-B14F-4D97-AF65-F5344CB8AC3E}">
-        <p14:creationId xmlns:p14="http://schemas.microsoft.com/office/powerpoint/2010/main" val="1662434563"/>
-      </p:ext>
-    </p:extLst>
-  </p:cSld>
-  <p:clrMapOvr>
-    <a:masterClrMapping/>
-  </p:clrMapOvr>
-</p:sld>
-</file>
-
-<file path=ppt/slides/slide8.xml><?xml version="1.0" encoding="utf-8"?>
-<p:sld xmlns:a="http://schemas.openxmlformats.org/drawingml/2006/main" xmlns:r="http://schemas.openxmlformats.org/officeDocument/2006/relationships" xmlns:p="http://schemas.openxmlformats.org/presentationml/2006/main">
-  <p:cSld>
-    <p:spTree>
-      <p:nvGrpSpPr>
-        <p:cNvPr id="1" name=""/>
-        <p:cNvGrpSpPr/>
-        <p:nvPr/>
-      </p:nvGrpSpPr>
-      <p:grpSpPr>
-        <a:xfrm>
-          <a:off x="0" y="0"/>
-          <a:ext cx="0" cy="0"/>
-          <a:chOff x="0" y="0"/>
-          <a:chExt cx="0" cy="0"/>
-        </a:xfrm>
-      </p:grpSpPr>
-      <p:sp>
-        <p:nvSpPr>
-          <p:cNvPr id="2" name="Title 1">
-            <a:extLst>
-              <a:ext uri="{FF2B5EF4-FFF2-40B4-BE49-F238E27FC236}">
-                <a16:creationId xmlns:a16="http://schemas.microsoft.com/office/drawing/2014/main" id="{309B704D-C8EF-4128-B7E5-75E86F1FB6D8}"/>
-              </a:ext>
-            </a:extLst>
-          </p:cNvPr>
-          <p:cNvSpPr>
-            <a:spLocks noGrp="1"/>
-          </p:cNvSpPr>
-          <p:nvPr>
-            <p:ph type="title"/>
-          </p:nvPr>
-        </p:nvSpPr>
-        <p:spPr/>
-        <p:txBody>
-          <a:bodyPr/>
-          <a:lstStyle/>
-          <a:p>
-            <a:r>
-              <a:rPr lang="en-US" dirty="0"/>
-              <a:t>Short term plan</a:t>
-            </a:r>
-            <a:endParaRPr lang="LID4096" dirty="0"/>
-          </a:p>
-        </p:txBody>
-      </p:sp>
-      <p:sp>
-        <p:nvSpPr>
-          <p:cNvPr id="3" name="Content Placeholder 2">
-            <a:extLst>
-              <a:ext uri="{FF2B5EF4-FFF2-40B4-BE49-F238E27FC236}">
-                <a16:creationId xmlns:a16="http://schemas.microsoft.com/office/drawing/2014/main" id="{9C8CFC71-4B01-497F-9C0E-86623D1C522F}"/>
-              </a:ext>
-            </a:extLst>
-          </p:cNvPr>
-          <p:cNvSpPr>
-            <a:spLocks noGrp="1"/>
-          </p:cNvSpPr>
-          <p:nvPr>
-            <p:ph idx="1"/>
-          </p:nvPr>
-        </p:nvSpPr>
-        <p:spPr/>
-        <p:txBody>
-          <a:bodyPr/>
-          <a:lstStyle/>
-          <a:p>
-            <a:r>
-              <a:rPr lang="en-US" dirty="0"/>
-              <a:t>Critical things to order:</a:t>
-            </a:r>
-          </a:p>
-          <a:p>
-            <a:pPr lvl="1"/>
-            <a:r>
-              <a:rPr lang="en-US" dirty="0">
-                <a:solidFill>
-                  <a:srgbClr val="D8DFE3"/>
-                </a:solidFill>
-              </a:rPr>
-              <a:t>Lasers – Depends on how the currently lasers can perform</a:t>
-            </a:r>
-          </a:p>
-          <a:p>
-            <a:pPr lvl="1"/>
-            <a:r>
-              <a:rPr lang="en-US" dirty="0">
-                <a:solidFill>
-                  <a:srgbClr val="D8DFE3"/>
-                </a:solidFill>
-              </a:rPr>
-              <a:t>Table – Could be ordered, maybe at the same time as the lasers?</a:t>
-            </a:r>
-          </a:p>
-          <a:p>
-            <a:pPr lvl="1"/>
-            <a:r>
-              <a:rPr lang="en-US" dirty="0">
-                <a:solidFill>
-                  <a:srgbClr val="D8DFE3"/>
-                </a:solidFill>
-              </a:rPr>
-              <a:t>Vacuum – I’m gathering quotes, have a rough design</a:t>
-            </a:r>
-          </a:p>
-          <a:p>
-            <a:pPr lvl="1"/>
-            <a:r>
-              <a:rPr lang="en-US" dirty="0">
-                <a:solidFill>
-                  <a:srgbClr val="D8DFE3"/>
-                </a:solidFill>
-              </a:rPr>
-              <a:t>Cavities – I  need to clarify the available </a:t>
-            </a:r>
-            <a:r>
-              <a:rPr lang="en-US" dirty="0" err="1">
-                <a:solidFill>
-                  <a:srgbClr val="D8DFE3"/>
-                </a:solidFill>
-              </a:rPr>
-              <a:t>RoCs</a:t>
-            </a:r>
-            <a:r>
-              <a:rPr lang="en-US" dirty="0">
-                <a:solidFill>
-                  <a:srgbClr val="D8DFE3"/>
-                </a:solidFill>
-              </a:rPr>
-              <a:t>, but hope to get the PO out in the coming weeks (by the end of August)</a:t>
-            </a:r>
-          </a:p>
-          <a:p>
-            <a:pPr lvl="1"/>
-            <a:r>
-              <a:rPr lang="en-US" dirty="0"/>
-              <a:t>Interlock?</a:t>
-            </a:r>
-          </a:p>
-          <a:p>
-            <a:r>
-              <a:rPr lang="en-US" dirty="0">
-                <a:solidFill>
-                  <a:srgbClr val="D8DFE3"/>
-                </a:solidFill>
-              </a:rPr>
-              <a:t>Write the first article comparing the testbed to LISA – A rough draft also by the end of August?</a:t>
-            </a:r>
-          </a:p>
-        </p:txBody>
-      </p:sp>
-      <p:sp>
-        <p:nvSpPr>
-          <p:cNvPr id="4" name="Date Placeholder 3">
-            <a:extLst>
-              <a:ext uri="{FF2B5EF4-FFF2-40B4-BE49-F238E27FC236}">
-                <a16:creationId xmlns:a16="http://schemas.microsoft.com/office/drawing/2014/main" id="{84704299-5B7D-48B5-BEDA-7A4139CCF8E8}"/>
-              </a:ext>
-            </a:extLst>
-          </p:cNvPr>
-          <p:cNvSpPr>
-            <a:spLocks noGrp="1"/>
-          </p:cNvSpPr>
-          <p:nvPr>
-            <p:ph type="dt" sz="half" idx="10"/>
-          </p:nvPr>
-        </p:nvSpPr>
-        <p:spPr/>
-        <p:txBody>
-          <a:bodyPr/>
-          <a:lstStyle/>
-          <a:p>
-            <a:fld id="{E1CF8E31-244F-4A6A-A7D5-704B96C48AAE}" type="datetime1">
-              <a:rPr lang="et-EE" smtClean="0"/>
-              <a:t>12.08.2025</a:t>
-            </a:fld>
-            <a:endParaRPr lang="et-EE" dirty="0"/>
-          </a:p>
-        </p:txBody>
-      </p:sp>
-      <p:sp>
-        <p:nvSpPr>
-          <p:cNvPr id="5" name="Footer Placeholder 4">
-            <a:extLst>
-              <a:ext uri="{FF2B5EF4-FFF2-40B4-BE49-F238E27FC236}">
-                <a16:creationId xmlns:a16="http://schemas.microsoft.com/office/drawing/2014/main" id="{B79567BB-D8AE-4424-B4E5-8C7DDD24E481}"/>
-              </a:ext>
-            </a:extLst>
-          </p:cNvPr>
-          <p:cNvSpPr>
-            <a:spLocks noGrp="1"/>
-          </p:cNvSpPr>
-          <p:nvPr>
-            <p:ph type="ftr" sz="quarter" idx="11"/>
-          </p:nvPr>
-        </p:nvSpPr>
-        <p:spPr/>
-        <p:txBody>
-          <a:bodyPr/>
-          <a:lstStyle/>
-          <a:p>
-            <a:r>
-              <a:rPr lang="et-EE"/>
-              <a:t>Weekly</a:t>
-            </a:r>
-          </a:p>
-        </p:txBody>
-      </p:sp>
-      <p:sp>
-        <p:nvSpPr>
-          <p:cNvPr id="6" name="Slide Number Placeholder 5">
-            <a:extLst>
-              <a:ext uri="{FF2B5EF4-FFF2-40B4-BE49-F238E27FC236}">
-                <a16:creationId xmlns:a16="http://schemas.microsoft.com/office/drawing/2014/main" id="{0B16A22A-7E59-4014-801A-D9AEC9405C54}"/>
-              </a:ext>
-            </a:extLst>
-          </p:cNvPr>
-          <p:cNvSpPr>
-            <a:spLocks noGrp="1"/>
-          </p:cNvSpPr>
-          <p:nvPr>
-            <p:ph type="sldNum" sz="quarter" idx="12"/>
-          </p:nvPr>
-        </p:nvSpPr>
-        <p:spPr/>
-        <p:txBody>
-          <a:bodyPr/>
-          <a:lstStyle/>
-          <a:p>
-            <a:fld id="{9F39E346-B1F3-4075-BD67-234EF0F10AC6}" type="slidenum">
-              <a:rPr lang="et-EE" smtClean="0"/>
-              <a:pPr/>
-              <a:t>8</a:t>
-            </a:fld>
-            <a:endParaRPr lang="et-EE" dirty="0"/>
-          </a:p>
-        </p:txBody>
-      </p:sp>
-    </p:spTree>
-    <p:extLst>
-      <p:ext uri="{BB962C8B-B14F-4D97-AF65-F5344CB8AC3E}">
-        <p14:creationId xmlns:p14="http://schemas.microsoft.com/office/powerpoint/2010/main" val="1659751422"/>
-      </p:ext>
-    </p:extLst>
-  </p:cSld>
-  <p:clrMapOvr>
-    <a:masterClrMapping/>
-  </p:clrMapOvr>
-</p:sld>
-</file>
-
-<file path=ppt/slides/slide9.xml><?xml version="1.0" encoding="utf-8"?>
-<p:sld xmlns:a="http://schemas.openxmlformats.org/drawingml/2006/main" xmlns:r="http://schemas.openxmlformats.org/officeDocument/2006/relationships" xmlns:p="http://schemas.openxmlformats.org/presentationml/2006/main">
-  <p:cSld>
-    <p:spTree>
-      <p:nvGrpSpPr>
-        <p:cNvPr id="1" name=""/>
-        <p:cNvGrpSpPr/>
-        <p:nvPr/>
-      </p:nvGrpSpPr>
-      <p:grpSpPr>
-        <a:xfrm>
-          <a:off x="0" y="0"/>
-          <a:ext cx="0" cy="0"/>
-          <a:chOff x="0" y="0"/>
-          <a:chExt cx="0" cy="0"/>
-        </a:xfrm>
-      </p:grpSpPr>
-      <p:sp>
-        <p:nvSpPr>
-          <p:cNvPr id="2" name="Title 1">
-            <a:extLst>
-              <a:ext uri="{FF2B5EF4-FFF2-40B4-BE49-F238E27FC236}">
-                <a16:creationId xmlns:a16="http://schemas.microsoft.com/office/drawing/2014/main" id="{309B704D-C8EF-4128-B7E5-75E86F1FB6D8}"/>
-              </a:ext>
-            </a:extLst>
-          </p:cNvPr>
-          <p:cNvSpPr>
-            <a:spLocks noGrp="1"/>
-          </p:cNvSpPr>
-          <p:nvPr>
-            <p:ph type="title"/>
-          </p:nvPr>
-        </p:nvSpPr>
-        <p:spPr/>
-        <p:txBody>
-          <a:bodyPr/>
-          <a:lstStyle/>
-          <a:p>
-            <a:r>
-              <a:rPr lang="en-US" dirty="0"/>
-              <a:t>Short term plan</a:t>
-            </a:r>
-            <a:endParaRPr lang="LID4096" dirty="0"/>
-          </a:p>
-        </p:txBody>
-      </p:sp>
-      <p:sp>
-        <p:nvSpPr>
-          <p:cNvPr id="3" name="Content Placeholder 2">
-            <a:extLst>
-              <a:ext uri="{FF2B5EF4-FFF2-40B4-BE49-F238E27FC236}">
-                <a16:creationId xmlns:a16="http://schemas.microsoft.com/office/drawing/2014/main" id="{9C8CFC71-4B01-497F-9C0E-86623D1C522F}"/>
-              </a:ext>
-            </a:extLst>
-          </p:cNvPr>
-          <p:cNvSpPr>
-            <a:spLocks noGrp="1"/>
-          </p:cNvSpPr>
-          <p:nvPr>
-            <p:ph idx="1"/>
-          </p:nvPr>
-        </p:nvSpPr>
-        <p:spPr/>
-        <p:txBody>
-          <a:bodyPr/>
-          <a:lstStyle/>
-          <a:p>
-            <a:r>
-              <a:rPr lang="en-US" dirty="0">
-                <a:solidFill>
-                  <a:srgbClr val="D8DFE3"/>
-                </a:solidFill>
-              </a:rPr>
-              <a:t>Critical things to order:</a:t>
-            </a:r>
-          </a:p>
-          <a:p>
-            <a:pPr lvl="1"/>
-            <a:r>
-              <a:rPr lang="en-US" dirty="0">
-                <a:solidFill>
-                  <a:srgbClr val="D8DFE3"/>
-                </a:solidFill>
-              </a:rPr>
-              <a:t>Lasers – Depends on how the currently lasers can perform</a:t>
-            </a:r>
-          </a:p>
-          <a:p>
-            <a:pPr lvl="1"/>
-            <a:r>
-              <a:rPr lang="en-US" dirty="0">
-                <a:solidFill>
-                  <a:srgbClr val="D8DFE3"/>
-                </a:solidFill>
-              </a:rPr>
-              <a:t>Table – Could be ordered, maybe at the same time as the lasers?</a:t>
-            </a:r>
-          </a:p>
-          <a:p>
-            <a:pPr lvl="1"/>
-            <a:r>
-              <a:rPr lang="en-US" dirty="0">
-                <a:solidFill>
-                  <a:srgbClr val="D8DFE3"/>
-                </a:solidFill>
-              </a:rPr>
-              <a:t>Vacuum – I’m gathering quotes, have a rough design</a:t>
-            </a:r>
-          </a:p>
-          <a:p>
-            <a:pPr lvl="1"/>
-            <a:r>
-              <a:rPr lang="en-US" dirty="0">
-                <a:solidFill>
-                  <a:srgbClr val="D8DFE3"/>
-                </a:solidFill>
-              </a:rPr>
-              <a:t>Cavities – I  need to clarify the available </a:t>
-            </a:r>
-            <a:r>
-              <a:rPr lang="en-US" dirty="0" err="1">
-                <a:solidFill>
-                  <a:srgbClr val="D8DFE3"/>
-                </a:solidFill>
-              </a:rPr>
-              <a:t>RoCs</a:t>
-            </a:r>
-            <a:r>
-              <a:rPr lang="en-US" dirty="0">
-                <a:solidFill>
-                  <a:srgbClr val="D8DFE3"/>
-                </a:solidFill>
-              </a:rPr>
-              <a:t>, but hope to get the PO out in the coming weeks (by the end of August)</a:t>
-            </a:r>
-          </a:p>
-          <a:p>
-            <a:pPr lvl="1"/>
-            <a:r>
-              <a:rPr lang="en-US" dirty="0">
-                <a:solidFill>
-                  <a:srgbClr val="D8DFE3"/>
-                </a:solidFill>
-              </a:rPr>
-              <a:t>Interlock?</a:t>
-            </a:r>
-          </a:p>
-          <a:p>
-            <a:r>
-              <a:rPr lang="en-US" dirty="0"/>
-              <a:t>Write the first article comparing the testbed to LISA – A rough draft also by the end of August?</a:t>
-            </a:r>
-          </a:p>
-        </p:txBody>
-      </p:sp>
-      <p:sp>
-        <p:nvSpPr>
-          <p:cNvPr id="4" name="Date Placeholder 3">
-            <a:extLst>
-              <a:ext uri="{FF2B5EF4-FFF2-40B4-BE49-F238E27FC236}">
-                <a16:creationId xmlns:a16="http://schemas.microsoft.com/office/drawing/2014/main" id="{84704299-5B7D-48B5-BEDA-7A4139CCF8E8}"/>
-              </a:ext>
-            </a:extLst>
-          </p:cNvPr>
-          <p:cNvSpPr>
-            <a:spLocks noGrp="1"/>
-          </p:cNvSpPr>
-          <p:nvPr>
-            <p:ph type="dt" sz="half" idx="10"/>
-          </p:nvPr>
-        </p:nvSpPr>
-        <p:spPr/>
-        <p:txBody>
-          <a:bodyPr/>
-          <a:lstStyle/>
-          <a:p>
-            <a:fld id="{E1CF8E31-244F-4A6A-A7D5-704B96C48AAE}" type="datetime1">
-              <a:rPr lang="et-EE" smtClean="0"/>
-              <a:t>12.08.2025</a:t>
-            </a:fld>
-            <a:endParaRPr lang="et-EE" dirty="0"/>
-          </a:p>
-        </p:txBody>
-      </p:sp>
-      <p:sp>
-        <p:nvSpPr>
-          <p:cNvPr id="5" name="Footer Placeholder 4">
-            <a:extLst>
-              <a:ext uri="{FF2B5EF4-FFF2-40B4-BE49-F238E27FC236}">
-                <a16:creationId xmlns:a16="http://schemas.microsoft.com/office/drawing/2014/main" id="{B79567BB-D8AE-4424-B4E5-8C7DDD24E481}"/>
-              </a:ext>
-            </a:extLst>
-          </p:cNvPr>
-          <p:cNvSpPr>
-            <a:spLocks noGrp="1"/>
-          </p:cNvSpPr>
-          <p:nvPr>
-            <p:ph type="ftr" sz="quarter" idx="11"/>
-          </p:nvPr>
-        </p:nvSpPr>
-        <p:spPr/>
-        <p:txBody>
-          <a:bodyPr/>
-          <a:lstStyle/>
-          <a:p>
-            <a:r>
-              <a:rPr lang="et-EE"/>
-              <a:t>Weekly</a:t>
-            </a:r>
-          </a:p>
-        </p:txBody>
-      </p:sp>
-      <p:sp>
-        <p:nvSpPr>
-          <p:cNvPr id="6" name="Slide Number Placeholder 5">
-            <a:extLst>
-              <a:ext uri="{FF2B5EF4-FFF2-40B4-BE49-F238E27FC236}">
-                <a16:creationId xmlns:a16="http://schemas.microsoft.com/office/drawing/2014/main" id="{0B16A22A-7E59-4014-801A-D9AEC9405C54}"/>
-              </a:ext>
-            </a:extLst>
-          </p:cNvPr>
-          <p:cNvSpPr>
-            <a:spLocks noGrp="1"/>
-          </p:cNvSpPr>
-          <p:nvPr>
-            <p:ph type="sldNum" sz="quarter" idx="12"/>
-          </p:nvPr>
-        </p:nvSpPr>
-        <p:spPr/>
-        <p:txBody>
-          <a:bodyPr/>
-          <a:lstStyle/>
-          <a:p>
-            <a:fld id="{9F39E346-B1F3-4075-BD67-234EF0F10AC6}" type="slidenum">
-              <a:rPr lang="et-EE" smtClean="0"/>
-              <a:pPr/>
-              <a:t>9</a:t>
-            </a:fld>
-            <a:endParaRPr lang="et-EE" dirty="0"/>
-          </a:p>
-        </p:txBody>
-      </p:sp>
-    </p:spTree>
-    <p:extLst>
-      <p:ext uri="{BB962C8B-B14F-4D97-AF65-F5344CB8AC3E}">
-        <p14:creationId xmlns:p14="http://schemas.microsoft.com/office/powerpoint/2010/main" val="1785360723"/>
+        <p14:creationId xmlns:p14="http://schemas.microsoft.com/office/powerpoint/2010/main" val="1747271690"/>
       </p:ext>
     </p:extLst>
   </p:cSld>

--- a/summer updates.pptx
+++ b/summer updates.pptx
@@ -5,13 +5,11 @@
     <p:sldMasterId id="2147483708" r:id="rId1"/>
   </p:sldMasterIdLst>
   <p:notesMasterIdLst>
-    <p:notesMasterId r:id="rId6"/>
+    <p:notesMasterId r:id="rId4"/>
   </p:notesMasterIdLst>
   <p:sldIdLst>
     <p:sldId id="258" r:id="rId2"/>
     <p:sldId id="259" r:id="rId3"/>
-    <p:sldId id="260" r:id="rId4"/>
-    <p:sldId id="261" r:id="rId5"/>
   </p:sldIdLst>
   <p:sldSz cx="12192000" cy="6858000"/>
   <p:notesSz cx="6858000" cy="9144000"/>
@@ -218,7 +216,7 @@
           <a:p>
             <a:fld id="{AB81B2D2-06A2-4596-9391-656CA05E965F}" type="datetimeFigureOut">
               <a:rPr lang="et-EE" smtClean="0"/>
-              <a:t>19.08.2025</a:t>
+              <a:t>22.08.2025</a:t>
             </a:fld>
             <a:endParaRPr lang="et-EE"/>
           </a:p>
@@ -632,7 +630,7 @@
           <a:p>
             <a:fld id="{0E412FDE-1CFE-48F6-820F-9C443C301228}" type="datetime1">
               <a:rPr lang="et-EE" smtClean="0"/>
-              <a:t>19.08.2025</a:t>
+              <a:t>22.08.2025</a:t>
             </a:fld>
             <a:endParaRPr lang="et-EE" dirty="0"/>
           </a:p>
@@ -816,7 +814,7 @@
           <a:p>
             <a:fld id="{B64C0CFC-214E-42F4-8B82-CC6D451BD70F}" type="datetime1">
               <a:rPr lang="et-EE" smtClean="0"/>
-              <a:t>19.08.2025</a:t>
+              <a:t>22.08.2025</a:t>
             </a:fld>
             <a:endParaRPr lang="et-EE"/>
           </a:p>
@@ -999,7 +997,7 @@
           <a:p>
             <a:fld id="{5AB58BF1-41C1-47B8-ACAE-F9884B88C63A}" type="datetime1">
               <a:rPr lang="et-EE" smtClean="0"/>
-              <a:t>19.08.2025</a:t>
+              <a:t>22.08.2025</a:t>
             </a:fld>
             <a:endParaRPr lang="et-EE"/>
           </a:p>
@@ -1261,7 +1259,7 @@
           <a:p>
             <a:fld id="{E1CF8E31-244F-4A6A-A7D5-704B96C48AAE}" type="datetime1">
               <a:rPr lang="et-EE" smtClean="0"/>
-              <a:t>19.08.2025</a:t>
+              <a:t>22.08.2025</a:t>
             </a:fld>
             <a:endParaRPr lang="et-EE" dirty="0"/>
           </a:p>
@@ -1973,7 +1971,7 @@
           <a:p>
             <a:fld id="{CF92296B-3A94-4787-AA7D-8DC0AEE88FD4}" type="datetime1">
               <a:rPr lang="et-EE" smtClean="0"/>
-              <a:t>19.08.2025</a:t>
+              <a:t>22.08.2025</a:t>
             </a:fld>
             <a:endParaRPr lang="et-EE"/>
           </a:p>
@@ -2343,7 +2341,7 @@
           <a:p>
             <a:fld id="{185751C1-87AF-4EAC-9696-BB82432B7753}" type="datetime1">
               <a:rPr lang="et-EE" smtClean="0"/>
-              <a:t>19.08.2025</a:t>
+              <a:t>22.08.2025</a:t>
             </a:fld>
             <a:endParaRPr lang="et-EE"/>
           </a:p>
@@ -2441,7 +2439,7 @@
           <a:p>
             <a:fld id="{E493E3B0-4572-4FE0-8E55-6746BFAADA96}" type="datetime1">
               <a:rPr lang="et-EE" smtClean="0"/>
-              <a:t>19.08.2025</a:t>
+              <a:t>22.08.2025</a:t>
             </a:fld>
             <a:endParaRPr lang="et-EE"/>
           </a:p>
@@ -2586,7 +2584,7 @@
           <a:p>
             <a:fld id="{EE4C4D14-98D7-455C-9D0D-2863E0C0AA0D}" type="datetime1">
               <a:rPr lang="et-EE" smtClean="0"/>
-              <a:t>19.08.2025</a:t>
+              <a:t>22.08.2025</a:t>
             </a:fld>
             <a:endParaRPr lang="et-EE"/>
           </a:p>
@@ -2866,7 +2864,7 @@
           <a:p>
             <a:fld id="{94997DBE-8AE5-4A6F-9E25-F62C693D8ED5}" type="datetime1">
               <a:rPr lang="et-EE" smtClean="0"/>
-              <a:t>19.08.2025</a:t>
+              <a:t>22.08.2025</a:t>
             </a:fld>
             <a:endParaRPr lang="et-EE"/>
           </a:p>
@@ -3126,7 +3124,7 @@
           <a:p>
             <a:fld id="{DA3B51F9-97BE-4EFF-9934-D6DB8E40FF5E}" type="datetime1">
               <a:rPr lang="et-EE" smtClean="0"/>
-              <a:t>19.08.2025</a:t>
+              <a:t>22.08.2025</a:t>
             </a:fld>
             <a:endParaRPr lang="et-EE"/>
           </a:p>
@@ -3343,7 +3341,7 @@
           <a:p>
             <a:fld id="{E7C7EEDD-722C-4F14-9239-A37AD281B51F}" type="datetime1">
               <a:rPr lang="et-EE" smtClean="0"/>
-              <a:t>19.08.2025</a:t>
+              <a:t>22.08.2025</a:t>
             </a:fld>
             <a:endParaRPr lang="et-EE" dirty="0"/>
           </a:p>
@@ -3759,203 +3757,6 @@
           <a:chExt cx="0" cy="0"/>
         </a:xfrm>
       </p:grpSpPr>
-      <p:sp>
-        <p:nvSpPr>
-          <p:cNvPr id="2" name="Title 1">
-            <a:extLst>
-              <a:ext uri="{FF2B5EF4-FFF2-40B4-BE49-F238E27FC236}">
-                <a16:creationId xmlns:a16="http://schemas.microsoft.com/office/drawing/2014/main" id="{57889C12-1ED8-E481-F2D6-165A1604CB6A}"/>
-              </a:ext>
-            </a:extLst>
-          </p:cNvPr>
-          <p:cNvSpPr>
-            <a:spLocks noGrp="1"/>
-          </p:cNvSpPr>
-          <p:nvPr>
-            <p:ph type="title"/>
-          </p:nvPr>
-        </p:nvSpPr>
-        <p:spPr/>
-        <p:txBody>
-          <a:bodyPr/>
-          <a:lstStyle/>
-          <a:p>
-            <a:r>
-              <a:rPr lang="en-US" dirty="0"/>
-              <a:t>Cavities</a:t>
-            </a:r>
-            <a:endParaRPr lang="et-EE" dirty="0"/>
-          </a:p>
-        </p:txBody>
-      </p:sp>
-      <p:sp>
-        <p:nvSpPr>
-          <p:cNvPr id="4" name="Slide Number Placeholder 3">
-            <a:extLst>
-              <a:ext uri="{FF2B5EF4-FFF2-40B4-BE49-F238E27FC236}">
-                <a16:creationId xmlns:a16="http://schemas.microsoft.com/office/drawing/2014/main" id="{85EF1BC8-41FD-F1B1-B9C0-8B2802B0FC85}"/>
-              </a:ext>
-            </a:extLst>
-          </p:cNvPr>
-          <p:cNvSpPr>
-            <a:spLocks noGrp="1"/>
-          </p:cNvSpPr>
-          <p:nvPr>
-            <p:ph type="sldNum" sz="quarter" idx="12"/>
-          </p:nvPr>
-        </p:nvSpPr>
-        <p:spPr/>
-        <p:txBody>
-          <a:bodyPr/>
-          <a:lstStyle/>
-          <a:p>
-            <a:fld id="{9F39E346-B1F3-4075-BD67-234EF0F10AC6}" type="slidenum">
-              <a:rPr lang="et-EE" smtClean="0">
-                <a:solidFill>
-                  <a:srgbClr val="A8B7BF"/>
-                </a:solidFill>
-                <a:latin typeface="Arial" panose="020B0604020202020204" pitchFamily="34" charset="0"/>
-                <a:cs typeface="Arial" panose="020B0604020202020204" pitchFamily="34" charset="0"/>
-              </a:rPr>
-              <a:pPr/>
-              <a:t>1</a:t>
-            </a:fld>
-            <a:endParaRPr lang="et-EE" dirty="0">
-              <a:solidFill>
-                <a:srgbClr val="A8B7BF"/>
-              </a:solidFill>
-              <a:latin typeface="Arial" panose="020B0604020202020204" pitchFamily="34" charset="0"/>
-              <a:cs typeface="Arial" panose="020B0604020202020204" pitchFamily="34" charset="0"/>
-            </a:endParaRPr>
-          </a:p>
-        </p:txBody>
-      </p:sp>
-      <p:sp>
-        <p:nvSpPr>
-          <p:cNvPr id="5" name="Date Placeholder 4">
-            <a:extLst>
-              <a:ext uri="{FF2B5EF4-FFF2-40B4-BE49-F238E27FC236}">
-                <a16:creationId xmlns:a16="http://schemas.microsoft.com/office/drawing/2014/main" id="{AFCE2E36-E43E-9DF4-20B7-5272595FCCB3}"/>
-              </a:ext>
-            </a:extLst>
-          </p:cNvPr>
-          <p:cNvSpPr>
-            <a:spLocks noGrp="1"/>
-          </p:cNvSpPr>
-          <p:nvPr>
-            <p:ph type="dt" sz="half" idx="10"/>
-          </p:nvPr>
-        </p:nvSpPr>
-        <p:spPr/>
-        <p:txBody>
-          <a:bodyPr/>
-          <a:lstStyle/>
-          <a:p>
-            <a:fld id="{32EEE099-2A99-443B-9970-120A01131372}" type="datetime1">
-              <a:rPr lang="et-EE" smtClean="0">
-                <a:solidFill>
-                  <a:srgbClr val="A8B7BF"/>
-                </a:solidFill>
-                <a:latin typeface="Arial" panose="020B0604020202020204" pitchFamily="34" charset="0"/>
-                <a:cs typeface="Arial" panose="020B0604020202020204" pitchFamily="34" charset="0"/>
-              </a:rPr>
-              <a:t>19.08.2025</a:t>
-            </a:fld>
-            <a:endParaRPr lang="et-EE" dirty="0">
-              <a:solidFill>
-                <a:srgbClr val="A8B7BF"/>
-              </a:solidFill>
-              <a:latin typeface="Arial" panose="020B0604020202020204" pitchFamily="34" charset="0"/>
-              <a:cs typeface="Arial" panose="020B0604020202020204" pitchFamily="34" charset="0"/>
-            </a:endParaRPr>
-          </a:p>
-        </p:txBody>
-      </p:sp>
-      <p:sp>
-        <p:nvSpPr>
-          <p:cNvPr id="6" name="Footer Placeholder 5">
-            <a:extLst>
-              <a:ext uri="{FF2B5EF4-FFF2-40B4-BE49-F238E27FC236}">
-                <a16:creationId xmlns:a16="http://schemas.microsoft.com/office/drawing/2014/main" id="{980CD48D-A0EC-DAD7-C766-AE3B70AEC514}"/>
-              </a:ext>
-            </a:extLst>
-          </p:cNvPr>
-          <p:cNvSpPr>
-            <a:spLocks noGrp="1"/>
-          </p:cNvSpPr>
-          <p:nvPr>
-            <p:ph type="ftr" sz="quarter" idx="11"/>
-          </p:nvPr>
-        </p:nvSpPr>
-        <p:spPr/>
-        <p:txBody>
-          <a:bodyPr/>
-          <a:lstStyle/>
-          <a:p>
-            <a:r>
-              <a:rPr lang="et-EE" dirty="0" err="1">
-                <a:solidFill>
-                  <a:srgbClr val="A8B7BF"/>
-                </a:solidFill>
-                <a:latin typeface="Arial" panose="020B0604020202020204" pitchFamily="34" charset="0"/>
-                <a:cs typeface="Arial" panose="020B0604020202020204" pitchFamily="34" charset="0"/>
-              </a:rPr>
-              <a:t>Weekly</a:t>
-            </a:r>
-            <a:endParaRPr lang="et-EE" dirty="0">
-              <a:solidFill>
-                <a:srgbClr val="A8B7BF"/>
-              </a:solidFill>
-              <a:latin typeface="Arial" panose="020B0604020202020204" pitchFamily="34" charset="0"/>
-              <a:cs typeface="Arial" panose="020B0604020202020204" pitchFamily="34" charset="0"/>
-            </a:endParaRPr>
-          </a:p>
-        </p:txBody>
-      </p:sp>
-      <p:sp>
-        <p:nvSpPr>
-          <p:cNvPr id="11" name="Content Placeholder 10">
-            <a:extLst>
-              <a:ext uri="{FF2B5EF4-FFF2-40B4-BE49-F238E27FC236}">
-                <a16:creationId xmlns:a16="http://schemas.microsoft.com/office/drawing/2014/main" id="{F32E57FC-392D-4D15-8393-67B26091D129}"/>
-              </a:ext>
-            </a:extLst>
-          </p:cNvPr>
-          <p:cNvSpPr>
-            <a:spLocks noGrp="1"/>
-          </p:cNvSpPr>
-          <p:nvPr>
-            <p:ph idx="1"/>
-          </p:nvPr>
-        </p:nvSpPr>
-        <p:spPr>
-          <a:xfrm>
-            <a:off x="224442" y="1161756"/>
-            <a:ext cx="11142895" cy="4365423"/>
-          </a:xfrm>
-        </p:spPr>
-        <p:txBody>
-          <a:bodyPr/>
-          <a:lstStyle/>
-          <a:p>
-            <a:r>
-              <a:rPr lang="en-US" dirty="0"/>
-              <a:t>No answer from </a:t>
-            </a:r>
-            <a:r>
-              <a:rPr lang="en-US" dirty="0" err="1"/>
-              <a:t>Layertec</a:t>
-            </a:r>
-            <a:r>
-              <a:rPr lang="en-US" dirty="0"/>
-              <a:t> regarding the mirrors – seems the point of contact is away still</a:t>
-            </a:r>
-          </a:p>
-          <a:p>
-            <a:endParaRPr lang="en-US" dirty="0"/>
-          </a:p>
-        </p:txBody>
-      </p:sp>
       <p:pic>
         <p:nvPicPr>
           <p:cNvPr id="7" name="Picture 6">
@@ -3978,7 +3779,7 @@
         </p:blipFill>
         <p:spPr>
           <a:xfrm>
-            <a:off x="6289402" y="2216419"/>
+            <a:off x="7217727" y="2856881"/>
             <a:ext cx="4493726" cy="3725346"/>
           </a:xfrm>
           <a:prstGeom prst="rect">
@@ -3986,6 +3787,218 @@
           </a:prstGeom>
         </p:spPr>
       </p:pic>
+      <p:sp>
+        <p:nvSpPr>
+          <p:cNvPr id="2" name="Title 1">
+            <a:extLst>
+              <a:ext uri="{FF2B5EF4-FFF2-40B4-BE49-F238E27FC236}">
+                <a16:creationId xmlns:a16="http://schemas.microsoft.com/office/drawing/2014/main" id="{57889C12-1ED8-E481-F2D6-165A1604CB6A}"/>
+              </a:ext>
+            </a:extLst>
+          </p:cNvPr>
+          <p:cNvSpPr>
+            <a:spLocks noGrp="1"/>
+          </p:cNvSpPr>
+          <p:nvPr>
+            <p:ph type="title"/>
+          </p:nvPr>
+        </p:nvSpPr>
+        <p:spPr/>
+        <p:txBody>
+          <a:bodyPr/>
+          <a:lstStyle/>
+          <a:p>
+            <a:r>
+              <a:rPr lang="en-US" dirty="0"/>
+              <a:t>Cavities</a:t>
+            </a:r>
+            <a:endParaRPr lang="et-EE" dirty="0"/>
+          </a:p>
+        </p:txBody>
+      </p:sp>
+      <p:sp>
+        <p:nvSpPr>
+          <p:cNvPr id="4" name="Slide Number Placeholder 3">
+            <a:extLst>
+              <a:ext uri="{FF2B5EF4-FFF2-40B4-BE49-F238E27FC236}">
+                <a16:creationId xmlns:a16="http://schemas.microsoft.com/office/drawing/2014/main" id="{85EF1BC8-41FD-F1B1-B9C0-8B2802B0FC85}"/>
+              </a:ext>
+            </a:extLst>
+          </p:cNvPr>
+          <p:cNvSpPr>
+            <a:spLocks noGrp="1"/>
+          </p:cNvSpPr>
+          <p:nvPr>
+            <p:ph type="sldNum" sz="quarter" idx="12"/>
+          </p:nvPr>
+        </p:nvSpPr>
+        <p:spPr/>
+        <p:txBody>
+          <a:bodyPr/>
+          <a:lstStyle/>
+          <a:p>
+            <a:fld id="{9F39E346-B1F3-4075-BD67-234EF0F10AC6}" type="slidenum">
+              <a:rPr lang="et-EE" smtClean="0">
+                <a:solidFill>
+                  <a:srgbClr val="A8B7BF"/>
+                </a:solidFill>
+                <a:latin typeface="Arial" panose="020B0604020202020204" pitchFamily="34" charset="0"/>
+                <a:cs typeface="Arial" panose="020B0604020202020204" pitchFamily="34" charset="0"/>
+              </a:rPr>
+              <a:pPr/>
+              <a:t>1</a:t>
+            </a:fld>
+            <a:endParaRPr lang="et-EE" dirty="0">
+              <a:solidFill>
+                <a:srgbClr val="A8B7BF"/>
+              </a:solidFill>
+              <a:latin typeface="Arial" panose="020B0604020202020204" pitchFamily="34" charset="0"/>
+              <a:cs typeface="Arial" panose="020B0604020202020204" pitchFamily="34" charset="0"/>
+            </a:endParaRPr>
+          </a:p>
+        </p:txBody>
+      </p:sp>
+      <p:sp>
+        <p:nvSpPr>
+          <p:cNvPr id="5" name="Date Placeholder 4">
+            <a:extLst>
+              <a:ext uri="{FF2B5EF4-FFF2-40B4-BE49-F238E27FC236}">
+                <a16:creationId xmlns:a16="http://schemas.microsoft.com/office/drawing/2014/main" id="{AFCE2E36-E43E-9DF4-20B7-5272595FCCB3}"/>
+              </a:ext>
+            </a:extLst>
+          </p:cNvPr>
+          <p:cNvSpPr>
+            <a:spLocks noGrp="1"/>
+          </p:cNvSpPr>
+          <p:nvPr>
+            <p:ph type="dt" sz="half" idx="10"/>
+          </p:nvPr>
+        </p:nvSpPr>
+        <p:spPr/>
+        <p:txBody>
+          <a:bodyPr/>
+          <a:lstStyle/>
+          <a:p>
+            <a:fld id="{32EEE099-2A99-443B-9970-120A01131372}" type="datetime1">
+              <a:rPr lang="et-EE" smtClean="0">
+                <a:solidFill>
+                  <a:srgbClr val="A8B7BF"/>
+                </a:solidFill>
+                <a:latin typeface="Arial" panose="020B0604020202020204" pitchFamily="34" charset="0"/>
+                <a:cs typeface="Arial" panose="020B0604020202020204" pitchFamily="34" charset="0"/>
+              </a:rPr>
+              <a:t>22.08.2025</a:t>
+            </a:fld>
+            <a:endParaRPr lang="et-EE" dirty="0">
+              <a:solidFill>
+                <a:srgbClr val="A8B7BF"/>
+              </a:solidFill>
+              <a:latin typeface="Arial" panose="020B0604020202020204" pitchFamily="34" charset="0"/>
+              <a:cs typeface="Arial" panose="020B0604020202020204" pitchFamily="34" charset="0"/>
+            </a:endParaRPr>
+          </a:p>
+        </p:txBody>
+      </p:sp>
+      <p:sp>
+        <p:nvSpPr>
+          <p:cNvPr id="6" name="Footer Placeholder 5">
+            <a:extLst>
+              <a:ext uri="{FF2B5EF4-FFF2-40B4-BE49-F238E27FC236}">
+                <a16:creationId xmlns:a16="http://schemas.microsoft.com/office/drawing/2014/main" id="{980CD48D-A0EC-DAD7-C766-AE3B70AEC514}"/>
+              </a:ext>
+            </a:extLst>
+          </p:cNvPr>
+          <p:cNvSpPr>
+            <a:spLocks noGrp="1"/>
+          </p:cNvSpPr>
+          <p:nvPr>
+            <p:ph type="ftr" sz="quarter" idx="11"/>
+          </p:nvPr>
+        </p:nvSpPr>
+        <p:spPr/>
+        <p:txBody>
+          <a:bodyPr/>
+          <a:lstStyle/>
+          <a:p>
+            <a:r>
+              <a:rPr lang="et-EE" dirty="0" err="1">
+                <a:solidFill>
+                  <a:srgbClr val="A8B7BF"/>
+                </a:solidFill>
+                <a:latin typeface="Arial" panose="020B0604020202020204" pitchFamily="34" charset="0"/>
+                <a:cs typeface="Arial" panose="020B0604020202020204" pitchFamily="34" charset="0"/>
+              </a:rPr>
+              <a:t>Weekly</a:t>
+            </a:r>
+            <a:endParaRPr lang="et-EE" dirty="0">
+              <a:solidFill>
+                <a:srgbClr val="A8B7BF"/>
+              </a:solidFill>
+              <a:latin typeface="Arial" panose="020B0604020202020204" pitchFamily="34" charset="0"/>
+              <a:cs typeface="Arial" panose="020B0604020202020204" pitchFamily="34" charset="0"/>
+            </a:endParaRPr>
+          </a:p>
+        </p:txBody>
+      </p:sp>
+      <p:sp>
+        <p:nvSpPr>
+          <p:cNvPr id="11" name="Content Placeholder 10">
+            <a:extLst>
+              <a:ext uri="{FF2B5EF4-FFF2-40B4-BE49-F238E27FC236}">
+                <a16:creationId xmlns:a16="http://schemas.microsoft.com/office/drawing/2014/main" id="{F32E57FC-392D-4D15-8393-67B26091D129}"/>
+              </a:ext>
+            </a:extLst>
+          </p:cNvPr>
+          <p:cNvSpPr>
+            <a:spLocks noGrp="1"/>
+          </p:cNvSpPr>
+          <p:nvPr>
+            <p:ph idx="1"/>
+          </p:nvPr>
+        </p:nvSpPr>
+        <p:spPr>
+          <a:xfrm>
+            <a:off x="224442" y="1161756"/>
+            <a:ext cx="11142895" cy="4365423"/>
+          </a:xfrm>
+        </p:spPr>
+        <p:txBody>
+          <a:bodyPr/>
+          <a:lstStyle/>
+          <a:p>
+            <a:r>
+              <a:rPr lang="en-US" dirty="0"/>
+              <a:t>Two more points from </a:t>
+            </a:r>
+            <a:r>
+              <a:rPr lang="en-US" dirty="0" err="1"/>
+              <a:t>Layertec</a:t>
+            </a:r>
+            <a:r>
+              <a:rPr lang="en-US" dirty="0"/>
+              <a:t>:</a:t>
+            </a:r>
+          </a:p>
+          <a:p>
+            <a:pPr lvl="1"/>
+            <a:r>
+              <a:rPr lang="en-US" dirty="0"/>
+              <a:t>You should as well avoid mounting which would apply sheer or rotational forces.</a:t>
+            </a:r>
+          </a:p>
+          <a:p>
+            <a:pPr lvl="1"/>
+            <a:r>
+              <a:rPr lang="en-US" dirty="0"/>
+              <a:t>we do CRD on the mirrors before contacting on the cavity (due to the geometry we cannot measure the whole cavity). The geometrical dimensions are verified during the production as well.</a:t>
+            </a:r>
+          </a:p>
+          <a:p>
+            <a:pPr lvl="1"/>
+            <a:endParaRPr lang="en-US" dirty="0"/>
+          </a:p>
+        </p:txBody>
+      </p:sp>
     </p:spTree>
     <p:extLst>
       <p:ext uri="{BB962C8B-B14F-4D97-AF65-F5344CB8AC3E}">
@@ -4018,6 +4031,35 @@
       </p:grpSpPr>
       <p:pic>
         <p:nvPicPr>
+          <p:cNvPr id="9" name="Content Placeholder 8">
+            <a:extLst>
+              <a:ext uri="{FF2B5EF4-FFF2-40B4-BE49-F238E27FC236}">
+                <a16:creationId xmlns:a16="http://schemas.microsoft.com/office/drawing/2014/main" id="{B95EDCFC-8485-4D78-B972-5AB089AC451B}"/>
+              </a:ext>
+            </a:extLst>
+          </p:cNvPr>
+          <p:cNvPicPr>
+            <a:picLocks noGrp="1" noChangeAspect="1"/>
+          </p:cNvPicPr>
+          <p:nvPr>
+            <p:ph idx="1"/>
+          </p:nvPr>
+        </p:nvPicPr>
+        <p:blipFill>
+          <a:blip r:embed="rId2"/>
+          <a:stretch>
+            <a:fillRect/>
+          </a:stretch>
+        </p:blipFill>
+        <p:spPr>
+          <a:xfrm>
+            <a:off x="7990701" y="3689489"/>
+            <a:ext cx="3835327" cy="3168511"/>
+          </a:xfrm>
+        </p:spPr>
+      </p:pic>
+      <p:pic>
+        <p:nvPicPr>
           <p:cNvPr id="8" name="Picture 7">
             <a:extLst>
               <a:ext uri="{FF2B5EF4-FFF2-40B4-BE49-F238E27FC236}">
@@ -4031,15 +4073,15 @@
           <p:nvPr/>
         </p:nvPicPr>
         <p:blipFill>
-          <a:blip r:embed="rId2"/>
+          <a:blip r:embed="rId3"/>
           <a:stretch>
             <a:fillRect/>
           </a:stretch>
         </p:blipFill>
         <p:spPr>
           <a:xfrm>
-            <a:off x="7331397" y="1284408"/>
-            <a:ext cx="4413624" cy="4565713"/>
+            <a:off x="8331605" y="97474"/>
+            <a:ext cx="3566588" cy="3689489"/>
           </a:xfrm>
           <a:prstGeom prst="rect">
             <a:avLst/>
@@ -4077,68 +4119,6 @@
       </p:sp>
       <p:sp>
         <p:nvSpPr>
-          <p:cNvPr id="3" name="Content Placeholder 2">
-            <a:extLst>
-              <a:ext uri="{FF2B5EF4-FFF2-40B4-BE49-F238E27FC236}">
-                <a16:creationId xmlns:a16="http://schemas.microsoft.com/office/drawing/2014/main" id="{71B8EE2F-4312-4FAC-AFBA-27E65F49E587}"/>
-              </a:ext>
-            </a:extLst>
-          </p:cNvPr>
-          <p:cNvSpPr>
-            <a:spLocks noGrp="1"/>
-          </p:cNvSpPr>
-          <p:nvPr>
-            <p:ph idx="1"/>
-          </p:nvPr>
-        </p:nvSpPr>
-        <p:spPr>
-          <a:xfrm>
-            <a:off x="224443" y="1161756"/>
-            <a:ext cx="8237238" cy="4365423"/>
-          </a:xfrm>
-        </p:spPr>
-        <p:txBody>
-          <a:bodyPr/>
-          <a:lstStyle/>
-          <a:p>
-            <a:r>
-              <a:rPr lang="en-US" dirty="0"/>
-              <a:t>Philip can design the shields, he already did it for Hexagon.</a:t>
-            </a:r>
-          </a:p>
-          <a:p>
-            <a:pPr lvl="1"/>
-            <a:r>
-              <a:rPr lang="en-US" dirty="0"/>
-              <a:t>Sent him input from my side, I’m yet to receive anything back</a:t>
-            </a:r>
-          </a:p>
-          <a:p>
-            <a:pPr lvl="1"/>
-            <a:r>
-              <a:rPr lang="en-US" dirty="0"/>
-              <a:t>I’m unsure about a suitable beam height</a:t>
-            </a:r>
-          </a:p>
-          <a:p>
-            <a:r>
-              <a:rPr lang="en-US" dirty="0"/>
-              <a:t>Pfeiffer and </a:t>
-            </a:r>
-            <a:r>
-              <a:rPr lang="en-US" dirty="0" err="1"/>
-              <a:t>Allectra</a:t>
-            </a:r>
-            <a:r>
-              <a:rPr lang="en-US" dirty="0"/>
-              <a:t> also have not responded.  </a:t>
-            </a:r>
-            <a:endParaRPr lang="et-EE" dirty="0"/>
-          </a:p>
-        </p:txBody>
-      </p:sp>
-      <p:sp>
-        <p:nvSpPr>
           <p:cNvPr id="4" name="Date Placeholder 3">
             <a:extLst>
               <a:ext uri="{FF2B5EF4-FFF2-40B4-BE49-F238E27FC236}">
@@ -4160,7 +4140,7 @@
           <a:p>
             <a:fld id="{E1CF8E31-244F-4A6A-A7D5-704B96C48AAE}" type="datetime1">
               <a:rPr lang="et-EE" smtClean="0"/>
-              <a:t>19.08.2025</a:t>
+              <a:t>22.08.2025</a:t>
             </a:fld>
             <a:endParaRPr lang="et-EE" dirty="0"/>
           </a:p>
@@ -4224,401 +4204,12 @@
           </a:p>
         </p:txBody>
       </p:sp>
-    </p:spTree>
-    <p:extLst>
-      <p:ext uri="{BB962C8B-B14F-4D97-AF65-F5344CB8AC3E}">
-        <p14:creationId xmlns:p14="http://schemas.microsoft.com/office/powerpoint/2010/main" val="2033019476"/>
-      </p:ext>
-    </p:extLst>
-  </p:cSld>
-  <p:clrMapOvr>
-    <a:masterClrMapping/>
-  </p:clrMapOvr>
-</p:sld>
-</file>
-
-<file path=ppt/slides/slide3.xml><?xml version="1.0" encoding="utf-8"?>
-<p:sld xmlns:a="http://schemas.openxmlformats.org/drawingml/2006/main" xmlns:r="http://schemas.openxmlformats.org/officeDocument/2006/relationships" xmlns:p="http://schemas.openxmlformats.org/presentationml/2006/main">
-  <p:cSld>
-    <p:spTree>
-      <p:nvGrpSpPr>
-        <p:cNvPr id="1" name=""/>
-        <p:cNvGrpSpPr/>
-        <p:nvPr/>
-      </p:nvGrpSpPr>
-      <p:grpSpPr>
-        <a:xfrm>
-          <a:off x="0" y="0"/>
-          <a:ext cx="0" cy="0"/>
-          <a:chOff x="0" y="0"/>
-          <a:chExt cx="0" cy="0"/>
-        </a:xfrm>
-      </p:grpSpPr>
-      <p:sp>
-        <p:nvSpPr>
-          <p:cNvPr id="2" name="Title 1">
+      <p:sp>
+        <p:nvSpPr>
+          <p:cNvPr id="10" name="Content Placeholder 10">
             <a:extLst>
               <a:ext uri="{FF2B5EF4-FFF2-40B4-BE49-F238E27FC236}">
-                <a16:creationId xmlns:a16="http://schemas.microsoft.com/office/drawing/2014/main" id="{AE216C68-A0C2-4F4E-8423-B9E474886256}"/>
-              </a:ext>
-            </a:extLst>
-          </p:cNvPr>
-          <p:cNvSpPr>
-            <a:spLocks noGrp="1"/>
-          </p:cNvSpPr>
-          <p:nvPr>
-            <p:ph type="title"/>
-          </p:nvPr>
-        </p:nvSpPr>
-        <p:spPr/>
-        <p:txBody>
-          <a:bodyPr/>
-          <a:lstStyle/>
-          <a:p>
-            <a:r>
-              <a:rPr lang="en-US" dirty="0"/>
-              <a:t>Follow-up Meeting with Michaela</a:t>
-            </a:r>
-            <a:endParaRPr lang="LID4096" dirty="0"/>
-          </a:p>
-        </p:txBody>
-      </p:sp>
-      <p:sp>
-        <p:nvSpPr>
-          <p:cNvPr id="3" name="Content Placeholder 2">
-            <a:extLst>
-              <a:ext uri="{FF2B5EF4-FFF2-40B4-BE49-F238E27FC236}">
-                <a16:creationId xmlns:a16="http://schemas.microsoft.com/office/drawing/2014/main" id="{84ED7988-8135-4ABA-A453-E098A806E4F5}"/>
-              </a:ext>
-            </a:extLst>
-          </p:cNvPr>
-          <p:cNvSpPr>
-            <a:spLocks noGrp="1"/>
-          </p:cNvSpPr>
-          <p:nvPr>
-            <p:ph idx="1"/>
-          </p:nvPr>
-        </p:nvSpPr>
-        <p:spPr>
-          <a:xfrm>
-            <a:off x="224442" y="1161756"/>
-            <a:ext cx="11681324" cy="4365423"/>
-          </a:xfrm>
-        </p:spPr>
-        <p:txBody>
-          <a:bodyPr/>
-          <a:lstStyle/>
-          <a:p>
-            <a:r>
-              <a:rPr lang="en-US" dirty="0"/>
-              <a:t>The table should be in the lab before the safety wall</a:t>
-            </a:r>
-          </a:p>
-          <a:p>
-            <a:pPr lvl="1"/>
-            <a:r>
-              <a:rPr lang="en-US" dirty="0"/>
-              <a:t>Thorlabs lists a availability as 1 week for the table and legs (probably not true)</a:t>
-            </a:r>
-          </a:p>
-          <a:p>
-            <a:pPr lvl="1"/>
-            <a:r>
-              <a:rPr lang="en-US" dirty="0"/>
-              <a:t>The safety wall will presumably take months</a:t>
-            </a:r>
-          </a:p>
-          <a:p>
-            <a:r>
-              <a:rPr lang="en-US" dirty="0"/>
-              <a:t>It probably makes most sense to do a deeper clean in the lab after the safety wall is installed?</a:t>
-            </a:r>
-          </a:p>
-          <a:p>
-            <a:pPr lvl="1"/>
-            <a:r>
-              <a:rPr lang="en-US" dirty="0"/>
-              <a:t>Udo is yet to answer my email</a:t>
-            </a:r>
-          </a:p>
-          <a:p>
-            <a:pPr lvl="1"/>
-            <a:endParaRPr lang="en-US" dirty="0"/>
-          </a:p>
-          <a:p>
-            <a:pPr lvl="1"/>
-            <a:endParaRPr lang="LID4096" dirty="0"/>
-          </a:p>
-        </p:txBody>
-      </p:sp>
-      <p:sp>
-        <p:nvSpPr>
-          <p:cNvPr id="4" name="Date Placeholder 3">
-            <a:extLst>
-              <a:ext uri="{FF2B5EF4-FFF2-40B4-BE49-F238E27FC236}">
-                <a16:creationId xmlns:a16="http://schemas.microsoft.com/office/drawing/2014/main" id="{01B0549F-1AF9-4A15-9CD0-535A6B78F513}"/>
-              </a:ext>
-            </a:extLst>
-          </p:cNvPr>
-          <p:cNvSpPr>
-            <a:spLocks noGrp="1"/>
-          </p:cNvSpPr>
-          <p:nvPr>
-            <p:ph type="dt" sz="half" idx="10"/>
-          </p:nvPr>
-        </p:nvSpPr>
-        <p:spPr/>
-        <p:txBody>
-          <a:bodyPr/>
-          <a:lstStyle/>
-          <a:p>
-            <a:fld id="{E1CF8E31-244F-4A6A-A7D5-704B96C48AAE}" type="datetime1">
-              <a:rPr lang="et-EE" smtClean="0"/>
-              <a:t>19.08.2025</a:t>
-            </a:fld>
-            <a:endParaRPr lang="et-EE" dirty="0"/>
-          </a:p>
-        </p:txBody>
-      </p:sp>
-      <p:sp>
-        <p:nvSpPr>
-          <p:cNvPr id="5" name="Footer Placeholder 4">
-            <a:extLst>
-              <a:ext uri="{FF2B5EF4-FFF2-40B4-BE49-F238E27FC236}">
-                <a16:creationId xmlns:a16="http://schemas.microsoft.com/office/drawing/2014/main" id="{47291FB1-6957-4D08-804E-7A26EEC3F9E5}"/>
-              </a:ext>
-            </a:extLst>
-          </p:cNvPr>
-          <p:cNvSpPr>
-            <a:spLocks noGrp="1"/>
-          </p:cNvSpPr>
-          <p:nvPr>
-            <p:ph type="ftr" sz="quarter" idx="11"/>
-          </p:nvPr>
-        </p:nvSpPr>
-        <p:spPr/>
-        <p:txBody>
-          <a:bodyPr/>
-          <a:lstStyle/>
-          <a:p>
-            <a:r>
-              <a:rPr lang="et-EE"/>
-              <a:t>Weekly</a:t>
-            </a:r>
-          </a:p>
-        </p:txBody>
-      </p:sp>
-      <p:sp>
-        <p:nvSpPr>
-          <p:cNvPr id="6" name="Slide Number Placeholder 5">
-            <a:extLst>
-              <a:ext uri="{FF2B5EF4-FFF2-40B4-BE49-F238E27FC236}">
-                <a16:creationId xmlns:a16="http://schemas.microsoft.com/office/drawing/2014/main" id="{2809A346-C2A2-4A35-8C5B-D5038F5446CC}"/>
-              </a:ext>
-            </a:extLst>
-          </p:cNvPr>
-          <p:cNvSpPr>
-            <a:spLocks noGrp="1"/>
-          </p:cNvSpPr>
-          <p:nvPr>
-            <p:ph type="sldNum" sz="quarter" idx="12"/>
-          </p:nvPr>
-        </p:nvSpPr>
-        <p:spPr/>
-        <p:txBody>
-          <a:bodyPr/>
-          <a:lstStyle/>
-          <a:p>
-            <a:fld id="{9F39E346-B1F3-4075-BD67-234EF0F10AC6}" type="slidenum">
-              <a:rPr lang="et-EE" smtClean="0"/>
-              <a:pPr/>
-              <a:t>3</a:t>
-            </a:fld>
-            <a:endParaRPr lang="et-EE" dirty="0"/>
-          </a:p>
-        </p:txBody>
-      </p:sp>
-    </p:spTree>
-    <p:extLst>
-      <p:ext uri="{BB962C8B-B14F-4D97-AF65-F5344CB8AC3E}">
-        <p14:creationId xmlns:p14="http://schemas.microsoft.com/office/powerpoint/2010/main" val="1491182051"/>
-      </p:ext>
-    </p:extLst>
-  </p:cSld>
-  <p:clrMapOvr>
-    <a:masterClrMapping/>
-  </p:clrMapOvr>
-</p:sld>
-</file>
-
-<file path=ppt/slides/slide4.xml><?xml version="1.0" encoding="utf-8"?>
-<p:sld xmlns:a="http://schemas.openxmlformats.org/drawingml/2006/main" xmlns:r="http://schemas.openxmlformats.org/officeDocument/2006/relationships" xmlns:p="http://schemas.openxmlformats.org/presentationml/2006/main">
-  <p:cSld>
-    <p:spTree>
-      <p:nvGrpSpPr>
-        <p:cNvPr id="1" name=""/>
-        <p:cNvGrpSpPr/>
-        <p:nvPr/>
-      </p:nvGrpSpPr>
-      <p:grpSpPr>
-        <a:xfrm>
-          <a:off x="0" y="0"/>
-          <a:ext cx="0" cy="0"/>
-          <a:chOff x="0" y="0"/>
-          <a:chExt cx="0" cy="0"/>
-        </a:xfrm>
-      </p:grpSpPr>
-      <p:sp>
-        <p:nvSpPr>
-          <p:cNvPr id="2" name="Title 1">
-            <a:extLst>
-              <a:ext uri="{FF2B5EF4-FFF2-40B4-BE49-F238E27FC236}">
-                <a16:creationId xmlns:a16="http://schemas.microsoft.com/office/drawing/2014/main" id="{D8B07BD1-919B-4F3C-993D-CA59596320F2}"/>
-              </a:ext>
-            </a:extLst>
-          </p:cNvPr>
-          <p:cNvSpPr>
-            <a:spLocks noGrp="1"/>
-          </p:cNvSpPr>
-          <p:nvPr>
-            <p:ph type="title"/>
-          </p:nvPr>
-        </p:nvSpPr>
-        <p:spPr/>
-        <p:txBody>
-          <a:bodyPr/>
-          <a:lstStyle/>
-          <a:p>
-            <a:r>
-              <a:rPr lang="en-US" dirty="0"/>
-              <a:t>About the Table</a:t>
-            </a:r>
-            <a:endParaRPr lang="LID4096" dirty="0"/>
-          </a:p>
-        </p:txBody>
-      </p:sp>
-      <p:pic>
-        <p:nvPicPr>
-          <p:cNvPr id="8" name="Content Placeholder 7">
-            <a:extLst>
-              <a:ext uri="{FF2B5EF4-FFF2-40B4-BE49-F238E27FC236}">
-                <a16:creationId xmlns:a16="http://schemas.microsoft.com/office/drawing/2014/main" id="{1C3BBAC8-4DDA-4CA0-A3B7-38C778CA014F}"/>
-              </a:ext>
-            </a:extLst>
-          </p:cNvPr>
-          <p:cNvPicPr>
-            <a:picLocks noGrp="1" noChangeAspect="1"/>
-          </p:cNvPicPr>
-          <p:nvPr>
-            <p:ph idx="1"/>
-          </p:nvPr>
-        </p:nvPicPr>
-        <p:blipFill>
-          <a:blip r:embed="rId2"/>
-          <a:stretch>
-            <a:fillRect/>
-          </a:stretch>
-        </p:blipFill>
-        <p:spPr>
-          <a:xfrm>
-            <a:off x="7247125" y="2455537"/>
-            <a:ext cx="4842518" cy="4365625"/>
-          </a:xfrm>
-        </p:spPr>
-      </p:pic>
-      <p:sp>
-        <p:nvSpPr>
-          <p:cNvPr id="4" name="Date Placeholder 3">
-            <a:extLst>
-              <a:ext uri="{FF2B5EF4-FFF2-40B4-BE49-F238E27FC236}">
-                <a16:creationId xmlns:a16="http://schemas.microsoft.com/office/drawing/2014/main" id="{B726820B-95E4-422D-B761-98F23716B20D}"/>
-              </a:ext>
-            </a:extLst>
-          </p:cNvPr>
-          <p:cNvSpPr>
-            <a:spLocks noGrp="1"/>
-          </p:cNvSpPr>
-          <p:nvPr>
-            <p:ph type="dt" sz="half" idx="10"/>
-          </p:nvPr>
-        </p:nvSpPr>
-        <p:spPr/>
-        <p:txBody>
-          <a:bodyPr/>
-          <a:lstStyle/>
-          <a:p>
-            <a:fld id="{E1CF8E31-244F-4A6A-A7D5-704B96C48AAE}" type="datetime1">
-              <a:rPr lang="et-EE" smtClean="0"/>
-              <a:t>19.08.2025</a:t>
-            </a:fld>
-            <a:endParaRPr lang="et-EE" dirty="0"/>
-          </a:p>
-        </p:txBody>
-      </p:sp>
-      <p:sp>
-        <p:nvSpPr>
-          <p:cNvPr id="5" name="Footer Placeholder 4">
-            <a:extLst>
-              <a:ext uri="{FF2B5EF4-FFF2-40B4-BE49-F238E27FC236}">
-                <a16:creationId xmlns:a16="http://schemas.microsoft.com/office/drawing/2014/main" id="{FD876652-77A4-4081-A910-D91B896153E6}"/>
-              </a:ext>
-            </a:extLst>
-          </p:cNvPr>
-          <p:cNvSpPr>
-            <a:spLocks noGrp="1"/>
-          </p:cNvSpPr>
-          <p:nvPr>
-            <p:ph type="ftr" sz="quarter" idx="11"/>
-          </p:nvPr>
-        </p:nvSpPr>
-        <p:spPr/>
-        <p:txBody>
-          <a:bodyPr/>
-          <a:lstStyle/>
-          <a:p>
-            <a:r>
-              <a:rPr lang="et-EE"/>
-              <a:t>Weekly</a:t>
-            </a:r>
-          </a:p>
-        </p:txBody>
-      </p:sp>
-      <p:sp>
-        <p:nvSpPr>
-          <p:cNvPr id="6" name="Slide Number Placeholder 5">
-            <a:extLst>
-              <a:ext uri="{FF2B5EF4-FFF2-40B4-BE49-F238E27FC236}">
-                <a16:creationId xmlns:a16="http://schemas.microsoft.com/office/drawing/2014/main" id="{E34DFE80-9BB2-4212-9149-25547ACC5228}"/>
-              </a:ext>
-            </a:extLst>
-          </p:cNvPr>
-          <p:cNvSpPr>
-            <a:spLocks noGrp="1"/>
-          </p:cNvSpPr>
-          <p:nvPr>
-            <p:ph type="sldNum" sz="quarter" idx="12"/>
-          </p:nvPr>
-        </p:nvSpPr>
-        <p:spPr/>
-        <p:txBody>
-          <a:bodyPr/>
-          <a:lstStyle/>
-          <a:p>
-            <a:fld id="{9F39E346-B1F3-4075-BD67-234EF0F10AC6}" type="slidenum">
-              <a:rPr lang="et-EE" smtClean="0"/>
-              <a:pPr/>
-              <a:t>4</a:t>
-            </a:fld>
-            <a:endParaRPr lang="et-EE" dirty="0"/>
-          </a:p>
-        </p:txBody>
-      </p:sp>
-      <p:sp>
-        <p:nvSpPr>
-          <p:cNvPr id="9" name="Content Placeholder 2">
-            <a:extLst>
-              <a:ext uri="{FF2B5EF4-FFF2-40B4-BE49-F238E27FC236}">
-                <a16:creationId xmlns:a16="http://schemas.microsoft.com/office/drawing/2014/main" id="{95BEED96-D058-4006-8ED7-4B908B83C4DD}"/>
+                <a16:creationId xmlns:a16="http://schemas.microsoft.com/office/drawing/2014/main" id="{B7C8C37C-5791-43AE-B00A-AEB2A464FF01}"/>
               </a:ext>
             </a:extLst>
           </p:cNvPr>
@@ -4630,7 +4221,7 @@
         <p:spPr>
           <a:xfrm>
             <a:off x="224442" y="1161756"/>
-            <a:ext cx="11681324" cy="4365423"/>
+            <a:ext cx="8158331" cy="4365423"/>
           </a:xfrm>
           <a:prstGeom prst="rect">
             <a:avLst/>
@@ -4807,29 +4398,36 @@
           <a:p>
             <a:r>
               <a:rPr lang="en-US" dirty="0"/>
-              <a:t>Thorlabs has a compatible stand alone shelf for the optical table (about 2 m high) </a:t>
+              <a:t>Philip designed a shield that can be assembled inside the vacuum tank.</a:t>
             </a:r>
           </a:p>
           <a:p>
             <a:r>
               <a:rPr lang="en-US" dirty="0"/>
-              <a:t>The full price would be 4443.07 + 3590.81 + 2299.26 = 10333.14 &lt; 15000</a:t>
-            </a:r>
+              <a:t>Pfeiffer responded, should get a quote maybe next week</a:t>
+            </a:r>
+          </a:p>
+          <a:p>
+            <a:r>
+              <a:rPr lang="en-US" dirty="0"/>
+              <a:t>I’ve been reading </a:t>
+            </a:r>
+            <a:r>
+              <a:rPr lang="en-US"/>
+              <a:t>about pumps.</a:t>
+            </a:r>
+            <a:endParaRPr lang="en-US" dirty="0"/>
           </a:p>
           <a:p>
             <a:pPr lvl="1"/>
             <a:endParaRPr lang="en-US" dirty="0"/>
-          </a:p>
-          <a:p>
-            <a:pPr lvl="1"/>
-            <a:endParaRPr lang="LID4096" dirty="0"/>
           </a:p>
         </p:txBody>
       </p:sp>
     </p:spTree>
     <p:extLst>
       <p:ext uri="{BB962C8B-B14F-4D97-AF65-F5344CB8AC3E}">
-        <p14:creationId xmlns:p14="http://schemas.microsoft.com/office/powerpoint/2010/main" val="1747271690"/>
+        <p14:creationId xmlns:p14="http://schemas.microsoft.com/office/powerpoint/2010/main" val="2033019476"/>
       </p:ext>
     </p:extLst>
   </p:cSld>
